--- a/models-comp-comm/slide_presentations/.hidden/instruction-set-architecture.pptx
+++ b/models-comp-comm/slide_presentations/.hidden/instruction-set-architecture.pptx
@@ -5,7 +5,7 @@
     <p:sldMasterId id="2147483659" r:id="rId1"/>
   </p:sldMasterIdLst>
   <p:notesMasterIdLst>
-    <p:notesMasterId r:id="rId13"/>
+    <p:notesMasterId r:id="rId15"/>
   </p:notesMasterIdLst>
   <p:sldIdLst>
     <p:sldId id="256" r:id="rId2"/>
@@ -14,21 +14,23 @@
     <p:sldId id="259" r:id="rId5"/>
     <p:sldId id="260" r:id="rId6"/>
     <p:sldId id="261" r:id="rId7"/>
-    <p:sldId id="262" r:id="rId8"/>
-    <p:sldId id="263" r:id="rId9"/>
-    <p:sldId id="264" r:id="rId10"/>
-    <p:sldId id="265" r:id="rId11"/>
-    <p:sldId id="266" r:id="rId12"/>
+    <p:sldId id="272" r:id="rId8"/>
+    <p:sldId id="262" r:id="rId9"/>
+    <p:sldId id="270" r:id="rId10"/>
+    <p:sldId id="263" r:id="rId11"/>
+    <p:sldId id="264" r:id="rId12"/>
+    <p:sldId id="266" r:id="rId13"/>
+    <p:sldId id="267" r:id="rId14"/>
   </p:sldIdLst>
   <p:sldSz cx="9144000" cy="5143500" type="screen16x9"/>
   <p:notesSz cx="6858000" cy="9144000"/>
   <p:embeddedFontLst>
     <p:embeddedFont>
       <p:font typeface="Source Code Pro" panose="020B0509030403020204" pitchFamily="49" charset="0"/>
-      <p:regular r:id="rId14"/>
-      <p:bold r:id="rId15"/>
-      <p:italic r:id="rId16"/>
-      <p:boldItalic r:id="rId17"/>
+      <p:regular r:id="rId16"/>
+      <p:bold r:id="rId17"/>
+      <p:italic r:id="rId18"/>
+      <p:boldItalic r:id="rId19"/>
     </p:embeddedFont>
   </p:embeddedFontLst>
   <p:defaultTextStyle>
@@ -829,7 +831,7 @@
   <p:cSld>
     <p:spTree>
       <p:nvGrpSpPr>
-        <p:cNvPr id="1" name="Shape 219"/>
+        <p:cNvPr id="1" name="Shape 177"/>
         <p:cNvGrpSpPr/>
         <p:nvPr/>
       </p:nvGrpSpPr>
@@ -843,7 +845,7 @@
       </p:grpSpPr>
       <p:sp>
         <p:nvSpPr>
-          <p:cNvPr id="220" name="Google Shape;220;gf02e65bbb2_0_0:notes"/>
+          <p:cNvPr id="178" name="Google Shape;178;gf02e65bbb2_0_146:notes"/>
           <p:cNvSpPr>
             <a:spLocks noGrp="1" noRot="1" noChangeAspect="1"/>
           </p:cNvSpPr>
@@ -884,7 +886,7 @@
       </p:sp>
       <p:sp>
         <p:nvSpPr>
-          <p:cNvPr id="221" name="Google Shape;221;gf02e65bbb2_0_0:notes"/>
+          <p:cNvPr id="179" name="Google Shape;179;gf02e65bbb2_0_146:notes"/>
           <p:cNvSpPr txBox="1">
             <a:spLocks noGrp="1"/>
           </p:cNvSpPr>
@@ -929,6 +931,110 @@
 </file>
 
 <file path=ppt/notesSlides/notesSlide11.xml><?xml version="1.0" encoding="utf-8"?>
+<p:notes xmlns:a="http://schemas.openxmlformats.org/drawingml/2006/main" xmlns:r="http://schemas.openxmlformats.org/officeDocument/2006/relationships" xmlns:p="http://schemas.openxmlformats.org/presentationml/2006/main" showMasterSp="0" showMasterPhAnim="0">
+  <p:cSld>
+    <p:spTree>
+      <p:nvGrpSpPr>
+        <p:cNvPr id="1" name="Shape 185"/>
+        <p:cNvGrpSpPr/>
+        <p:nvPr/>
+      </p:nvGrpSpPr>
+      <p:grpSpPr>
+        <a:xfrm>
+          <a:off x="0" y="0"/>
+          <a:ext cx="0" cy="0"/>
+          <a:chOff x="0" y="0"/>
+          <a:chExt cx="0" cy="0"/>
+        </a:xfrm>
+      </p:grpSpPr>
+      <p:sp>
+        <p:nvSpPr>
+          <p:cNvPr id="186" name="Google Shape;186;gf02e65bbb2_0_153:notes"/>
+          <p:cNvSpPr>
+            <a:spLocks noGrp="1" noRot="1" noChangeAspect="1"/>
+          </p:cNvSpPr>
+          <p:nvPr>
+            <p:ph type="sldImg" idx="2"/>
+          </p:nvPr>
+        </p:nvSpPr>
+        <p:spPr>
+          <a:xfrm>
+            <a:off x="381000" y="685800"/>
+            <a:ext cx="6096000" cy="3429000"/>
+          </a:xfrm>
+          <a:custGeom>
+            <a:avLst/>
+            <a:gdLst/>
+            <a:ahLst/>
+            <a:cxnLst/>
+            <a:rect l="l" t="t" r="r" b="b"/>
+            <a:pathLst>
+              <a:path w="120000" h="120000" extrusionOk="0">
+                <a:moveTo>
+                  <a:pt x="0" y="0"/>
+                </a:moveTo>
+                <a:lnTo>
+                  <a:pt x="120000" y="0"/>
+                </a:lnTo>
+                <a:lnTo>
+                  <a:pt x="120000" y="120000"/>
+                </a:lnTo>
+                <a:lnTo>
+                  <a:pt x="0" y="120000"/>
+                </a:lnTo>
+                <a:close/>
+              </a:path>
+            </a:pathLst>
+          </a:custGeom>
+        </p:spPr>
+      </p:sp>
+      <p:sp>
+        <p:nvSpPr>
+          <p:cNvPr id="187" name="Google Shape;187;gf02e65bbb2_0_153:notes"/>
+          <p:cNvSpPr txBox="1">
+            <a:spLocks noGrp="1"/>
+          </p:cNvSpPr>
+          <p:nvPr>
+            <p:ph type="body" idx="1"/>
+          </p:nvPr>
+        </p:nvSpPr>
+        <p:spPr>
+          <a:xfrm>
+            <a:off x="685800" y="4343400"/>
+            <a:ext cx="5486400" cy="4114800"/>
+          </a:xfrm>
+          <a:prstGeom prst="rect">
+            <a:avLst/>
+          </a:prstGeom>
+        </p:spPr>
+        <p:txBody>
+          <a:bodyPr spcFirstLastPara="1" wrap="square" lIns="91425" tIns="91425" rIns="91425" bIns="91425" anchor="t" anchorCtr="0">
+            <a:noAutofit/>
+          </a:bodyPr>
+          <a:lstStyle/>
+          <a:p>
+            <a:pPr marL="0" lvl="0" indent="0" algn="l" rtl="0">
+              <a:spcBef>
+                <a:spcPts val="0"/>
+              </a:spcBef>
+              <a:spcAft>
+                <a:spcPts val="0"/>
+              </a:spcAft>
+              <a:buNone/>
+            </a:pPr>
+            <a:endParaRPr dirty="0"/>
+          </a:p>
+        </p:txBody>
+      </p:sp>
+    </p:spTree>
+  </p:cSld>
+  <p:clrMapOvr>
+    <a:masterClrMapping/>
+  </p:clrMapOvr>
+</p:notes>
+</file>
+
+<file path=ppt/notesSlides/notesSlide12.xml><?xml version="1.0" encoding="utf-8"?>
 <p:notes xmlns:a="http://schemas.openxmlformats.org/drawingml/2006/main" xmlns:r="http://schemas.openxmlformats.org/officeDocument/2006/relationships" xmlns:p="http://schemas.openxmlformats.org/presentationml/2006/main" showMasterSp="0" showMasterPhAnim="0">
   <p:cSld>
     <p:spTree>
@@ -1557,7 +1663,7 @@
   <p:cSld>
     <p:spTree>
       <p:nvGrpSpPr>
-        <p:cNvPr id="1" name="Shape 150"/>
+        <p:cNvPr id="1" name="Shape 56"/>
         <p:cNvGrpSpPr/>
         <p:nvPr/>
       </p:nvGrpSpPr>
@@ -1571,7 +1677,7 @@
       </p:grpSpPr>
       <p:sp>
         <p:nvSpPr>
-          <p:cNvPr id="151" name="Google Shape;151;gf02e65bbb2_0_141:notes"/>
+          <p:cNvPr id="57" name="Google Shape;57;gf02e65bbb2_0_114:notes"/>
           <p:cNvSpPr>
             <a:spLocks noGrp="1" noRot="1" noChangeAspect="1"/>
           </p:cNvSpPr>
@@ -1612,7 +1718,7 @@
       </p:sp>
       <p:sp>
         <p:nvSpPr>
-          <p:cNvPr id="152" name="Google Shape;152;gf02e65bbb2_0_141:notes"/>
+          <p:cNvPr id="58" name="Google Shape;58;gf02e65bbb2_0_114:notes"/>
           <p:cNvSpPr txBox="1">
             <a:spLocks noGrp="1"/>
           </p:cNvSpPr>
@@ -1644,11 +1750,16 @@
               </a:spcAft>
               <a:buNone/>
             </a:pPr>
-            <a:endParaRPr dirty="0"/>
+            <a:endParaRPr/>
           </a:p>
         </p:txBody>
       </p:sp>
     </p:spTree>
+    <p:extLst>
+      <p:ext uri="{BB962C8B-B14F-4D97-AF65-F5344CB8AC3E}">
+        <p14:creationId xmlns:p14="http://schemas.microsoft.com/office/powerpoint/2010/main" val="422988305"/>
+      </p:ext>
+    </p:extLst>
   </p:cSld>
   <p:clrMapOvr>
     <a:masterClrMapping/>
@@ -1661,7 +1772,7 @@
   <p:cSld>
     <p:spTree>
       <p:nvGrpSpPr>
-        <p:cNvPr id="1" name="Shape 177"/>
+        <p:cNvPr id="1" name="Shape 150"/>
         <p:cNvGrpSpPr/>
         <p:nvPr/>
       </p:nvGrpSpPr>
@@ -1675,7 +1786,7 @@
       </p:grpSpPr>
       <p:sp>
         <p:nvSpPr>
-          <p:cNvPr id="178" name="Google Shape;178;gf02e65bbb2_0_146:notes"/>
+          <p:cNvPr id="151" name="Google Shape;151;gf02e65bbb2_0_141:notes"/>
           <p:cNvSpPr>
             <a:spLocks noGrp="1" noRot="1" noChangeAspect="1"/>
           </p:cNvSpPr>
@@ -1716,7 +1827,7 @@
       </p:sp>
       <p:sp>
         <p:nvSpPr>
-          <p:cNvPr id="179" name="Google Shape;179;gf02e65bbb2_0_146:notes"/>
+          <p:cNvPr id="152" name="Google Shape;152;gf02e65bbb2_0_141:notes"/>
           <p:cNvSpPr txBox="1">
             <a:spLocks noGrp="1"/>
           </p:cNvSpPr>
@@ -1748,7 +1859,7 @@
               </a:spcAft>
               <a:buNone/>
             </a:pPr>
-            <a:endParaRPr/>
+            <a:endParaRPr dirty="0"/>
           </a:p>
         </p:txBody>
       </p:sp>
@@ -1765,7 +1876,7 @@
   <p:cSld>
     <p:spTree>
       <p:nvGrpSpPr>
-        <p:cNvPr id="1" name="Shape 185"/>
+        <p:cNvPr id="1" name="Shape 50"/>
         <p:cNvGrpSpPr/>
         <p:nvPr/>
       </p:nvGrpSpPr>
@@ -1779,7 +1890,7 @@
       </p:grpSpPr>
       <p:sp>
         <p:nvSpPr>
-          <p:cNvPr id="186" name="Google Shape;186;gf02e65bbb2_0_153:notes"/>
+          <p:cNvPr id="51" name="Google Shape;51;g1249030a962_0_33:notes"/>
           <p:cNvSpPr>
             <a:spLocks noGrp="1" noRot="1" noChangeAspect="1"/>
           </p:cNvSpPr>
@@ -1820,7 +1931,7 @@
       </p:sp>
       <p:sp>
         <p:nvSpPr>
-          <p:cNvPr id="187" name="Google Shape;187;gf02e65bbb2_0_153:notes"/>
+          <p:cNvPr id="52" name="Google Shape;52;g1249030a962_0_33:notes"/>
           <p:cNvSpPr txBox="1">
             <a:spLocks noGrp="1"/>
           </p:cNvSpPr>
@@ -1852,7 +1963,7 @@
               </a:spcAft>
               <a:buNone/>
             </a:pPr>
-            <a:endParaRPr dirty="0"/>
+            <a:endParaRPr/>
           </a:p>
         </p:txBody>
       </p:sp>
@@ -6713,7 +6824,7 @@
   <p:cSld>
     <p:spTree>
       <p:nvGrpSpPr>
-        <p:cNvPr id="1" name="Shape 222"/>
+        <p:cNvPr id="1" name="Shape 180"/>
         <p:cNvGrpSpPr/>
         <p:nvPr/>
       </p:nvGrpSpPr>
@@ -6727,7 +6838,7 @@
       </p:grpSpPr>
       <p:sp>
         <p:nvSpPr>
-          <p:cNvPr id="223" name="Google Shape;223;p22"/>
+          <p:cNvPr id="181" name="Google Shape;181;p20"/>
           <p:cNvSpPr txBox="1">
             <a:spLocks noGrp="1"/>
           </p:cNvSpPr>
@@ -6760,20 +6871,16 @@
               <a:buNone/>
             </a:pPr>
             <a:r>
-              <a:rPr lang="en" dirty="0"/>
-              <a:t>Memory Organization  </a:t>
-            </a:r>
-            <a:r>
-              <a:rPr lang="en" sz="2244" dirty="0"/>
-              <a:t>(Java program)</a:t>
-            </a:r>
-            <a:endParaRPr sz="2244" dirty="0"/>
+              <a:rPr lang="en"/>
+              <a:t>MIPS ISA Architecture: Registers</a:t>
+            </a:r>
+            <a:endParaRPr/>
           </a:p>
         </p:txBody>
       </p:sp>
       <p:sp>
         <p:nvSpPr>
-          <p:cNvPr id="224" name="Google Shape;224;p22"/>
+          <p:cNvPr id="182" name="Google Shape;182;p20"/>
           <p:cNvSpPr txBox="1">
             <a:spLocks noGrp="1"/>
           </p:cNvSpPr>
@@ -6792,1253 +6899,544 @@
         </p:spPr>
         <p:txBody>
           <a:bodyPr spcFirstLastPara="1" wrap="square" lIns="91425" tIns="91425" rIns="91425" bIns="91425" anchor="t" anchorCtr="0">
-            <a:noAutofit/>
+            <a:normAutofit/>
           </a:bodyPr>
           <a:lstStyle/>
           <a:p>
+            <a:pPr marL="457200" lvl="0" indent="-342900" algn="l" rtl="0">
+              <a:spcBef>
+                <a:spcPts val="0"/>
+              </a:spcBef>
+              <a:spcAft>
+                <a:spcPts val="0"/>
+              </a:spcAft>
+              <a:buSzPts val="1800"/>
+              <a:buChar char="●"/>
+            </a:pPr>
+            <a:r>
+              <a:rPr lang="en"/>
+              <a:t>Data types: </a:t>
+            </a:r>
+            <a:endParaRPr/>
+          </a:p>
+          <a:p>
+            <a:pPr marL="914400" lvl="1" indent="-317500" algn="l" rtl="0">
+              <a:spcBef>
+                <a:spcPts val="0"/>
+              </a:spcBef>
+              <a:spcAft>
+                <a:spcPts val="0"/>
+              </a:spcAft>
+              <a:buSzPts val="1400"/>
+              <a:buChar char="○"/>
+            </a:pPr>
+            <a:r>
+              <a:rPr lang="en"/>
+              <a:t>byte, half, word</a:t>
+            </a:r>
+            <a:endParaRPr/>
+          </a:p>
+          <a:p>
+            <a:pPr marL="914400" lvl="1" indent="-317500" algn="l" rtl="0">
+              <a:spcBef>
+                <a:spcPts val="0"/>
+              </a:spcBef>
+              <a:spcAft>
+                <a:spcPts val="0"/>
+              </a:spcAft>
+              <a:buSzPts val="1400"/>
+              <a:buChar char="○"/>
+            </a:pPr>
+            <a:r>
+              <a:rPr lang="en"/>
+              <a:t>integer (signed/unsigned), binary32, binary64</a:t>
+            </a:r>
+            <a:endParaRPr/>
+          </a:p>
+          <a:p>
+            <a:pPr marL="457200" lvl="0" indent="-342900" algn="l" rtl="0">
+              <a:spcBef>
+                <a:spcPts val="0"/>
+              </a:spcBef>
+              <a:spcAft>
+                <a:spcPts val="0"/>
+              </a:spcAft>
+              <a:buSzPts val="1800"/>
+              <a:buChar char="●"/>
+            </a:pPr>
+            <a:r>
+              <a:rPr lang="en"/>
+              <a:t>Registers: </a:t>
+            </a:r>
+            <a:endParaRPr/>
+          </a:p>
+          <a:p>
+            <a:pPr marL="914400" lvl="1" indent="-317500" algn="l" rtl="0">
+              <a:spcBef>
+                <a:spcPts val="0"/>
+              </a:spcBef>
+              <a:spcAft>
+                <a:spcPts val="0"/>
+              </a:spcAft>
+              <a:buSzPts val="1400"/>
+              <a:buChar char="○"/>
+            </a:pPr>
+            <a:r>
+              <a:rPr lang="en"/>
+              <a:t>32: 32-bit integer registers </a:t>
+            </a:r>
+            <a:endParaRPr/>
+          </a:p>
+          <a:p>
+            <a:pPr marL="914400" lvl="1" indent="-317500" algn="l" rtl="0">
+              <a:spcBef>
+                <a:spcPts val="0"/>
+              </a:spcBef>
+              <a:spcAft>
+                <a:spcPts val="0"/>
+              </a:spcAft>
+              <a:buSzPts val="1400"/>
+              <a:buChar char="○"/>
+            </a:pPr>
+            <a:r>
+              <a:rPr lang="en"/>
+              <a:t>32: 32-bit floating point registers</a:t>
+            </a:r>
+            <a:endParaRPr/>
+          </a:p>
+          <a:p>
+            <a:pPr marL="1371600" lvl="2" indent="-317500" algn="l" rtl="0">
+              <a:spcBef>
+                <a:spcPts val="0"/>
+              </a:spcBef>
+              <a:spcAft>
+                <a:spcPts val="0"/>
+              </a:spcAft>
+              <a:buSzPts val="1400"/>
+              <a:buChar char="■"/>
+            </a:pPr>
+            <a:r>
+              <a:rPr lang="en"/>
+              <a:t>binary32: $fp0 .. $fp31</a:t>
+            </a:r>
+            <a:endParaRPr/>
+          </a:p>
+          <a:p>
+            <a:pPr marL="1371600" lvl="2" indent="-317500" algn="l" rtl="0">
+              <a:spcBef>
+                <a:spcPts val="0"/>
+              </a:spcBef>
+              <a:spcAft>
+                <a:spcPts val="0"/>
+              </a:spcAft>
+              <a:buSzPts val="1400"/>
+              <a:buChar char="■"/>
+            </a:pPr>
+            <a:r>
+              <a:rPr lang="en"/>
+              <a:t>binary64: {$fp0, $fp1} .. {$fp30, $fp31}</a:t>
+            </a:r>
+            <a:endParaRPr/>
+          </a:p>
+          <a:p>
+            <a:pPr marL="914400" lvl="1" indent="-317500" algn="l" rtl="0">
+              <a:spcBef>
+                <a:spcPts val="0"/>
+              </a:spcBef>
+              <a:spcAft>
+                <a:spcPts val="0"/>
+              </a:spcAft>
+              <a:buSzPts val="1400"/>
+              <a:buChar char="○"/>
+            </a:pPr>
+            <a:r>
+              <a:rPr lang="en"/>
+              <a:t>3: system registers: pc, hi, lo</a:t>
+            </a:r>
+            <a:endParaRPr/>
+          </a:p>
+          <a:p>
             <a:pPr marL="0" lvl="0" indent="0" algn="l" rtl="0">
-              <a:lnSpc>
-                <a:spcPct val="95000"/>
-              </a:lnSpc>
-              <a:spcBef>
-                <a:spcPts val="0"/>
-              </a:spcBef>
-              <a:spcAft>
+              <a:spcBef>
                 <a:spcPts val="1200"/>
-              </a:spcAft>
-              <a:buSzPts val="275"/>
-              <a:buNone/>
-            </a:pPr>
-            <a:r>
-              <a:rPr lang="en" sz="1162" dirty="0">
-                <a:solidFill>
-                  <a:srgbClr val="A626A4"/>
-                </a:solidFill>
-                <a:highlight>
-                  <a:srgbClr val="F5F5F5"/>
-                </a:highlight>
-                <a:latin typeface="Source Code Pro"/>
-                <a:ea typeface="Source Code Pro"/>
-                <a:cs typeface="Source Code Pro"/>
-                <a:sym typeface="Source Code Pro"/>
-              </a:rPr>
-              <a:t>class</a:t>
-            </a:r>
-            <a:r>
-              <a:rPr lang="en" sz="1162" dirty="0">
-                <a:solidFill>
-                  <a:srgbClr val="383A42"/>
-                </a:solidFill>
-                <a:highlight>
-                  <a:srgbClr val="F5F5F5"/>
-                </a:highlight>
-                <a:latin typeface="Source Code Pro"/>
-                <a:ea typeface="Source Code Pro"/>
-                <a:cs typeface="Source Code Pro"/>
-                <a:sym typeface="Source Code Pro"/>
-              </a:rPr>
-              <a:t> </a:t>
-            </a:r>
-            <a:r>
-              <a:rPr lang="en" sz="1162" dirty="0">
-                <a:solidFill>
-                  <a:srgbClr val="C18401"/>
-                </a:solidFill>
-                <a:highlight>
-                  <a:srgbClr val="F5F5F5"/>
-                </a:highlight>
-                <a:latin typeface="Source Code Pro"/>
-                <a:ea typeface="Source Code Pro"/>
-                <a:cs typeface="Source Code Pro"/>
-                <a:sym typeface="Source Code Pro"/>
-              </a:rPr>
-              <a:t>Main</a:t>
-            </a:r>
-            <a:r>
-              <a:rPr lang="en" sz="1162" dirty="0">
-                <a:solidFill>
-                  <a:srgbClr val="383A42"/>
-                </a:solidFill>
-                <a:highlight>
-                  <a:srgbClr val="F5F5F5"/>
-                </a:highlight>
-                <a:latin typeface="Source Code Pro"/>
-                <a:ea typeface="Source Code Pro"/>
-                <a:cs typeface="Source Code Pro"/>
-                <a:sym typeface="Source Code Pro"/>
-              </a:rPr>
-              <a:t> {</a:t>
-            </a:r>
-            <a:br>
-              <a:rPr lang="en" sz="1162" dirty="0">
-                <a:solidFill>
-                  <a:srgbClr val="383A42"/>
-                </a:solidFill>
-                <a:highlight>
-                  <a:srgbClr val="F5F5F5"/>
-                </a:highlight>
-                <a:latin typeface="Source Code Pro"/>
-                <a:ea typeface="Source Code Pro"/>
-                <a:cs typeface="Source Code Pro"/>
-                <a:sym typeface="Source Code Pro"/>
-              </a:rPr>
-            </a:br>
-            <a:r>
-              <a:rPr lang="en" sz="1162" dirty="0">
-                <a:solidFill>
-                  <a:srgbClr val="383A42"/>
-                </a:solidFill>
-                <a:highlight>
-                  <a:srgbClr val="F5F5F5"/>
-                </a:highlight>
-                <a:latin typeface="Source Code Pro"/>
-                <a:ea typeface="Source Code Pro"/>
-                <a:cs typeface="Source Code Pro"/>
-                <a:sym typeface="Source Code Pro"/>
-              </a:rPr>
-              <a:t> </a:t>
-            </a:r>
-            <a:br>
-              <a:rPr lang="en" sz="1162" dirty="0">
-                <a:solidFill>
-                  <a:srgbClr val="383A42"/>
-                </a:solidFill>
-                <a:highlight>
-                  <a:srgbClr val="F5F5F5"/>
-                </a:highlight>
-                <a:latin typeface="Source Code Pro"/>
-                <a:ea typeface="Source Code Pro"/>
-                <a:cs typeface="Source Code Pro"/>
-                <a:sym typeface="Source Code Pro"/>
-              </a:rPr>
-            </a:br>
-            <a:r>
-              <a:rPr lang="en" sz="1162" dirty="0">
-                <a:solidFill>
-                  <a:srgbClr val="383A42"/>
-                </a:solidFill>
-                <a:highlight>
-                  <a:srgbClr val="F5F5F5"/>
-                </a:highlight>
-                <a:latin typeface="Source Code Pro"/>
-                <a:ea typeface="Source Code Pro"/>
-                <a:cs typeface="Source Code Pro"/>
-                <a:sym typeface="Source Code Pro"/>
-              </a:rPr>
-              <a:t> public static int x = 5;</a:t>
-            </a:r>
-            <a:br>
-              <a:rPr lang="en" sz="1162" dirty="0">
-                <a:solidFill>
-                  <a:srgbClr val="383A42"/>
-                </a:solidFill>
-                <a:highlight>
-                  <a:srgbClr val="F5F5F5"/>
-                </a:highlight>
-                <a:latin typeface="Source Code Pro"/>
-                <a:ea typeface="Source Code Pro"/>
-                <a:cs typeface="Source Code Pro"/>
-                <a:sym typeface="Source Code Pro"/>
-              </a:rPr>
-            </a:br>
-            <a:r>
-              <a:rPr lang="en" sz="1162" dirty="0">
-                <a:solidFill>
-                  <a:srgbClr val="383A42"/>
-                </a:solidFill>
-                <a:highlight>
-                  <a:srgbClr val="F5F5F5"/>
-                </a:highlight>
-                <a:latin typeface="Source Code Pro"/>
-                <a:ea typeface="Source Code Pro"/>
-                <a:cs typeface="Source Code Pro"/>
-                <a:sym typeface="Source Code Pro"/>
-              </a:rPr>
-              <a:t> int y = 7;</a:t>
-            </a:r>
-            <a:br>
-              <a:rPr lang="en" sz="1162" dirty="0">
-                <a:solidFill>
-                  <a:srgbClr val="383A42"/>
-                </a:solidFill>
-                <a:highlight>
-                  <a:srgbClr val="F5F5F5"/>
-                </a:highlight>
-                <a:latin typeface="Source Code Pro"/>
-                <a:ea typeface="Source Code Pro"/>
-                <a:cs typeface="Source Code Pro"/>
-                <a:sym typeface="Source Code Pro"/>
-              </a:rPr>
-            </a:br>
-            <a:br>
-              <a:rPr lang="en" sz="1162" dirty="0">
-                <a:solidFill>
-                  <a:srgbClr val="383A42"/>
-                </a:solidFill>
-                <a:highlight>
-                  <a:srgbClr val="F5F5F5"/>
-                </a:highlight>
-                <a:latin typeface="Source Code Pro"/>
-                <a:ea typeface="Source Code Pro"/>
-                <a:cs typeface="Source Code Pro"/>
-                <a:sym typeface="Source Code Pro"/>
-              </a:rPr>
-            </a:br>
-            <a:r>
-              <a:rPr lang="en" sz="1162" dirty="0">
-                <a:solidFill>
-                  <a:srgbClr val="383A42"/>
-                </a:solidFill>
-                <a:highlight>
-                  <a:srgbClr val="F5F5F5"/>
-                </a:highlight>
-                <a:latin typeface="Source Code Pro"/>
-                <a:ea typeface="Source Code Pro"/>
-                <a:cs typeface="Source Code Pro"/>
-                <a:sym typeface="Source Code Pro"/>
-              </a:rPr>
-              <a:t> </a:t>
-            </a:r>
-            <a:r>
-              <a:rPr lang="en" sz="1162" dirty="0">
-                <a:solidFill>
-                  <a:srgbClr val="A626A4"/>
-                </a:solidFill>
-                <a:highlight>
-                  <a:srgbClr val="F5F5F5"/>
-                </a:highlight>
-                <a:latin typeface="Source Code Pro"/>
-                <a:ea typeface="Source Code Pro"/>
-                <a:cs typeface="Source Code Pro"/>
-                <a:sym typeface="Source Code Pro"/>
-              </a:rPr>
-              <a:t>public</a:t>
-            </a:r>
-            <a:r>
-              <a:rPr lang="en" sz="1162" dirty="0">
-                <a:solidFill>
-                  <a:srgbClr val="383A42"/>
-                </a:solidFill>
-                <a:highlight>
-                  <a:srgbClr val="F5F5F5"/>
-                </a:highlight>
-                <a:latin typeface="Source Code Pro"/>
-                <a:ea typeface="Source Code Pro"/>
-                <a:cs typeface="Source Code Pro"/>
-                <a:sym typeface="Source Code Pro"/>
-              </a:rPr>
-              <a:t> </a:t>
-            </a:r>
-            <a:r>
-              <a:rPr lang="en" sz="1162" dirty="0">
-                <a:solidFill>
-                  <a:srgbClr val="A626A4"/>
-                </a:solidFill>
-                <a:highlight>
-                  <a:srgbClr val="F5F5F5"/>
-                </a:highlight>
-                <a:latin typeface="Source Code Pro"/>
-                <a:ea typeface="Source Code Pro"/>
-                <a:cs typeface="Source Code Pro"/>
-                <a:sym typeface="Source Code Pro"/>
-              </a:rPr>
-              <a:t>int</a:t>
-            </a:r>
-            <a:r>
-              <a:rPr lang="en" sz="1162" dirty="0">
-                <a:solidFill>
-                  <a:srgbClr val="383A42"/>
-                </a:solidFill>
-                <a:highlight>
-                  <a:srgbClr val="F5F5F5"/>
-                </a:highlight>
-                <a:latin typeface="Source Code Pro"/>
-                <a:ea typeface="Source Code Pro"/>
-                <a:cs typeface="Source Code Pro"/>
-                <a:sym typeface="Source Code Pro"/>
-              </a:rPr>
-              <a:t> </a:t>
-            </a:r>
-            <a:r>
-              <a:rPr lang="en" sz="1162" dirty="0" err="1">
-                <a:solidFill>
-                  <a:srgbClr val="4078F2"/>
-                </a:solidFill>
-                <a:highlight>
-                  <a:srgbClr val="F5F5F5"/>
-                </a:highlight>
-                <a:latin typeface="Source Code Pro"/>
-                <a:ea typeface="Source Code Pro"/>
-                <a:cs typeface="Source Code Pro"/>
-                <a:sym typeface="Source Code Pro"/>
-              </a:rPr>
-              <a:t>addNumbers</a:t>
-            </a:r>
-            <a:r>
-              <a:rPr lang="en" sz="1162" dirty="0">
-                <a:solidFill>
-                  <a:srgbClr val="383A42"/>
-                </a:solidFill>
-                <a:highlight>
-                  <a:srgbClr val="F5F5F5"/>
-                </a:highlight>
-                <a:latin typeface="Source Code Pro"/>
-                <a:ea typeface="Source Code Pro"/>
-                <a:cs typeface="Source Code Pro"/>
-                <a:sym typeface="Source Code Pro"/>
-              </a:rPr>
-              <a:t>(</a:t>
-            </a:r>
-            <a:r>
-              <a:rPr lang="en" sz="1162" dirty="0">
-                <a:solidFill>
-                  <a:srgbClr val="A626A4"/>
-                </a:solidFill>
-                <a:highlight>
-                  <a:srgbClr val="F5F5F5"/>
-                </a:highlight>
-                <a:latin typeface="Source Code Pro"/>
-                <a:ea typeface="Source Code Pro"/>
-                <a:cs typeface="Source Code Pro"/>
-                <a:sym typeface="Source Code Pro"/>
-              </a:rPr>
-              <a:t>int</a:t>
-            </a:r>
-            <a:r>
-              <a:rPr lang="en" sz="1162" dirty="0">
-                <a:solidFill>
-                  <a:srgbClr val="383A42"/>
-                </a:solidFill>
-                <a:highlight>
-                  <a:srgbClr val="F5F5F5"/>
-                </a:highlight>
-                <a:latin typeface="Source Code Pro"/>
-                <a:ea typeface="Source Code Pro"/>
-                <a:cs typeface="Source Code Pro"/>
-                <a:sym typeface="Source Code Pro"/>
-              </a:rPr>
-              <a:t> a, </a:t>
-            </a:r>
-            <a:r>
-              <a:rPr lang="en" sz="1162" dirty="0">
-                <a:solidFill>
-                  <a:srgbClr val="A626A4"/>
-                </a:solidFill>
-                <a:highlight>
-                  <a:srgbClr val="F5F5F5"/>
-                </a:highlight>
-                <a:latin typeface="Source Code Pro"/>
-                <a:ea typeface="Source Code Pro"/>
-                <a:cs typeface="Source Code Pro"/>
-                <a:sym typeface="Source Code Pro"/>
-              </a:rPr>
-              <a:t>int</a:t>
-            </a:r>
-            <a:r>
-              <a:rPr lang="en" sz="1162" dirty="0">
-                <a:solidFill>
-                  <a:srgbClr val="383A42"/>
-                </a:solidFill>
-                <a:highlight>
-                  <a:srgbClr val="F5F5F5"/>
-                </a:highlight>
-                <a:latin typeface="Source Code Pro"/>
-                <a:ea typeface="Source Code Pro"/>
-                <a:cs typeface="Source Code Pro"/>
-                <a:sym typeface="Source Code Pro"/>
-              </a:rPr>
-              <a:t> b) {</a:t>
-            </a:r>
-            <a:br>
-              <a:rPr lang="en" sz="1162" dirty="0">
-                <a:solidFill>
-                  <a:srgbClr val="383A42"/>
-                </a:solidFill>
-                <a:highlight>
-                  <a:srgbClr val="F5F5F5"/>
-                </a:highlight>
-                <a:latin typeface="Source Code Pro"/>
-                <a:ea typeface="Source Code Pro"/>
-                <a:cs typeface="Source Code Pro"/>
-                <a:sym typeface="Source Code Pro"/>
-              </a:rPr>
-            </a:br>
-            <a:r>
-              <a:rPr lang="en" sz="1162" dirty="0">
-                <a:solidFill>
-                  <a:srgbClr val="383A42"/>
-                </a:solidFill>
-                <a:highlight>
-                  <a:srgbClr val="F5F5F5"/>
-                </a:highlight>
-                <a:latin typeface="Source Code Pro"/>
-                <a:ea typeface="Source Code Pro"/>
-                <a:cs typeface="Source Code Pro"/>
-                <a:sym typeface="Source Code Pro"/>
-              </a:rPr>
-              <a:t>    </a:t>
-            </a:r>
-            <a:r>
-              <a:rPr lang="en" sz="1162" dirty="0">
-                <a:solidFill>
-                  <a:srgbClr val="A626A4"/>
-                </a:solidFill>
-                <a:highlight>
-                  <a:srgbClr val="F5F5F5"/>
-                </a:highlight>
-                <a:latin typeface="Source Code Pro"/>
-                <a:ea typeface="Source Code Pro"/>
-                <a:cs typeface="Source Code Pro"/>
-                <a:sym typeface="Source Code Pro"/>
-              </a:rPr>
-              <a:t>int</a:t>
-            </a:r>
-            <a:r>
-              <a:rPr lang="en" sz="1162" dirty="0">
-                <a:solidFill>
-                  <a:srgbClr val="383A42"/>
-                </a:solidFill>
-                <a:highlight>
-                  <a:srgbClr val="F5F5F5"/>
-                </a:highlight>
-                <a:latin typeface="Source Code Pro"/>
-                <a:ea typeface="Source Code Pro"/>
-                <a:cs typeface="Source Code Pro"/>
-                <a:sym typeface="Source Code Pro"/>
-              </a:rPr>
-              <a:t> sum = a + b;</a:t>
-            </a:r>
-            <a:br>
-              <a:rPr lang="en" sz="1162" dirty="0">
-                <a:solidFill>
-                  <a:srgbClr val="383A42"/>
-                </a:solidFill>
-                <a:highlight>
-                  <a:srgbClr val="F5F5F5"/>
-                </a:highlight>
-                <a:latin typeface="Source Code Pro"/>
-                <a:ea typeface="Source Code Pro"/>
-                <a:cs typeface="Source Code Pro"/>
-                <a:sym typeface="Source Code Pro"/>
-              </a:rPr>
-            </a:br>
-            <a:r>
-              <a:rPr lang="en" sz="1162" dirty="0">
-                <a:solidFill>
-                  <a:srgbClr val="383A42"/>
-                </a:solidFill>
-                <a:highlight>
-                  <a:srgbClr val="F5F5F5"/>
-                </a:highlight>
-                <a:latin typeface="Source Code Pro"/>
-                <a:ea typeface="Source Code Pro"/>
-                <a:cs typeface="Source Code Pro"/>
-                <a:sym typeface="Source Code Pro"/>
-              </a:rPr>
-              <a:t>    </a:t>
-            </a:r>
-            <a:r>
-              <a:rPr lang="en" sz="1162" dirty="0">
-                <a:solidFill>
-                  <a:srgbClr val="A626A4"/>
-                </a:solidFill>
-                <a:highlight>
-                  <a:srgbClr val="F5F5F5"/>
-                </a:highlight>
-                <a:latin typeface="Source Code Pro"/>
-                <a:ea typeface="Source Code Pro"/>
-                <a:cs typeface="Source Code Pro"/>
-                <a:sym typeface="Source Code Pro"/>
-              </a:rPr>
-              <a:t>return</a:t>
-            </a:r>
-            <a:r>
-              <a:rPr lang="en" sz="1162" dirty="0">
-                <a:solidFill>
-                  <a:srgbClr val="383A42"/>
-                </a:solidFill>
-                <a:highlight>
-                  <a:srgbClr val="F5F5F5"/>
-                </a:highlight>
-                <a:latin typeface="Source Code Pro"/>
-                <a:ea typeface="Source Code Pro"/>
-                <a:cs typeface="Source Code Pro"/>
-                <a:sym typeface="Source Code Pro"/>
-              </a:rPr>
-              <a:t> sum;</a:t>
-            </a:r>
-            <a:br>
-              <a:rPr lang="en" sz="1162" dirty="0">
-                <a:solidFill>
-                  <a:srgbClr val="383A42"/>
-                </a:solidFill>
-                <a:highlight>
-                  <a:srgbClr val="F5F5F5"/>
-                </a:highlight>
-                <a:latin typeface="Source Code Pro"/>
-                <a:ea typeface="Source Code Pro"/>
-                <a:cs typeface="Source Code Pro"/>
-                <a:sym typeface="Source Code Pro"/>
-              </a:rPr>
-            </a:br>
-            <a:r>
-              <a:rPr lang="en" sz="1162" dirty="0">
-                <a:solidFill>
-                  <a:srgbClr val="383A42"/>
-                </a:solidFill>
-                <a:highlight>
-                  <a:srgbClr val="F5F5F5"/>
-                </a:highlight>
-                <a:latin typeface="Source Code Pro"/>
-                <a:ea typeface="Source Code Pro"/>
-                <a:cs typeface="Source Code Pro"/>
-                <a:sym typeface="Source Code Pro"/>
-              </a:rPr>
-              <a:t>  }</a:t>
-            </a:r>
-            <a:br>
-              <a:rPr lang="en" sz="1162" dirty="0">
-                <a:solidFill>
-                  <a:srgbClr val="383A42"/>
-                </a:solidFill>
-                <a:highlight>
-                  <a:srgbClr val="F5F5F5"/>
-                </a:highlight>
-                <a:latin typeface="Source Code Pro"/>
-                <a:ea typeface="Source Code Pro"/>
-                <a:cs typeface="Source Code Pro"/>
-                <a:sym typeface="Source Code Pro"/>
-              </a:rPr>
-            </a:br>
-            <a:br>
-              <a:rPr lang="en" sz="1162" dirty="0">
-                <a:solidFill>
-                  <a:srgbClr val="383A42"/>
-                </a:solidFill>
-                <a:highlight>
-                  <a:srgbClr val="F5F5F5"/>
-                </a:highlight>
-                <a:latin typeface="Source Code Pro"/>
-                <a:ea typeface="Source Code Pro"/>
-                <a:cs typeface="Source Code Pro"/>
-                <a:sym typeface="Source Code Pro"/>
-              </a:rPr>
-            </a:br>
-            <a:r>
-              <a:rPr lang="en" sz="1162" dirty="0">
-                <a:solidFill>
-                  <a:srgbClr val="383A42"/>
-                </a:solidFill>
-                <a:highlight>
-                  <a:srgbClr val="F5F5F5"/>
-                </a:highlight>
-                <a:latin typeface="Source Code Pro"/>
-                <a:ea typeface="Source Code Pro"/>
-                <a:cs typeface="Source Code Pro"/>
-                <a:sym typeface="Source Code Pro"/>
-              </a:rPr>
-              <a:t>  </a:t>
-            </a:r>
-            <a:r>
-              <a:rPr lang="en" sz="1162" dirty="0">
-                <a:solidFill>
-                  <a:srgbClr val="A626A4"/>
-                </a:solidFill>
-                <a:highlight>
-                  <a:srgbClr val="F5F5F5"/>
-                </a:highlight>
-                <a:latin typeface="Source Code Pro"/>
-                <a:ea typeface="Source Code Pro"/>
-                <a:cs typeface="Source Code Pro"/>
-                <a:sym typeface="Source Code Pro"/>
-              </a:rPr>
-              <a:t>public</a:t>
-            </a:r>
-            <a:r>
-              <a:rPr lang="en" sz="1162" dirty="0">
-                <a:solidFill>
-                  <a:srgbClr val="383A42"/>
-                </a:solidFill>
-                <a:highlight>
-                  <a:srgbClr val="F5F5F5"/>
-                </a:highlight>
-                <a:latin typeface="Source Code Pro"/>
-                <a:ea typeface="Source Code Pro"/>
-                <a:cs typeface="Source Code Pro"/>
-                <a:sym typeface="Source Code Pro"/>
-              </a:rPr>
-              <a:t> </a:t>
-            </a:r>
-            <a:r>
-              <a:rPr lang="en" sz="1162" dirty="0">
-                <a:solidFill>
-                  <a:srgbClr val="A626A4"/>
-                </a:solidFill>
-                <a:highlight>
-                  <a:srgbClr val="F5F5F5"/>
-                </a:highlight>
-                <a:latin typeface="Source Code Pro"/>
-                <a:ea typeface="Source Code Pro"/>
-                <a:cs typeface="Source Code Pro"/>
-                <a:sym typeface="Source Code Pro"/>
-              </a:rPr>
-              <a:t>static</a:t>
-            </a:r>
-            <a:r>
-              <a:rPr lang="en" sz="1162" dirty="0">
-                <a:solidFill>
-                  <a:srgbClr val="383A42"/>
-                </a:solidFill>
-                <a:highlight>
-                  <a:srgbClr val="F5F5F5"/>
-                </a:highlight>
-                <a:latin typeface="Source Code Pro"/>
-                <a:ea typeface="Source Code Pro"/>
-                <a:cs typeface="Source Code Pro"/>
-                <a:sym typeface="Source Code Pro"/>
-              </a:rPr>
-              <a:t> </a:t>
-            </a:r>
-            <a:r>
-              <a:rPr lang="en" sz="1162" dirty="0">
-                <a:solidFill>
-                  <a:srgbClr val="A626A4"/>
-                </a:solidFill>
-                <a:highlight>
-                  <a:srgbClr val="F5F5F5"/>
-                </a:highlight>
-                <a:latin typeface="Source Code Pro"/>
-                <a:ea typeface="Source Code Pro"/>
-                <a:cs typeface="Source Code Pro"/>
-                <a:sym typeface="Source Code Pro"/>
-              </a:rPr>
-              <a:t>void</a:t>
-            </a:r>
-            <a:r>
-              <a:rPr lang="en" sz="1162" dirty="0">
-                <a:solidFill>
-                  <a:srgbClr val="383A42"/>
-                </a:solidFill>
-                <a:highlight>
-                  <a:srgbClr val="F5F5F5"/>
-                </a:highlight>
-                <a:latin typeface="Source Code Pro"/>
-                <a:ea typeface="Source Code Pro"/>
-                <a:cs typeface="Source Code Pro"/>
-                <a:sym typeface="Source Code Pro"/>
-              </a:rPr>
-              <a:t> </a:t>
-            </a:r>
-            <a:r>
-              <a:rPr lang="en" sz="1162" dirty="0">
-                <a:solidFill>
-                  <a:srgbClr val="4078F2"/>
-                </a:solidFill>
-                <a:highlight>
-                  <a:srgbClr val="F5F5F5"/>
-                </a:highlight>
-                <a:latin typeface="Source Code Pro"/>
-                <a:ea typeface="Source Code Pro"/>
-                <a:cs typeface="Source Code Pro"/>
-                <a:sym typeface="Source Code Pro"/>
-              </a:rPr>
-              <a:t>main</a:t>
-            </a:r>
-            <a:r>
-              <a:rPr lang="en" sz="1162" dirty="0">
-                <a:solidFill>
-                  <a:srgbClr val="383A42"/>
-                </a:solidFill>
-                <a:highlight>
-                  <a:srgbClr val="F5F5F5"/>
-                </a:highlight>
-                <a:latin typeface="Source Code Pro"/>
-                <a:ea typeface="Source Code Pro"/>
-                <a:cs typeface="Source Code Pro"/>
-                <a:sym typeface="Source Code Pro"/>
-              </a:rPr>
-              <a:t>(String[] </a:t>
-            </a:r>
-            <a:r>
-              <a:rPr lang="en" sz="1162" dirty="0" err="1">
-                <a:solidFill>
-                  <a:srgbClr val="383A42"/>
-                </a:solidFill>
-                <a:highlight>
-                  <a:srgbClr val="F5F5F5"/>
-                </a:highlight>
-                <a:latin typeface="Source Code Pro"/>
-                <a:ea typeface="Source Code Pro"/>
-                <a:cs typeface="Source Code Pro"/>
-                <a:sym typeface="Source Code Pro"/>
-              </a:rPr>
-              <a:t>args</a:t>
-            </a:r>
-            <a:r>
-              <a:rPr lang="en" sz="1162" dirty="0">
-                <a:solidFill>
-                  <a:srgbClr val="383A42"/>
-                </a:solidFill>
-                <a:highlight>
-                  <a:srgbClr val="F5F5F5"/>
-                </a:highlight>
-                <a:latin typeface="Source Code Pro"/>
-                <a:ea typeface="Source Code Pro"/>
-                <a:cs typeface="Source Code Pro"/>
-                <a:sym typeface="Source Code Pro"/>
-              </a:rPr>
-              <a:t>) {</a:t>
-            </a:r>
-            <a:br>
-              <a:rPr lang="en" sz="1162" dirty="0">
-                <a:solidFill>
-                  <a:srgbClr val="383A42"/>
-                </a:solidFill>
-                <a:highlight>
-                  <a:srgbClr val="F5F5F5"/>
-                </a:highlight>
-                <a:latin typeface="Source Code Pro"/>
-                <a:ea typeface="Source Code Pro"/>
-                <a:cs typeface="Source Code Pro"/>
-                <a:sym typeface="Source Code Pro"/>
-              </a:rPr>
-            </a:br>
-            <a:r>
-              <a:rPr lang="en" sz="1162" dirty="0">
-                <a:solidFill>
-                  <a:srgbClr val="383A42"/>
-                </a:solidFill>
-                <a:highlight>
-                  <a:srgbClr val="F5F5F5"/>
-                </a:highlight>
-                <a:latin typeface="Source Code Pro"/>
-                <a:ea typeface="Source Code Pro"/>
-                <a:cs typeface="Source Code Pro"/>
-                <a:sym typeface="Source Code Pro"/>
-              </a:rPr>
-              <a:t>       </a:t>
-            </a:r>
-            <a:r>
-              <a:rPr lang="en" sz="1162" dirty="0">
-                <a:solidFill>
-                  <a:srgbClr val="A626A4"/>
-                </a:solidFill>
-                <a:highlight>
-                  <a:srgbClr val="F5F5F5"/>
-                </a:highlight>
-                <a:latin typeface="Source Code Pro"/>
-                <a:ea typeface="Source Code Pro"/>
-                <a:cs typeface="Source Code Pro"/>
-                <a:sym typeface="Source Code Pro"/>
-              </a:rPr>
-              <a:t>int</a:t>
-            </a:r>
-            <a:r>
-              <a:rPr lang="en" sz="1162" dirty="0">
-                <a:solidFill>
-                  <a:srgbClr val="383A42"/>
-                </a:solidFill>
-                <a:highlight>
-                  <a:srgbClr val="F5F5F5"/>
-                </a:highlight>
-                <a:latin typeface="Source Code Pro"/>
-                <a:ea typeface="Source Code Pro"/>
-                <a:cs typeface="Source Code Pro"/>
-                <a:sym typeface="Source Code Pro"/>
-              </a:rPr>
-              <a:t> num1 = </a:t>
-            </a:r>
-            <a:r>
-              <a:rPr lang="en" sz="1162" dirty="0">
-                <a:solidFill>
-                  <a:srgbClr val="986801"/>
-                </a:solidFill>
-                <a:highlight>
-                  <a:srgbClr val="F5F5F5"/>
-                </a:highlight>
-                <a:latin typeface="Source Code Pro"/>
-                <a:ea typeface="Source Code Pro"/>
-                <a:cs typeface="Source Code Pro"/>
-                <a:sym typeface="Source Code Pro"/>
-              </a:rPr>
-              <a:t>25</a:t>
-            </a:r>
-            <a:r>
-              <a:rPr lang="en" sz="1162" dirty="0">
-                <a:solidFill>
-                  <a:srgbClr val="383A42"/>
-                </a:solidFill>
-                <a:highlight>
-                  <a:srgbClr val="F5F5F5"/>
-                </a:highlight>
-                <a:latin typeface="Source Code Pro"/>
-                <a:ea typeface="Source Code Pro"/>
-                <a:cs typeface="Source Code Pro"/>
-                <a:sym typeface="Source Code Pro"/>
-              </a:rPr>
-              <a:t>;</a:t>
-            </a:r>
-            <a:br>
-              <a:rPr lang="en" sz="1162" dirty="0">
-                <a:solidFill>
-                  <a:srgbClr val="383A42"/>
-                </a:solidFill>
-                <a:highlight>
-                  <a:srgbClr val="F5F5F5"/>
-                </a:highlight>
-                <a:latin typeface="Source Code Pro"/>
-                <a:ea typeface="Source Code Pro"/>
-                <a:cs typeface="Source Code Pro"/>
-                <a:sym typeface="Source Code Pro"/>
-              </a:rPr>
-            </a:br>
-            <a:r>
-              <a:rPr lang="en" sz="1162" dirty="0">
-                <a:solidFill>
-                  <a:srgbClr val="383A42"/>
-                </a:solidFill>
-                <a:highlight>
-                  <a:srgbClr val="F5F5F5"/>
-                </a:highlight>
-                <a:latin typeface="Source Code Pro"/>
-                <a:ea typeface="Source Code Pro"/>
-                <a:cs typeface="Source Code Pro"/>
-                <a:sym typeface="Source Code Pro"/>
-              </a:rPr>
-              <a:t>       </a:t>
-            </a:r>
-            <a:r>
-              <a:rPr lang="en" sz="1162" dirty="0">
-                <a:solidFill>
-                  <a:srgbClr val="A626A4"/>
-                </a:solidFill>
-                <a:highlight>
-                  <a:srgbClr val="F5F5F5"/>
-                </a:highlight>
-                <a:latin typeface="Source Code Pro"/>
-                <a:ea typeface="Source Code Pro"/>
-                <a:cs typeface="Source Code Pro"/>
-                <a:sym typeface="Source Code Pro"/>
-              </a:rPr>
-              <a:t>int</a:t>
-            </a:r>
-            <a:r>
-              <a:rPr lang="en" sz="1162" dirty="0">
-                <a:solidFill>
-                  <a:srgbClr val="383A42"/>
-                </a:solidFill>
-                <a:highlight>
-                  <a:srgbClr val="F5F5F5"/>
-                </a:highlight>
-                <a:latin typeface="Source Code Pro"/>
-                <a:ea typeface="Source Code Pro"/>
-                <a:cs typeface="Source Code Pro"/>
-                <a:sym typeface="Source Code Pro"/>
-              </a:rPr>
-              <a:t> num2 = </a:t>
-            </a:r>
-            <a:r>
-              <a:rPr lang="en" sz="1162" dirty="0">
-                <a:solidFill>
-                  <a:srgbClr val="986801"/>
-                </a:solidFill>
-                <a:highlight>
-                  <a:srgbClr val="F5F5F5"/>
-                </a:highlight>
-                <a:latin typeface="Source Code Pro"/>
-                <a:ea typeface="Source Code Pro"/>
-                <a:cs typeface="Source Code Pro"/>
-                <a:sym typeface="Source Code Pro"/>
-              </a:rPr>
-              <a:t>15</a:t>
-            </a:r>
-            <a:r>
-              <a:rPr lang="en" sz="1162" dirty="0">
-                <a:solidFill>
-                  <a:srgbClr val="383A42"/>
-                </a:solidFill>
-                <a:highlight>
-                  <a:srgbClr val="F5F5F5"/>
-                </a:highlight>
-                <a:latin typeface="Source Code Pro"/>
-                <a:ea typeface="Source Code Pro"/>
-                <a:cs typeface="Source Code Pro"/>
-                <a:sym typeface="Source Code Pro"/>
-              </a:rPr>
-              <a:t>;</a:t>
-            </a:r>
-            <a:br>
-              <a:rPr lang="en" sz="1162" dirty="0">
-                <a:solidFill>
-                  <a:srgbClr val="383A42"/>
-                </a:solidFill>
-                <a:highlight>
-                  <a:srgbClr val="F5F5F5"/>
-                </a:highlight>
-                <a:latin typeface="Source Code Pro"/>
-                <a:ea typeface="Source Code Pro"/>
-                <a:cs typeface="Source Code Pro"/>
-                <a:sym typeface="Source Code Pro"/>
-              </a:rPr>
-            </a:br>
-            <a:br>
-              <a:rPr lang="en" sz="1162" dirty="0">
-                <a:solidFill>
-                  <a:srgbClr val="383A42"/>
-                </a:solidFill>
-                <a:highlight>
-                  <a:srgbClr val="F5F5F5"/>
-                </a:highlight>
-                <a:latin typeface="Source Code Pro"/>
-                <a:ea typeface="Source Code Pro"/>
-                <a:cs typeface="Source Code Pro"/>
-                <a:sym typeface="Source Code Pro"/>
-              </a:rPr>
-            </a:br>
-            <a:r>
-              <a:rPr lang="en" sz="1162" dirty="0">
-                <a:solidFill>
-                  <a:srgbClr val="383A42"/>
-                </a:solidFill>
-                <a:highlight>
-                  <a:srgbClr val="F5F5F5"/>
-                </a:highlight>
-                <a:latin typeface="Source Code Pro"/>
-                <a:ea typeface="Source Code Pro"/>
-                <a:cs typeface="Source Code Pro"/>
-                <a:sym typeface="Source Code Pro"/>
-              </a:rPr>
-              <a:t>   </a:t>
-            </a:r>
-            <a:r>
-              <a:rPr lang="en" sz="1162" dirty="0">
-                <a:solidFill>
-                  <a:srgbClr val="A0A1A7"/>
-                </a:solidFill>
-                <a:highlight>
-                  <a:srgbClr val="F5F5F5"/>
-                </a:highlight>
-                <a:latin typeface="Source Code Pro"/>
-                <a:ea typeface="Source Code Pro"/>
-                <a:cs typeface="Source Code Pro"/>
-                <a:sym typeface="Source Code Pro"/>
-              </a:rPr>
-              <a:t>// create an object of Main</a:t>
-            </a:r>
-            <a:br>
-              <a:rPr lang="en" sz="1162" dirty="0">
-                <a:solidFill>
-                  <a:srgbClr val="383A42"/>
-                </a:solidFill>
-                <a:highlight>
-                  <a:srgbClr val="F5F5F5"/>
-                </a:highlight>
-                <a:latin typeface="Source Code Pro"/>
-                <a:ea typeface="Source Code Pro"/>
-                <a:cs typeface="Source Code Pro"/>
-                <a:sym typeface="Source Code Pro"/>
-              </a:rPr>
-            </a:br>
-            <a:r>
-              <a:rPr lang="en" sz="1162" dirty="0">
-                <a:solidFill>
-                  <a:srgbClr val="383A42"/>
-                </a:solidFill>
-                <a:highlight>
-                  <a:srgbClr val="F5F5F5"/>
-                </a:highlight>
-                <a:latin typeface="Source Code Pro"/>
-                <a:ea typeface="Source Code Pro"/>
-                <a:cs typeface="Source Code Pro"/>
-                <a:sym typeface="Source Code Pro"/>
-              </a:rPr>
-              <a:t>    Main obj = </a:t>
-            </a:r>
-            <a:r>
-              <a:rPr lang="en" sz="1162" dirty="0">
-                <a:solidFill>
-                  <a:srgbClr val="A626A4"/>
-                </a:solidFill>
-                <a:highlight>
-                  <a:srgbClr val="F5F5F5"/>
-                </a:highlight>
-                <a:latin typeface="Source Code Pro"/>
-                <a:ea typeface="Source Code Pro"/>
-                <a:cs typeface="Source Code Pro"/>
-                <a:sym typeface="Source Code Pro"/>
-              </a:rPr>
-              <a:t>new</a:t>
-            </a:r>
-            <a:r>
-              <a:rPr lang="en" sz="1162" dirty="0">
-                <a:solidFill>
-                  <a:srgbClr val="383A42"/>
-                </a:solidFill>
-                <a:highlight>
-                  <a:srgbClr val="F5F5F5"/>
-                </a:highlight>
-                <a:latin typeface="Source Code Pro"/>
-                <a:ea typeface="Source Code Pro"/>
-                <a:cs typeface="Source Code Pro"/>
-                <a:sym typeface="Source Code Pro"/>
-              </a:rPr>
-              <a:t> Main();</a:t>
-            </a:r>
-            <a:br>
-              <a:rPr lang="en" sz="1162" dirty="0">
-                <a:solidFill>
-                  <a:srgbClr val="383A42"/>
-                </a:solidFill>
-                <a:highlight>
-                  <a:srgbClr val="F5F5F5"/>
-                </a:highlight>
-                <a:latin typeface="Source Code Pro"/>
-                <a:ea typeface="Source Code Pro"/>
-                <a:cs typeface="Source Code Pro"/>
-                <a:sym typeface="Source Code Pro"/>
-              </a:rPr>
-            </a:br>
-            <a:r>
-              <a:rPr lang="en" sz="1162" dirty="0">
-                <a:solidFill>
-                  <a:srgbClr val="383A42"/>
-                </a:solidFill>
-                <a:highlight>
-                  <a:srgbClr val="F5F5F5"/>
-                </a:highlight>
-                <a:latin typeface="Source Code Pro"/>
-                <a:ea typeface="Source Code Pro"/>
-                <a:cs typeface="Source Code Pro"/>
-                <a:sym typeface="Source Code Pro"/>
-              </a:rPr>
-              <a:t>    </a:t>
-            </a:r>
-            <a:r>
-              <a:rPr lang="en" sz="1162" dirty="0">
-                <a:solidFill>
-                  <a:srgbClr val="A626A4"/>
-                </a:solidFill>
-                <a:highlight>
-                  <a:srgbClr val="F5F5F5"/>
-                </a:highlight>
-                <a:latin typeface="Source Code Pro"/>
-                <a:ea typeface="Source Code Pro"/>
-                <a:cs typeface="Source Code Pro"/>
-                <a:sym typeface="Source Code Pro"/>
-              </a:rPr>
-              <a:t>int</a:t>
-            </a:r>
-            <a:r>
-              <a:rPr lang="en" sz="1162" dirty="0">
-                <a:solidFill>
-                  <a:srgbClr val="383A42"/>
-                </a:solidFill>
-                <a:highlight>
-                  <a:srgbClr val="F5F5F5"/>
-                </a:highlight>
-                <a:latin typeface="Source Code Pro"/>
-                <a:ea typeface="Source Code Pro"/>
-                <a:cs typeface="Source Code Pro"/>
-                <a:sym typeface="Source Code Pro"/>
-              </a:rPr>
-              <a:t> result = </a:t>
-            </a:r>
-            <a:r>
-              <a:rPr lang="en" sz="1162" dirty="0" err="1">
-                <a:solidFill>
-                  <a:srgbClr val="383A42"/>
-                </a:solidFill>
-                <a:highlight>
-                  <a:srgbClr val="F5F5F5"/>
-                </a:highlight>
-                <a:latin typeface="Source Code Pro"/>
-                <a:ea typeface="Source Code Pro"/>
-                <a:cs typeface="Source Code Pro"/>
-                <a:sym typeface="Source Code Pro"/>
-              </a:rPr>
-              <a:t>obj.addNumbers</a:t>
-            </a:r>
-            <a:r>
-              <a:rPr lang="en" sz="1162" dirty="0">
-                <a:solidFill>
-                  <a:srgbClr val="383A42"/>
-                </a:solidFill>
-                <a:highlight>
-                  <a:srgbClr val="F5F5F5"/>
-                </a:highlight>
-                <a:latin typeface="Source Code Pro"/>
-                <a:ea typeface="Source Code Pro"/>
-                <a:cs typeface="Source Code Pro"/>
-                <a:sym typeface="Source Code Pro"/>
-              </a:rPr>
-              <a:t>(num1, num2);</a:t>
-            </a:r>
-            <a:br>
-              <a:rPr lang="en" sz="1162" dirty="0">
-                <a:solidFill>
-                  <a:srgbClr val="383A42"/>
-                </a:solidFill>
-                <a:highlight>
-                  <a:srgbClr val="F5F5F5"/>
-                </a:highlight>
-                <a:latin typeface="Source Code Pro"/>
-                <a:ea typeface="Source Code Pro"/>
-                <a:cs typeface="Source Code Pro"/>
-                <a:sym typeface="Source Code Pro"/>
-              </a:rPr>
-            </a:br>
-            <a:r>
-              <a:rPr lang="en" sz="1162" dirty="0">
-                <a:solidFill>
-                  <a:srgbClr val="383A42"/>
-                </a:solidFill>
-                <a:highlight>
-                  <a:srgbClr val="F5F5F5"/>
-                </a:highlight>
-                <a:latin typeface="Source Code Pro"/>
-                <a:ea typeface="Source Code Pro"/>
-                <a:cs typeface="Source Code Pro"/>
-                <a:sym typeface="Source Code Pro"/>
-              </a:rPr>
-              <a:t>    </a:t>
-            </a:r>
-            <a:r>
-              <a:rPr lang="en" sz="1162" dirty="0" err="1">
-                <a:solidFill>
-                  <a:srgbClr val="383A42"/>
-                </a:solidFill>
-                <a:highlight>
-                  <a:srgbClr val="F5F5F5"/>
-                </a:highlight>
-                <a:latin typeface="Source Code Pro"/>
-                <a:ea typeface="Source Code Pro"/>
-                <a:cs typeface="Source Code Pro"/>
-                <a:sym typeface="Source Code Pro"/>
-              </a:rPr>
-              <a:t>System.out.println</a:t>
-            </a:r>
-            <a:r>
-              <a:rPr lang="en" sz="1162" dirty="0">
-                <a:solidFill>
-                  <a:srgbClr val="383A42"/>
-                </a:solidFill>
-                <a:highlight>
-                  <a:srgbClr val="F5F5F5"/>
-                </a:highlight>
-                <a:latin typeface="Source Code Pro"/>
-                <a:ea typeface="Source Code Pro"/>
-                <a:cs typeface="Source Code Pro"/>
-                <a:sym typeface="Source Code Pro"/>
-              </a:rPr>
-              <a:t>(</a:t>
-            </a:r>
-            <a:r>
-              <a:rPr lang="en" sz="1162" dirty="0">
-                <a:solidFill>
-                  <a:srgbClr val="50A14F"/>
-                </a:solidFill>
-                <a:highlight>
-                  <a:srgbClr val="F5F5F5"/>
-                </a:highlight>
-                <a:latin typeface="Source Code Pro"/>
-                <a:ea typeface="Source Code Pro"/>
-                <a:cs typeface="Source Code Pro"/>
-                <a:sym typeface="Source Code Pro"/>
-              </a:rPr>
-              <a:t>"Sum is: "</a:t>
-            </a:r>
-            <a:r>
-              <a:rPr lang="en" sz="1162" dirty="0">
-                <a:solidFill>
-                  <a:srgbClr val="383A42"/>
-                </a:solidFill>
-                <a:highlight>
-                  <a:srgbClr val="F5F5F5"/>
-                </a:highlight>
-                <a:latin typeface="Source Code Pro"/>
-                <a:ea typeface="Source Code Pro"/>
-                <a:cs typeface="Source Code Pro"/>
-                <a:sym typeface="Source Code Pro"/>
-              </a:rPr>
-              <a:t> + result);</a:t>
-            </a:r>
-            <a:br>
-              <a:rPr lang="en" sz="1162" dirty="0">
-                <a:solidFill>
-                  <a:srgbClr val="383A42"/>
-                </a:solidFill>
-                <a:highlight>
-                  <a:srgbClr val="F5F5F5"/>
-                </a:highlight>
-                <a:latin typeface="Source Code Pro"/>
-                <a:ea typeface="Source Code Pro"/>
-                <a:cs typeface="Source Code Pro"/>
-                <a:sym typeface="Source Code Pro"/>
-              </a:rPr>
-            </a:br>
-            <a:r>
-              <a:rPr lang="en" sz="1162" dirty="0">
-                <a:solidFill>
-                  <a:srgbClr val="383A42"/>
-                </a:solidFill>
-                <a:highlight>
-                  <a:srgbClr val="F5F5F5"/>
-                </a:highlight>
-                <a:latin typeface="Source Code Pro"/>
-                <a:ea typeface="Source Code Pro"/>
-                <a:cs typeface="Source Code Pro"/>
-                <a:sym typeface="Source Code Pro"/>
-              </a:rPr>
-              <a:t>  }</a:t>
-            </a:r>
-            <a:br>
-              <a:rPr lang="en" sz="1162" dirty="0">
-                <a:solidFill>
-                  <a:srgbClr val="383A42"/>
-                </a:solidFill>
-                <a:highlight>
-                  <a:srgbClr val="F5F5F5"/>
-                </a:highlight>
-                <a:latin typeface="Source Code Pro"/>
-                <a:ea typeface="Source Code Pro"/>
-                <a:cs typeface="Source Code Pro"/>
-                <a:sym typeface="Source Code Pro"/>
-              </a:rPr>
-            </a:br>
-            <a:r>
-              <a:rPr lang="en" sz="1162" dirty="0">
-                <a:solidFill>
-                  <a:srgbClr val="383A42"/>
-                </a:solidFill>
-                <a:highlight>
-                  <a:srgbClr val="F5F5F5"/>
-                </a:highlight>
-                <a:latin typeface="Source Code Pro"/>
-                <a:ea typeface="Source Code Pro"/>
-                <a:cs typeface="Source Code Pro"/>
-                <a:sym typeface="Source Code Pro"/>
-              </a:rPr>
-              <a:t>}</a:t>
-            </a:r>
-            <a:endParaRPr sz="1350" dirty="0">
-              <a:latin typeface="Source Code Pro"/>
-              <a:ea typeface="Source Code Pro"/>
-              <a:cs typeface="Source Code Pro"/>
-              <a:sym typeface="Source Code Pro"/>
-            </a:endParaRPr>
+              </a:spcBef>
+              <a:spcAft>
+                <a:spcPts val="1200"/>
+              </a:spcAft>
+              <a:buNone/>
+            </a:pPr>
+            <a:endParaRPr/>
+          </a:p>
+        </p:txBody>
+      </p:sp>
+      <p:pic>
+        <p:nvPicPr>
+          <p:cNvPr id="183" name="Google Shape;183;p20"/>
+          <p:cNvPicPr preferRelativeResize="0"/>
+          <p:nvPr/>
+        </p:nvPicPr>
+        <p:blipFill rotWithShape="1">
+          <a:blip r:embed="rId3">
+            <a:alphaModFix/>
+          </a:blip>
+          <a:srcRect l="1489" t="4056" r="24797" b="4794"/>
+          <a:stretch/>
+        </p:blipFill>
+        <p:spPr>
+          <a:xfrm>
+            <a:off x="5006925" y="2008325"/>
+            <a:ext cx="3515650" cy="2449900"/>
+          </a:xfrm>
+          <a:prstGeom prst="rect">
+            <a:avLst/>
+          </a:prstGeom>
+          <a:noFill/>
+          <a:ln>
+            <a:noFill/>
+          </a:ln>
+        </p:spPr>
+      </p:pic>
+      <p:sp>
+        <p:nvSpPr>
+          <p:cNvPr id="184" name="Google Shape;184;p20"/>
+          <p:cNvSpPr txBox="1"/>
+          <p:nvPr/>
+        </p:nvSpPr>
+        <p:spPr>
+          <a:xfrm>
+            <a:off x="4948750" y="1608125"/>
+            <a:ext cx="3939600" cy="400200"/>
+          </a:xfrm>
+          <a:prstGeom prst="rect">
+            <a:avLst/>
+          </a:prstGeom>
+          <a:noFill/>
+          <a:ln>
+            <a:noFill/>
+          </a:ln>
+        </p:spPr>
+        <p:txBody>
+          <a:bodyPr spcFirstLastPara="1" wrap="square" lIns="91425" tIns="91425" rIns="91425" bIns="91425" anchor="t" anchorCtr="0">
+            <a:spAutoFit/>
+          </a:bodyPr>
+          <a:lstStyle/>
+          <a:p>
+            <a:pPr marL="0" lvl="0" indent="0" algn="l" rtl="0">
+              <a:spcBef>
+                <a:spcPts val="0"/>
+              </a:spcBef>
+              <a:spcAft>
+                <a:spcPts val="0"/>
+              </a:spcAft>
+              <a:buNone/>
+            </a:pPr>
+            <a:r>
+              <a:rPr lang="en"/>
+              <a:t>Integer Registers</a:t>
+            </a:r>
+            <a:endParaRPr/>
+          </a:p>
+        </p:txBody>
+      </p:sp>
+    </p:spTree>
+  </p:cSld>
+  <p:clrMapOvr>
+    <a:masterClrMapping/>
+  </p:clrMapOvr>
+</p:sld>
+</file>
+
+<file path=ppt/slides/slide11.xml><?xml version="1.0" encoding="utf-8"?>
+<p:sld xmlns:a="http://schemas.openxmlformats.org/drawingml/2006/main" xmlns:r="http://schemas.openxmlformats.org/officeDocument/2006/relationships" xmlns:p="http://schemas.openxmlformats.org/presentationml/2006/main">
+  <p:cSld>
+    <p:spTree>
+      <p:nvGrpSpPr>
+        <p:cNvPr id="1" name="Shape 188"/>
+        <p:cNvGrpSpPr/>
+        <p:nvPr/>
+      </p:nvGrpSpPr>
+      <p:grpSpPr>
+        <a:xfrm>
+          <a:off x="0" y="0"/>
+          <a:ext cx="0" cy="0"/>
+          <a:chOff x="0" y="0"/>
+          <a:chExt cx="0" cy="0"/>
+        </a:xfrm>
+      </p:grpSpPr>
+      <p:sp>
+        <p:nvSpPr>
+          <p:cNvPr id="189" name="Google Shape;189;p21"/>
+          <p:cNvSpPr txBox="1">
+            <a:spLocks noGrp="1"/>
+          </p:cNvSpPr>
+          <p:nvPr>
+            <p:ph type="title"/>
+          </p:nvPr>
+        </p:nvSpPr>
+        <p:spPr>
+          <a:xfrm>
+            <a:off x="311700" y="445025"/>
+            <a:ext cx="8520600" cy="572700"/>
+          </a:xfrm>
+          <a:prstGeom prst="rect">
+            <a:avLst/>
+          </a:prstGeom>
+        </p:spPr>
+        <p:txBody>
+          <a:bodyPr spcFirstLastPara="1" wrap="square" lIns="91425" tIns="91425" rIns="91425" bIns="91425" anchor="t" anchorCtr="0">
+            <a:normAutofit fontScale="90000"/>
+          </a:bodyPr>
+          <a:lstStyle/>
+          <a:p>
+            <a:pPr marL="0" lvl="0" indent="0" algn="l" rtl="0">
+              <a:spcBef>
+                <a:spcPts val="0"/>
+              </a:spcBef>
+              <a:spcAft>
+                <a:spcPts val="0"/>
+              </a:spcAft>
+              <a:buNone/>
+            </a:pPr>
+            <a:r>
+              <a:rPr lang="en"/>
+              <a:t>MIPS ISA (Architecture) Memory Layout</a:t>
+            </a:r>
+            <a:endParaRPr/>
           </a:p>
         </p:txBody>
       </p:sp>
       <p:sp>
         <p:nvSpPr>
-          <p:cNvPr id="225" name="Google Shape;225;p22"/>
+          <p:cNvPr id="190" name="Google Shape;190;p21"/>
+          <p:cNvSpPr txBox="1">
+            <a:spLocks noGrp="1"/>
+          </p:cNvSpPr>
+          <p:nvPr>
+            <p:ph type="body" idx="1"/>
+          </p:nvPr>
+        </p:nvSpPr>
+        <p:spPr>
+          <a:xfrm>
+            <a:off x="311700" y="1152475"/>
+            <a:ext cx="8520600" cy="3416400"/>
+          </a:xfrm>
+          <a:prstGeom prst="rect">
+            <a:avLst/>
+          </a:prstGeom>
+        </p:spPr>
+        <p:txBody>
+          <a:bodyPr spcFirstLastPara="1" wrap="square" lIns="91425" tIns="91425" rIns="91425" bIns="91425" anchor="t" anchorCtr="0">
+            <a:normAutofit/>
+          </a:bodyPr>
+          <a:lstStyle/>
+          <a:p>
+            <a:pPr marL="457200" lvl="0" indent="-342900" algn="l" rtl="0">
+              <a:spcBef>
+                <a:spcPts val="0"/>
+              </a:spcBef>
+              <a:spcAft>
+                <a:spcPts val="0"/>
+              </a:spcAft>
+              <a:buSzPts val="1800"/>
+              <a:buChar char="●"/>
+            </a:pPr>
+            <a:r>
+              <a:rPr lang="en"/>
+              <a:t>Memory:</a:t>
+            </a:r>
+            <a:endParaRPr/>
+          </a:p>
+          <a:p>
+            <a:pPr marL="914400" lvl="1" indent="-317500" algn="l" rtl="0">
+              <a:spcBef>
+                <a:spcPts val="0"/>
+              </a:spcBef>
+              <a:spcAft>
+                <a:spcPts val="0"/>
+              </a:spcAft>
+              <a:buSzPts val="1400"/>
+              <a:buChar char="○"/>
+            </a:pPr>
+            <a:r>
+              <a:rPr lang="en"/>
+              <a:t>memory layout</a:t>
+            </a:r>
+            <a:endParaRPr/>
+          </a:p>
+          <a:p>
+            <a:pPr marL="914400" lvl="1" indent="-317500" algn="l" rtl="0">
+              <a:spcBef>
+                <a:spcPts val="0"/>
+              </a:spcBef>
+              <a:spcAft>
+                <a:spcPts val="0"/>
+              </a:spcAft>
+              <a:buSzPts val="1400"/>
+              <a:buChar char="○"/>
+            </a:pPr>
+            <a:r>
+              <a:rPr lang="en"/>
+              <a:t>byte addressable</a:t>
+            </a:r>
+            <a:endParaRPr/>
+          </a:p>
+          <a:p>
+            <a:pPr marL="914400" lvl="1" indent="-317500" algn="l" rtl="0">
+              <a:spcBef>
+                <a:spcPts val="0"/>
+              </a:spcBef>
+              <a:spcAft>
+                <a:spcPts val="0"/>
+              </a:spcAft>
+              <a:buSzPts val="1400"/>
+              <a:buChar char="○"/>
+            </a:pPr>
+            <a:r>
+              <a:rPr lang="en"/>
+              <a:t>lowest address at bottom</a:t>
+            </a:r>
+            <a:endParaRPr/>
+          </a:p>
+          <a:p>
+            <a:pPr marL="914400" lvl="1" indent="-317500" algn="l" rtl="0">
+              <a:spcBef>
+                <a:spcPts val="0"/>
+              </a:spcBef>
+              <a:spcAft>
+                <a:spcPts val="0"/>
+              </a:spcAft>
+              <a:buSzPts val="1400"/>
+              <a:buChar char="○"/>
+            </a:pPr>
+            <a:r>
+              <a:rPr lang="en"/>
+              <a:t>32-bit words</a:t>
+            </a:r>
+            <a:endParaRPr/>
+          </a:p>
+          <a:p>
+            <a:pPr marL="914400" lvl="1" indent="-317500" algn="l" rtl="0">
+              <a:spcBef>
+                <a:spcPts val="0"/>
+              </a:spcBef>
+              <a:spcAft>
+                <a:spcPts val="0"/>
+              </a:spcAft>
+              <a:buSzPts val="1400"/>
+              <a:buChar char="○"/>
+            </a:pPr>
+            <a:r>
+              <a:rPr lang="en"/>
+              <a:t>little endian format</a:t>
+            </a:r>
+            <a:br>
+              <a:rPr lang="en"/>
+            </a:br>
+            <a:endParaRPr/>
+          </a:p>
+          <a:p>
+            <a:pPr marL="457200" lvl="0" indent="-342900" algn="l" rtl="0">
+              <a:spcBef>
+                <a:spcPts val="0"/>
+              </a:spcBef>
+              <a:spcAft>
+                <a:spcPts val="0"/>
+              </a:spcAft>
+              <a:buSzPts val="1800"/>
+              <a:buChar char="●"/>
+            </a:pPr>
+            <a:r>
+              <a:rPr lang="en"/>
+              <a:t>Little endian format</a:t>
+            </a:r>
+            <a:endParaRPr/>
+          </a:p>
+          <a:p>
+            <a:pPr marL="914400" lvl="1" indent="-317500" algn="l" rtl="0">
+              <a:spcBef>
+                <a:spcPts val="0"/>
+              </a:spcBef>
+              <a:spcAft>
+                <a:spcPts val="0"/>
+              </a:spcAft>
+              <a:buSzPts val="1400"/>
+              <a:buChar char="○"/>
+            </a:pPr>
+            <a:r>
+              <a:rPr lang="en"/>
+              <a:t>recall 32-bit registers (4 bytes)</a:t>
+            </a:r>
+            <a:endParaRPr/>
+          </a:p>
+          <a:p>
+            <a:pPr marL="914400" lvl="1" indent="-317500" algn="l" rtl="0">
+              <a:spcBef>
+                <a:spcPts val="0"/>
+              </a:spcBef>
+              <a:spcAft>
+                <a:spcPts val="0"/>
+              </a:spcAft>
+              <a:buSzPts val="1400"/>
+              <a:buChar char="○"/>
+            </a:pPr>
+            <a:r>
+              <a:rPr lang="en"/>
+              <a:t>fall to the left</a:t>
+            </a:r>
+            <a:endParaRPr/>
+          </a:p>
+          <a:p>
+            <a:pPr marL="0" lvl="0" indent="0" algn="l" rtl="0">
+              <a:spcBef>
+                <a:spcPts val="1200"/>
+              </a:spcBef>
+              <a:spcAft>
+                <a:spcPts val="1200"/>
+              </a:spcAft>
+              <a:buNone/>
+            </a:pPr>
+            <a:endParaRPr/>
+          </a:p>
+        </p:txBody>
+      </p:sp>
+      <p:pic>
+        <p:nvPicPr>
+          <p:cNvPr id="191" name="Google Shape;191;p21"/>
+          <p:cNvPicPr preferRelativeResize="0"/>
+          <p:nvPr/>
+        </p:nvPicPr>
+        <p:blipFill>
+          <a:blip r:embed="rId3">
+            <a:alphaModFix/>
+          </a:blip>
+          <a:stretch>
+            <a:fillRect/>
+          </a:stretch>
+        </p:blipFill>
+        <p:spPr>
+          <a:xfrm>
+            <a:off x="5204297" y="900038"/>
+            <a:ext cx="3744826" cy="3132425"/>
+          </a:xfrm>
+          <a:prstGeom prst="rect">
+            <a:avLst/>
+          </a:prstGeom>
+          <a:noFill/>
+          <a:ln>
+            <a:noFill/>
+          </a:ln>
+        </p:spPr>
+      </p:pic>
+      <p:sp>
+        <p:nvSpPr>
+          <p:cNvPr id="192" name="Google Shape;192;p21"/>
           <p:cNvSpPr/>
           <p:nvPr/>
         </p:nvSpPr>
         <p:spPr>
           <a:xfrm>
-            <a:off x="5627543" y="3434880"/>
-            <a:ext cx="1695000" cy="572700"/>
+            <a:off x="947650" y="4499600"/>
+            <a:ext cx="680100" cy="295200"/>
           </a:xfrm>
           <a:prstGeom prst="rect">
             <a:avLst/>
@@ -8062,7 +7460,7 @@
           </a:bodyPr>
           <a:lstStyle/>
           <a:p>
-            <a:pPr marL="0" lvl="0" indent="0" algn="l" rtl="0">
+            <a:pPr marL="0" lvl="0" indent="0" algn="ctr" rtl="0">
               <a:spcBef>
                 <a:spcPts val="0"/>
               </a:spcBef>
@@ -8073,26 +7471,22 @@
             </a:pPr>
             <a:r>
               <a:rPr lang="en"/>
-              <a:t>.text </a:t>
-            </a:r>
-            <a:r>
-              <a:rPr lang="en" sz="1300"/>
-              <a:t>(INSTRUCTIONS)</a:t>
-            </a:r>
-            <a:endParaRPr sz="1300"/>
+              <a:t>4: DE</a:t>
+            </a:r>
+            <a:endParaRPr/>
           </a:p>
         </p:txBody>
       </p:sp>
       <p:sp>
         <p:nvSpPr>
-          <p:cNvPr id="226" name="Google Shape;226;p22"/>
+          <p:cNvPr id="193" name="Google Shape;193;p21"/>
           <p:cNvSpPr/>
           <p:nvPr/>
         </p:nvSpPr>
         <p:spPr>
           <a:xfrm>
-            <a:off x="5627543" y="2769137"/>
-            <a:ext cx="1695000" cy="572700"/>
+            <a:off x="1627750" y="4499600"/>
+            <a:ext cx="680100" cy="295200"/>
           </a:xfrm>
           <a:prstGeom prst="rect">
             <a:avLst/>
@@ -8116,7 +7510,7 @@
           </a:bodyPr>
           <a:lstStyle/>
           <a:p>
-            <a:pPr marL="0" lvl="0" indent="0" algn="l" rtl="0">
+            <a:pPr marL="0" lvl="0" indent="0" algn="ctr" rtl="0">
               <a:spcBef>
                 <a:spcPts val="0"/>
               </a:spcBef>
@@ -8127,25 +7521,22 @@
             </a:pPr>
             <a:r>
               <a:rPr lang="en"/>
-              <a:t>.data</a:t>
-            </a:r>
-            <a:br>
-              <a:rPr lang="en"/>
-            </a:br>
+              <a:t>3: AD</a:t>
+            </a:r>
             <a:endParaRPr/>
           </a:p>
         </p:txBody>
       </p:sp>
       <p:sp>
         <p:nvSpPr>
-          <p:cNvPr id="227" name="Google Shape;227;p22"/>
+          <p:cNvPr id="194" name="Google Shape;194;p21"/>
           <p:cNvSpPr/>
           <p:nvPr/>
         </p:nvSpPr>
         <p:spPr>
           <a:xfrm>
-            <a:off x="5627543" y="1347500"/>
-            <a:ext cx="1695000" cy="572700"/>
+            <a:off x="2307850" y="4499600"/>
+            <a:ext cx="680100" cy="295200"/>
           </a:xfrm>
           <a:prstGeom prst="rect">
             <a:avLst/>
@@ -8169,7 +7560,7 @@
           </a:bodyPr>
           <a:lstStyle/>
           <a:p>
-            <a:pPr marL="0" lvl="0" indent="0" algn="l" rtl="0">
+            <a:pPr marL="0" lvl="0" indent="0" algn="ctr" rtl="0">
               <a:spcBef>
                 <a:spcPts val="0"/>
               </a:spcBef>
@@ -8180,14 +7571,7 @@
             </a:pPr>
             <a:r>
               <a:rPr lang="en"/>
-              <a:t>STACK</a:t>
-            </a:r>
-            <a:br>
-              <a:rPr lang="en"/>
-            </a:br>
-            <a:r>
-              <a:rPr lang="en"/>
-              <a:t>int a; int b;</a:t>
+              <a:t>2: BE</a:t>
             </a:r>
             <a:endParaRPr/>
           </a:p>
@@ -8195,14 +7579,14 @@
       </p:sp>
       <p:sp>
         <p:nvSpPr>
-          <p:cNvPr id="228" name="Google Shape;228;p22"/>
+          <p:cNvPr id="195" name="Google Shape;195;p21"/>
           <p:cNvSpPr/>
           <p:nvPr/>
         </p:nvSpPr>
         <p:spPr>
           <a:xfrm>
-            <a:off x="5627543" y="1999050"/>
-            <a:ext cx="1695000" cy="572700"/>
+            <a:off x="2987950" y="4499600"/>
+            <a:ext cx="680100" cy="295200"/>
           </a:xfrm>
           <a:prstGeom prst="rect">
             <a:avLst/>
@@ -8226,7 +7610,7 @@
           </a:bodyPr>
           <a:lstStyle/>
           <a:p>
-            <a:pPr marL="0" lvl="0" indent="0" algn="l" rtl="0">
+            <a:pPr marL="0" lvl="0" indent="0" algn="ctr" rtl="0">
               <a:spcBef>
                 <a:spcPts val="0"/>
               </a:spcBef>
@@ -8237,176 +7621,961 @@
             </a:pPr>
             <a:r>
               <a:rPr lang="en"/>
-              <a:t>HEAP</a:t>
-            </a:r>
-            <a:br>
-              <a:rPr lang="en"/>
-            </a:br>
+              <a:t>1: EF</a:t>
+            </a:r>
             <a:endParaRPr/>
           </a:p>
         </p:txBody>
       </p:sp>
       <p:sp>
         <p:nvSpPr>
-          <p:cNvPr id="2" name="TextBox 1">
-            <a:extLst>
-              <a:ext uri="{FF2B5EF4-FFF2-40B4-BE49-F238E27FC236}">
-                <a16:creationId xmlns:a16="http://schemas.microsoft.com/office/drawing/2014/main" id="{6AC917D4-4BB6-FE41-B3A7-B94CD6B1E0FE}"/>
-              </a:ext>
-            </a:extLst>
-          </p:cNvPr>
+          <p:cNvPr id="196" name="Google Shape;196;p21"/>
+          <p:cNvSpPr/>
+          <p:nvPr/>
+        </p:nvSpPr>
+        <p:spPr>
+          <a:xfrm>
+            <a:off x="4231950" y="4128750"/>
+            <a:ext cx="680100" cy="295200"/>
+          </a:xfrm>
+          <a:prstGeom prst="rect">
+            <a:avLst/>
+          </a:prstGeom>
+          <a:solidFill>
+            <a:schemeClr val="lt2"/>
+          </a:solidFill>
+          <a:ln w="9525" cap="flat" cmpd="sng">
+            <a:solidFill>
+              <a:schemeClr val="dk2"/>
+            </a:solidFill>
+            <a:prstDash val="solid"/>
+            <a:round/>
+            <a:headEnd type="none" w="sm" len="sm"/>
+            <a:tailEnd type="none" w="sm" len="sm"/>
+          </a:ln>
+        </p:spPr>
+        <p:txBody>
+          <a:bodyPr spcFirstLastPara="1" wrap="square" lIns="91425" tIns="91425" rIns="91425" bIns="91425" anchor="ctr" anchorCtr="0">
+            <a:noAutofit/>
+          </a:bodyPr>
+          <a:lstStyle/>
+          <a:p>
+            <a:pPr marL="0" lvl="0" indent="0" algn="ctr" rtl="0">
+              <a:spcBef>
+                <a:spcPts val="0"/>
+              </a:spcBef>
+              <a:spcAft>
+                <a:spcPts val="0"/>
+              </a:spcAft>
+              <a:buNone/>
+            </a:pPr>
+            <a:r>
+              <a:rPr lang="en"/>
+              <a:t>1: EF</a:t>
+            </a:r>
+            <a:endParaRPr/>
+          </a:p>
+        </p:txBody>
+      </p:sp>
+      <p:sp>
+        <p:nvSpPr>
+          <p:cNvPr id="197" name="Google Shape;197;p21"/>
+          <p:cNvSpPr/>
+          <p:nvPr/>
+        </p:nvSpPr>
+        <p:spPr>
+          <a:xfrm>
+            <a:off x="4231950" y="3833550"/>
+            <a:ext cx="680100" cy="295200"/>
+          </a:xfrm>
+          <a:prstGeom prst="rect">
+            <a:avLst/>
+          </a:prstGeom>
+          <a:solidFill>
+            <a:schemeClr val="lt2"/>
+          </a:solidFill>
+          <a:ln w="9525" cap="flat" cmpd="sng">
+            <a:solidFill>
+              <a:schemeClr val="dk2"/>
+            </a:solidFill>
+            <a:prstDash val="solid"/>
+            <a:round/>
+            <a:headEnd type="none" w="sm" len="sm"/>
+            <a:tailEnd type="none" w="sm" len="sm"/>
+          </a:ln>
+        </p:spPr>
+        <p:txBody>
+          <a:bodyPr spcFirstLastPara="1" wrap="square" lIns="91425" tIns="91425" rIns="91425" bIns="91425" anchor="ctr" anchorCtr="0">
+            <a:noAutofit/>
+          </a:bodyPr>
+          <a:lstStyle/>
+          <a:p>
+            <a:pPr marL="0" lvl="0" indent="0" algn="ctr" rtl="0">
+              <a:spcBef>
+                <a:spcPts val="0"/>
+              </a:spcBef>
+              <a:spcAft>
+                <a:spcPts val="0"/>
+              </a:spcAft>
+              <a:buNone/>
+            </a:pPr>
+            <a:r>
+              <a:rPr lang="en"/>
+              <a:t>2: BE</a:t>
+            </a:r>
+            <a:endParaRPr/>
+          </a:p>
+        </p:txBody>
+      </p:sp>
+      <p:sp>
+        <p:nvSpPr>
+          <p:cNvPr id="198" name="Google Shape;198;p21"/>
+          <p:cNvSpPr/>
+          <p:nvPr/>
+        </p:nvSpPr>
+        <p:spPr>
+          <a:xfrm>
+            <a:off x="4231950" y="3538350"/>
+            <a:ext cx="680100" cy="295200"/>
+          </a:xfrm>
+          <a:prstGeom prst="rect">
+            <a:avLst/>
+          </a:prstGeom>
+          <a:solidFill>
+            <a:schemeClr val="lt2"/>
+          </a:solidFill>
+          <a:ln w="9525" cap="flat" cmpd="sng">
+            <a:solidFill>
+              <a:schemeClr val="dk2"/>
+            </a:solidFill>
+            <a:prstDash val="solid"/>
+            <a:round/>
+            <a:headEnd type="none" w="sm" len="sm"/>
+            <a:tailEnd type="none" w="sm" len="sm"/>
+          </a:ln>
+        </p:spPr>
+        <p:txBody>
+          <a:bodyPr spcFirstLastPara="1" wrap="square" lIns="91425" tIns="91425" rIns="91425" bIns="91425" anchor="ctr" anchorCtr="0">
+            <a:noAutofit/>
+          </a:bodyPr>
+          <a:lstStyle/>
+          <a:p>
+            <a:pPr marL="0" lvl="0" indent="0" algn="ctr" rtl="0">
+              <a:spcBef>
+                <a:spcPts val="0"/>
+              </a:spcBef>
+              <a:spcAft>
+                <a:spcPts val="0"/>
+              </a:spcAft>
+              <a:buNone/>
+            </a:pPr>
+            <a:r>
+              <a:rPr lang="en"/>
+              <a:t>3: AD</a:t>
+            </a:r>
+            <a:endParaRPr/>
+          </a:p>
+        </p:txBody>
+      </p:sp>
+      <p:sp>
+        <p:nvSpPr>
+          <p:cNvPr id="199" name="Google Shape;199;p21"/>
+          <p:cNvSpPr/>
+          <p:nvPr/>
+        </p:nvSpPr>
+        <p:spPr>
+          <a:xfrm>
+            <a:off x="4231950" y="3243150"/>
+            <a:ext cx="680100" cy="295200"/>
+          </a:xfrm>
+          <a:prstGeom prst="rect">
+            <a:avLst/>
+          </a:prstGeom>
+          <a:solidFill>
+            <a:schemeClr val="lt2"/>
+          </a:solidFill>
+          <a:ln w="9525" cap="flat" cmpd="sng">
+            <a:solidFill>
+              <a:schemeClr val="dk2"/>
+            </a:solidFill>
+            <a:prstDash val="solid"/>
+            <a:round/>
+            <a:headEnd type="none" w="sm" len="sm"/>
+            <a:tailEnd type="none" w="sm" len="sm"/>
+          </a:ln>
+        </p:spPr>
+        <p:txBody>
+          <a:bodyPr spcFirstLastPara="1" wrap="square" lIns="91425" tIns="91425" rIns="91425" bIns="91425" anchor="ctr" anchorCtr="0">
+            <a:noAutofit/>
+          </a:bodyPr>
+          <a:lstStyle/>
+          <a:p>
+            <a:pPr marL="0" lvl="0" indent="0" algn="ctr" rtl="0">
+              <a:spcBef>
+                <a:spcPts val="0"/>
+              </a:spcBef>
+              <a:spcAft>
+                <a:spcPts val="0"/>
+              </a:spcAft>
+              <a:buNone/>
+            </a:pPr>
+            <a:r>
+              <a:rPr lang="en"/>
+              <a:t>4: DE</a:t>
+            </a:r>
+            <a:endParaRPr/>
+          </a:p>
+        </p:txBody>
+      </p:sp>
+      <p:cxnSp>
+        <p:nvCxnSpPr>
+          <p:cNvPr id="200" name="Google Shape;200;p21"/>
+          <p:cNvCxnSpPr/>
+          <p:nvPr/>
+        </p:nvCxnSpPr>
+        <p:spPr>
+          <a:xfrm>
+            <a:off x="4018375" y="4423950"/>
+            <a:ext cx="1127400" cy="0"/>
+          </a:xfrm>
+          <a:prstGeom prst="straightConnector1">
+            <a:avLst/>
+          </a:prstGeom>
+          <a:noFill/>
+          <a:ln w="9525" cap="flat" cmpd="sng">
+            <a:solidFill>
+              <a:schemeClr val="dk2"/>
+            </a:solidFill>
+            <a:prstDash val="solid"/>
+            <a:round/>
+            <a:headEnd type="none" w="med" len="med"/>
+            <a:tailEnd type="none" w="med" len="med"/>
+          </a:ln>
+        </p:spPr>
+      </p:cxnSp>
+      <p:cxnSp>
+        <p:nvCxnSpPr>
+          <p:cNvPr id="201" name="Google Shape;201;p21"/>
+          <p:cNvCxnSpPr>
+            <a:endCxn id="192" idx="0"/>
+          </p:cNvCxnSpPr>
+          <p:nvPr/>
+        </p:nvCxnSpPr>
+        <p:spPr>
+          <a:xfrm flipH="1">
+            <a:off x="1287700" y="3390800"/>
+            <a:ext cx="2944200" cy="1108800"/>
+          </a:xfrm>
+          <a:prstGeom prst="straightConnector1">
+            <a:avLst/>
+          </a:prstGeom>
+          <a:noFill/>
+          <a:ln w="9525" cap="flat" cmpd="sng">
+            <a:solidFill>
+              <a:schemeClr val="dk2"/>
+            </a:solidFill>
+            <a:prstDash val="solid"/>
+            <a:round/>
+            <a:headEnd type="none" w="med" len="med"/>
+            <a:tailEnd type="triangle" w="med" len="med"/>
+          </a:ln>
+        </p:spPr>
+      </p:cxnSp>
+      <p:cxnSp>
+        <p:nvCxnSpPr>
+          <p:cNvPr id="202" name="Google Shape;202;p21"/>
+          <p:cNvCxnSpPr>
+            <a:endCxn id="193" idx="0"/>
+          </p:cNvCxnSpPr>
+          <p:nvPr/>
+        </p:nvCxnSpPr>
+        <p:spPr>
+          <a:xfrm flipH="1">
+            <a:off x="1967800" y="3686000"/>
+            <a:ext cx="2264100" cy="813600"/>
+          </a:xfrm>
+          <a:prstGeom prst="straightConnector1">
+            <a:avLst/>
+          </a:prstGeom>
+          <a:noFill/>
+          <a:ln w="9525" cap="flat" cmpd="sng">
+            <a:solidFill>
+              <a:schemeClr val="dk2"/>
+            </a:solidFill>
+            <a:prstDash val="solid"/>
+            <a:round/>
+            <a:headEnd type="none" w="med" len="med"/>
+            <a:tailEnd type="triangle" w="med" len="med"/>
+          </a:ln>
+        </p:spPr>
+      </p:cxnSp>
+      <p:cxnSp>
+        <p:nvCxnSpPr>
+          <p:cNvPr id="203" name="Google Shape;203;p21"/>
+          <p:cNvCxnSpPr>
+            <a:endCxn id="194" idx="0"/>
+          </p:cNvCxnSpPr>
+          <p:nvPr/>
+        </p:nvCxnSpPr>
+        <p:spPr>
+          <a:xfrm flipH="1">
+            <a:off x="2647900" y="3981200"/>
+            <a:ext cx="1584000" cy="518400"/>
+          </a:xfrm>
+          <a:prstGeom prst="straightConnector1">
+            <a:avLst/>
+          </a:prstGeom>
+          <a:noFill/>
+          <a:ln w="9525" cap="flat" cmpd="sng">
+            <a:solidFill>
+              <a:schemeClr val="dk2"/>
+            </a:solidFill>
+            <a:prstDash val="solid"/>
+            <a:round/>
+            <a:headEnd type="none" w="med" len="med"/>
+            <a:tailEnd type="triangle" w="med" len="med"/>
+          </a:ln>
+        </p:spPr>
+      </p:cxnSp>
+      <p:cxnSp>
+        <p:nvCxnSpPr>
+          <p:cNvPr id="204" name="Google Shape;204;p21"/>
+          <p:cNvCxnSpPr>
+            <a:stCxn id="196" idx="1"/>
+            <a:endCxn id="195" idx="0"/>
+          </p:cNvCxnSpPr>
+          <p:nvPr/>
+        </p:nvCxnSpPr>
+        <p:spPr>
+          <a:xfrm flipH="1">
+            <a:off x="3328050" y="4276350"/>
+            <a:ext cx="903900" cy="223200"/>
+          </a:xfrm>
+          <a:prstGeom prst="straightConnector1">
+            <a:avLst/>
+          </a:prstGeom>
+          <a:noFill/>
+          <a:ln w="9525" cap="flat" cmpd="sng">
+            <a:solidFill>
+              <a:schemeClr val="dk2"/>
+            </a:solidFill>
+            <a:prstDash val="solid"/>
+            <a:round/>
+            <a:headEnd type="none" w="med" len="med"/>
+            <a:tailEnd type="triangle" w="med" len="med"/>
+          </a:ln>
+        </p:spPr>
+      </p:cxnSp>
+      <p:cxnSp>
+        <p:nvCxnSpPr>
+          <p:cNvPr id="205" name="Google Shape;205;p21"/>
+          <p:cNvCxnSpPr/>
+          <p:nvPr/>
+        </p:nvCxnSpPr>
+        <p:spPr>
+          <a:xfrm rot="10800000" flipH="1">
+            <a:off x="2629125" y="1513375"/>
+            <a:ext cx="2604300" cy="171000"/>
+          </a:xfrm>
+          <a:prstGeom prst="straightConnector1">
+            <a:avLst/>
+          </a:prstGeom>
+          <a:noFill/>
+          <a:ln w="9525" cap="flat" cmpd="sng">
+            <a:solidFill>
+              <a:schemeClr val="dk2"/>
+            </a:solidFill>
+            <a:prstDash val="solid"/>
+            <a:round/>
+            <a:headEnd type="none" w="med" len="med"/>
+            <a:tailEnd type="stealth" w="med" len="med"/>
+          </a:ln>
+        </p:spPr>
+      </p:cxnSp>
+      <p:sp>
+        <p:nvSpPr>
+          <p:cNvPr id="206" name="Google Shape;206;p21"/>
+          <p:cNvSpPr/>
+          <p:nvPr/>
+        </p:nvSpPr>
+        <p:spPr>
+          <a:xfrm>
+            <a:off x="5561650" y="4499600"/>
+            <a:ext cx="680100" cy="295200"/>
+          </a:xfrm>
+          <a:prstGeom prst="rect">
+            <a:avLst/>
+          </a:prstGeom>
+          <a:solidFill>
+            <a:schemeClr val="lt2"/>
+          </a:solidFill>
+          <a:ln w="9525" cap="flat" cmpd="sng">
+            <a:solidFill>
+              <a:schemeClr val="dk2"/>
+            </a:solidFill>
+            <a:prstDash val="solid"/>
+            <a:round/>
+            <a:headEnd type="none" w="sm" len="sm"/>
+            <a:tailEnd type="none" w="sm" len="sm"/>
+          </a:ln>
+        </p:spPr>
+        <p:txBody>
+          <a:bodyPr spcFirstLastPara="1" wrap="square" lIns="91425" tIns="91425" rIns="91425" bIns="91425" anchor="ctr" anchorCtr="0">
+            <a:noAutofit/>
+          </a:bodyPr>
+          <a:lstStyle/>
+          <a:p>
+            <a:pPr marL="0" lvl="0" indent="0" algn="ctr" rtl="0">
+              <a:spcBef>
+                <a:spcPts val="0"/>
+              </a:spcBef>
+              <a:spcAft>
+                <a:spcPts val="0"/>
+              </a:spcAft>
+              <a:buNone/>
+            </a:pPr>
+            <a:r>
+              <a:rPr lang="en"/>
+              <a:t>1: EF</a:t>
+            </a:r>
+            <a:endParaRPr/>
+          </a:p>
+        </p:txBody>
+      </p:sp>
+      <p:sp>
+        <p:nvSpPr>
+          <p:cNvPr id="207" name="Google Shape;207;p21"/>
+          <p:cNvSpPr/>
+          <p:nvPr/>
+        </p:nvSpPr>
+        <p:spPr>
+          <a:xfrm>
+            <a:off x="6241750" y="4499600"/>
+            <a:ext cx="680100" cy="295200"/>
+          </a:xfrm>
+          <a:prstGeom prst="rect">
+            <a:avLst/>
+          </a:prstGeom>
+          <a:solidFill>
+            <a:schemeClr val="lt2"/>
+          </a:solidFill>
+          <a:ln w="9525" cap="flat" cmpd="sng">
+            <a:solidFill>
+              <a:schemeClr val="dk2"/>
+            </a:solidFill>
+            <a:prstDash val="solid"/>
+            <a:round/>
+            <a:headEnd type="none" w="sm" len="sm"/>
+            <a:tailEnd type="none" w="sm" len="sm"/>
+          </a:ln>
+        </p:spPr>
+        <p:txBody>
+          <a:bodyPr spcFirstLastPara="1" wrap="square" lIns="91425" tIns="91425" rIns="91425" bIns="91425" anchor="ctr" anchorCtr="0">
+            <a:noAutofit/>
+          </a:bodyPr>
+          <a:lstStyle/>
+          <a:p>
+            <a:pPr marL="0" lvl="0" indent="0" algn="ctr" rtl="0">
+              <a:spcBef>
+                <a:spcPts val="0"/>
+              </a:spcBef>
+              <a:spcAft>
+                <a:spcPts val="0"/>
+              </a:spcAft>
+              <a:buNone/>
+            </a:pPr>
+            <a:r>
+              <a:rPr lang="en"/>
+              <a:t>2: BE</a:t>
+            </a:r>
+            <a:endParaRPr/>
+          </a:p>
+        </p:txBody>
+      </p:sp>
+      <p:sp>
+        <p:nvSpPr>
+          <p:cNvPr id="208" name="Google Shape;208;p21"/>
+          <p:cNvSpPr/>
+          <p:nvPr/>
+        </p:nvSpPr>
+        <p:spPr>
+          <a:xfrm>
+            <a:off x="6921850" y="4499600"/>
+            <a:ext cx="680100" cy="295200"/>
+          </a:xfrm>
+          <a:prstGeom prst="rect">
+            <a:avLst/>
+          </a:prstGeom>
+          <a:solidFill>
+            <a:schemeClr val="lt2"/>
+          </a:solidFill>
+          <a:ln w="9525" cap="flat" cmpd="sng">
+            <a:solidFill>
+              <a:schemeClr val="dk2"/>
+            </a:solidFill>
+            <a:prstDash val="solid"/>
+            <a:round/>
+            <a:headEnd type="none" w="sm" len="sm"/>
+            <a:tailEnd type="none" w="sm" len="sm"/>
+          </a:ln>
+        </p:spPr>
+        <p:txBody>
+          <a:bodyPr spcFirstLastPara="1" wrap="square" lIns="91425" tIns="91425" rIns="91425" bIns="91425" anchor="ctr" anchorCtr="0">
+            <a:noAutofit/>
+          </a:bodyPr>
+          <a:lstStyle/>
+          <a:p>
+            <a:pPr marL="0" lvl="0" indent="0" algn="ctr" rtl="0">
+              <a:spcBef>
+                <a:spcPts val="0"/>
+              </a:spcBef>
+              <a:spcAft>
+                <a:spcPts val="0"/>
+              </a:spcAft>
+              <a:buNone/>
+            </a:pPr>
+            <a:r>
+              <a:rPr lang="en"/>
+              <a:t>3: AD</a:t>
+            </a:r>
+            <a:endParaRPr/>
+          </a:p>
+        </p:txBody>
+      </p:sp>
+      <p:sp>
+        <p:nvSpPr>
+          <p:cNvPr id="209" name="Google Shape;209;p21"/>
+          <p:cNvSpPr/>
+          <p:nvPr/>
+        </p:nvSpPr>
+        <p:spPr>
+          <a:xfrm>
+            <a:off x="7601950" y="4499600"/>
+            <a:ext cx="680100" cy="295200"/>
+          </a:xfrm>
+          <a:prstGeom prst="rect">
+            <a:avLst/>
+          </a:prstGeom>
+          <a:solidFill>
+            <a:schemeClr val="lt2"/>
+          </a:solidFill>
+          <a:ln w="9525" cap="flat" cmpd="sng">
+            <a:solidFill>
+              <a:schemeClr val="dk2"/>
+            </a:solidFill>
+            <a:prstDash val="solid"/>
+            <a:round/>
+            <a:headEnd type="none" w="sm" len="sm"/>
+            <a:tailEnd type="none" w="sm" len="sm"/>
+          </a:ln>
+        </p:spPr>
+        <p:txBody>
+          <a:bodyPr spcFirstLastPara="1" wrap="square" lIns="91425" tIns="91425" rIns="91425" bIns="91425" anchor="ctr" anchorCtr="0">
+            <a:noAutofit/>
+          </a:bodyPr>
+          <a:lstStyle/>
+          <a:p>
+            <a:pPr marL="0" lvl="0" indent="0" algn="ctr" rtl="0">
+              <a:spcBef>
+                <a:spcPts val="0"/>
+              </a:spcBef>
+              <a:spcAft>
+                <a:spcPts val="0"/>
+              </a:spcAft>
+              <a:buNone/>
+            </a:pPr>
+            <a:r>
+              <a:rPr lang="en"/>
+              <a:t>4: DE</a:t>
+            </a:r>
+            <a:endParaRPr/>
+          </a:p>
+        </p:txBody>
+      </p:sp>
+      <p:cxnSp>
+        <p:nvCxnSpPr>
+          <p:cNvPr id="210" name="Google Shape;210;p21"/>
+          <p:cNvCxnSpPr>
+            <a:stCxn id="196" idx="3"/>
+            <a:endCxn id="206" idx="0"/>
+          </p:cNvCxnSpPr>
+          <p:nvPr/>
+        </p:nvCxnSpPr>
+        <p:spPr>
+          <a:xfrm>
+            <a:off x="4912050" y="4276350"/>
+            <a:ext cx="989700" cy="223200"/>
+          </a:xfrm>
+          <a:prstGeom prst="straightConnector1">
+            <a:avLst/>
+          </a:prstGeom>
+          <a:noFill/>
+          <a:ln w="9525" cap="flat" cmpd="sng">
+            <a:solidFill>
+              <a:schemeClr val="dk2"/>
+            </a:solidFill>
+            <a:prstDash val="solid"/>
+            <a:round/>
+            <a:headEnd type="none" w="med" len="med"/>
+            <a:tailEnd type="triangle" w="med" len="med"/>
+          </a:ln>
+        </p:spPr>
+      </p:cxnSp>
+      <p:cxnSp>
+        <p:nvCxnSpPr>
+          <p:cNvPr id="211" name="Google Shape;211;p21"/>
+          <p:cNvCxnSpPr>
+            <a:stCxn id="197" idx="3"/>
+            <a:endCxn id="207" idx="0"/>
+          </p:cNvCxnSpPr>
+          <p:nvPr/>
+        </p:nvCxnSpPr>
+        <p:spPr>
+          <a:xfrm>
+            <a:off x="4912050" y="3981150"/>
+            <a:ext cx="1669800" cy="518400"/>
+          </a:xfrm>
+          <a:prstGeom prst="straightConnector1">
+            <a:avLst/>
+          </a:prstGeom>
+          <a:noFill/>
+          <a:ln w="9525" cap="flat" cmpd="sng">
+            <a:solidFill>
+              <a:schemeClr val="dk2"/>
+            </a:solidFill>
+            <a:prstDash val="solid"/>
+            <a:round/>
+            <a:headEnd type="none" w="med" len="med"/>
+            <a:tailEnd type="triangle" w="med" len="med"/>
+          </a:ln>
+        </p:spPr>
+      </p:cxnSp>
+      <p:sp>
+        <p:nvSpPr>
+          <p:cNvPr id="212" name="Google Shape;212;p21"/>
           <p:cNvSpPr txBox="1"/>
           <p:nvPr/>
         </p:nvSpPr>
         <p:spPr>
           <a:xfrm>
-            <a:off x="7361494" y="1379208"/>
-            <a:ext cx="441146" cy="1015663"/>
+            <a:off x="4519050" y="2225538"/>
+            <a:ext cx="483300" cy="400200"/>
           </a:xfrm>
           <a:prstGeom prst="rect">
             <a:avLst/>
           </a:prstGeom>
           <a:noFill/>
+          <a:ln>
+            <a:noFill/>
+          </a:ln>
         </p:spPr>
         <p:txBody>
-          <a:bodyPr wrap="none" rtlCol="0">
+          <a:bodyPr spcFirstLastPara="1" wrap="square" lIns="91425" tIns="91425" rIns="91425" bIns="91425" anchor="t" anchorCtr="0">
             <a:spAutoFit/>
           </a:bodyPr>
           <a:lstStyle/>
           <a:p>
-            <a:r>
-              <a:rPr lang="en-US" sz="6000" dirty="0"/>
-              <a:t>}</a:t>
-            </a:r>
+            <a:pPr marL="0" lvl="0" indent="0" algn="l" rtl="0">
+              <a:spcBef>
+                <a:spcPts val="0"/>
+              </a:spcBef>
+              <a:spcAft>
+                <a:spcPts val="0"/>
+              </a:spcAft>
+              <a:buNone/>
+            </a:pPr>
+            <a:r>
+              <a:rPr lang="en"/>
+              <a:t>$sp</a:t>
+            </a:r>
+            <a:endParaRPr/>
           </a:p>
         </p:txBody>
       </p:sp>
       <p:sp>
         <p:nvSpPr>
-          <p:cNvPr id="9" name="TextBox 8">
-            <a:extLst>
-              <a:ext uri="{FF2B5EF4-FFF2-40B4-BE49-F238E27FC236}">
-                <a16:creationId xmlns:a16="http://schemas.microsoft.com/office/drawing/2014/main" id="{3CF0CD3D-7C05-FA41-9C69-173063ED78C3}"/>
-              </a:ext>
-            </a:extLst>
-          </p:cNvPr>
+          <p:cNvPr id="213" name="Google Shape;213;p21"/>
           <p:cNvSpPr txBox="1"/>
           <p:nvPr/>
         </p:nvSpPr>
         <p:spPr>
           <a:xfrm>
-            <a:off x="7363420" y="2746944"/>
-            <a:ext cx="441146" cy="1015663"/>
+            <a:off x="4120925" y="1795000"/>
+            <a:ext cx="523500" cy="400200"/>
           </a:xfrm>
           <a:prstGeom prst="rect">
             <a:avLst/>
           </a:prstGeom>
           <a:noFill/>
+          <a:ln>
+            <a:noFill/>
+          </a:ln>
         </p:spPr>
         <p:txBody>
-          <a:bodyPr wrap="none" rtlCol="0">
+          <a:bodyPr spcFirstLastPara="1" wrap="square" lIns="91425" tIns="91425" rIns="91425" bIns="91425" anchor="t" anchorCtr="0">
             <a:spAutoFit/>
           </a:bodyPr>
           <a:lstStyle/>
           <a:p>
-            <a:r>
-              <a:rPr lang="en-US" sz="6000" dirty="0"/>
-              <a:t>}</a:t>
-            </a:r>
+            <a:pPr marL="0" lvl="0" indent="0" algn="l" rtl="0">
+              <a:spcBef>
+                <a:spcPts val="0"/>
+              </a:spcBef>
+              <a:spcAft>
+                <a:spcPts val="0"/>
+              </a:spcAft>
+              <a:buNone/>
+            </a:pPr>
+            <a:r>
+              <a:rPr lang="en"/>
+              <a:t>$fp</a:t>
+            </a:r>
+            <a:endParaRPr/>
           </a:p>
         </p:txBody>
       </p:sp>
       <p:sp>
         <p:nvSpPr>
-          <p:cNvPr id="3" name="TextBox 2">
-            <a:extLst>
-              <a:ext uri="{FF2B5EF4-FFF2-40B4-BE49-F238E27FC236}">
-                <a16:creationId xmlns:a16="http://schemas.microsoft.com/office/drawing/2014/main" id="{426280F8-3BAC-2243-B80C-A906ADAC9497}"/>
-              </a:ext>
-            </a:extLst>
-          </p:cNvPr>
+          <p:cNvPr id="214" name="Google Shape;214;p21"/>
           <p:cNvSpPr txBox="1"/>
           <p:nvPr/>
         </p:nvSpPr>
         <p:spPr>
           <a:xfrm>
-            <a:off x="7720310" y="1377384"/>
-            <a:ext cx="1388961" cy="1169551"/>
+            <a:off x="4819350" y="2706475"/>
+            <a:ext cx="558900" cy="400200"/>
           </a:xfrm>
           <a:prstGeom prst="rect">
             <a:avLst/>
           </a:prstGeom>
           <a:noFill/>
+          <a:ln>
+            <a:noFill/>
+          </a:ln>
         </p:spPr>
         <p:txBody>
-          <a:bodyPr wrap="square" rtlCol="0">
+          <a:bodyPr spcFirstLastPara="1" wrap="square" lIns="91425" tIns="91425" rIns="91425" bIns="91425" anchor="t" anchorCtr="0">
             <a:spAutoFit/>
           </a:bodyPr>
           <a:lstStyle/>
           <a:p>
-            <a:r>
-              <a:rPr lang="en-US" dirty="0"/>
-              <a:t>Dynamic:</a:t>
-            </a:r>
-            <a:br>
-              <a:rPr lang="en-US" dirty="0"/>
-            </a:br>
-            <a:br>
-              <a:rPr lang="en-US" dirty="0"/>
-            </a:br>
-            <a:r>
-              <a:rPr lang="en-US" dirty="0"/>
-              <a:t>Locations defined at runtime. </a:t>
-            </a:r>
+            <a:pPr marL="0" lvl="0" indent="0" algn="l" rtl="0">
+              <a:spcBef>
+                <a:spcPts val="0"/>
+              </a:spcBef>
+              <a:spcAft>
+                <a:spcPts val="0"/>
+              </a:spcAft>
+              <a:buNone/>
+            </a:pPr>
+            <a:r>
+              <a:rPr lang="en"/>
+              <a:t>$gp</a:t>
+            </a:r>
+            <a:endParaRPr/>
           </a:p>
         </p:txBody>
       </p:sp>
+      <p:cxnSp>
+        <p:nvCxnSpPr>
+          <p:cNvPr id="215" name="Google Shape;215;p21"/>
+          <p:cNvCxnSpPr>
+            <a:stCxn id="212" idx="3"/>
+          </p:cNvCxnSpPr>
+          <p:nvPr/>
+        </p:nvCxnSpPr>
+        <p:spPr>
+          <a:xfrm rot="10800000" flipH="1">
+            <a:off x="5002350" y="2233338"/>
+            <a:ext cx="1137000" cy="192300"/>
+          </a:xfrm>
+          <a:prstGeom prst="straightConnector1">
+            <a:avLst/>
+          </a:prstGeom>
+          <a:noFill/>
+          <a:ln w="9525" cap="flat" cmpd="sng">
+            <a:solidFill>
+              <a:schemeClr val="dk2"/>
+            </a:solidFill>
+            <a:prstDash val="solid"/>
+            <a:round/>
+            <a:headEnd type="none" w="med" len="med"/>
+            <a:tailEnd type="triangle" w="med" len="med"/>
+          </a:ln>
+        </p:spPr>
+      </p:cxnSp>
+      <p:cxnSp>
+        <p:nvCxnSpPr>
+          <p:cNvPr id="216" name="Google Shape;216;p21"/>
+          <p:cNvCxnSpPr/>
+          <p:nvPr/>
+        </p:nvCxnSpPr>
+        <p:spPr>
+          <a:xfrm rot="10800000" flipH="1">
+            <a:off x="5378250" y="2725675"/>
+            <a:ext cx="801300" cy="180900"/>
+          </a:xfrm>
+          <a:prstGeom prst="straightConnector1">
+            <a:avLst/>
+          </a:prstGeom>
+          <a:noFill/>
+          <a:ln w="9525" cap="flat" cmpd="sng">
+            <a:solidFill>
+              <a:schemeClr val="dk2"/>
+            </a:solidFill>
+            <a:prstDash val="solid"/>
+            <a:round/>
+            <a:headEnd type="none" w="med" len="med"/>
+            <a:tailEnd type="triangle" w="med" len="med"/>
+          </a:ln>
+        </p:spPr>
+      </p:cxnSp>
+      <p:cxnSp>
+        <p:nvCxnSpPr>
+          <p:cNvPr id="217" name="Google Shape;217;p21"/>
+          <p:cNvCxnSpPr>
+            <a:stCxn id="213" idx="3"/>
+          </p:cNvCxnSpPr>
+          <p:nvPr/>
+        </p:nvCxnSpPr>
+        <p:spPr>
+          <a:xfrm>
+            <a:off x="4644425" y="1995100"/>
+            <a:ext cx="1463400" cy="104100"/>
+          </a:xfrm>
+          <a:prstGeom prst="straightConnector1">
+            <a:avLst/>
+          </a:prstGeom>
+          <a:noFill/>
+          <a:ln w="9525" cap="flat" cmpd="sng">
+            <a:solidFill>
+              <a:schemeClr val="dk2"/>
+            </a:solidFill>
+            <a:prstDash val="solid"/>
+            <a:round/>
+            <a:headEnd type="none" w="med" len="med"/>
+            <a:tailEnd type="triangle" w="med" len="med"/>
+          </a:ln>
+        </p:spPr>
+      </p:cxnSp>
       <p:sp>
         <p:nvSpPr>
-          <p:cNvPr id="11" name="TextBox 10">
-            <a:extLst>
-              <a:ext uri="{FF2B5EF4-FFF2-40B4-BE49-F238E27FC236}">
-                <a16:creationId xmlns:a16="http://schemas.microsoft.com/office/drawing/2014/main" id="{C0388980-D476-7D48-B874-A21D05091EB9}"/>
-              </a:ext>
-            </a:extLst>
-          </p:cNvPr>
+          <p:cNvPr id="218" name="Google Shape;218;p21"/>
           <p:cNvSpPr txBox="1"/>
           <p:nvPr/>
         </p:nvSpPr>
         <p:spPr>
           <a:xfrm>
-            <a:off x="7664367" y="2640951"/>
-            <a:ext cx="1388961" cy="1384995"/>
+            <a:off x="6047777" y="24699"/>
+            <a:ext cx="3076770" cy="923299"/>
           </a:xfrm>
           <a:prstGeom prst="rect">
             <a:avLst/>
           </a:prstGeom>
           <a:noFill/>
+          <a:ln>
+            <a:noFill/>
+          </a:ln>
         </p:spPr>
         <p:txBody>
-          <a:bodyPr wrap="square" rtlCol="0">
+          <a:bodyPr spcFirstLastPara="1" wrap="square" lIns="91425" tIns="91425" rIns="91425" bIns="91425" anchor="t" anchorCtr="0">
             <a:spAutoFit/>
           </a:bodyPr>
           <a:lstStyle/>
           <a:p>
-            <a:r>
-              <a:rPr lang="en-US" dirty="0"/>
-              <a:t>Static:</a:t>
-            </a:r>
-            <a:br>
-              <a:rPr lang="en-US" dirty="0"/>
-            </a:br>
-            <a:r>
-              <a:rPr lang="en-US" dirty="0"/>
-              <a:t> </a:t>
-            </a:r>
-            <a:br>
-              <a:rPr lang="en-US" dirty="0"/>
-            </a:br>
-            <a:r>
-              <a:rPr lang="en-US" dirty="0"/>
-              <a:t>Locations are defined when the program starts.</a:t>
-            </a:r>
+            <a:pPr marL="0" lvl="0" indent="0" algn="l" rtl="0">
+              <a:spcBef>
+                <a:spcPts val="0"/>
+              </a:spcBef>
+              <a:spcAft>
+                <a:spcPts val="0"/>
+              </a:spcAft>
+              <a:buNone/>
+            </a:pPr>
+            <a:r>
+              <a:rPr lang="en" sz="1200" dirty="0" err="1"/>
+              <a:t>endiance</a:t>
+            </a:r>
+            <a:r>
+              <a:rPr lang="en" sz="1200" dirty="0"/>
+              <a:t>: the order of bytes within a word</a:t>
+            </a:r>
+            <a:endParaRPr sz="1200" dirty="0"/>
+          </a:p>
+          <a:p>
+            <a:pPr marL="457200" lvl="0" indent="-317500" algn="l" rtl="0">
+              <a:spcBef>
+                <a:spcPts val="0"/>
+              </a:spcBef>
+              <a:spcAft>
+                <a:spcPts val="0"/>
+              </a:spcAft>
+              <a:buSzPts val="1400"/>
+              <a:buChar char="●"/>
+            </a:pPr>
+            <a:r>
+              <a:rPr lang="en" sz="1200" dirty="0"/>
+              <a:t>big:      1,2,3,4        (</a:t>
+            </a:r>
+            <a:r>
+              <a:rPr lang="en" sz="1200" dirty="0" err="1"/>
+              <a:t>yy</a:t>
+            </a:r>
+            <a:r>
+              <a:rPr lang="en" sz="1200" dirty="0"/>
+              <a:t>/mm/dd)</a:t>
+            </a:r>
+            <a:endParaRPr sz="1200" dirty="0"/>
+          </a:p>
+          <a:p>
+            <a:pPr marL="457200" lvl="0" indent="-317500" algn="l" rtl="0">
+              <a:spcBef>
+                <a:spcPts val="0"/>
+              </a:spcBef>
+              <a:spcAft>
+                <a:spcPts val="0"/>
+              </a:spcAft>
+              <a:buSzPts val="1400"/>
+              <a:buChar char="●"/>
+            </a:pPr>
+            <a:r>
+              <a:rPr lang="en" sz="1200" dirty="0"/>
+              <a:t>little:     4,3,2,1       (dd/mm/</a:t>
+            </a:r>
+            <a:r>
+              <a:rPr lang="en" sz="1200" dirty="0" err="1"/>
+              <a:t>yy</a:t>
+            </a:r>
+            <a:r>
+              <a:rPr lang="en" sz="1200" dirty="0"/>
+              <a:t>)</a:t>
+            </a:r>
+            <a:endParaRPr sz="1200" dirty="0"/>
+          </a:p>
+          <a:p>
+            <a:pPr marL="457200" lvl="0" indent="-317500" algn="l" rtl="0">
+              <a:spcBef>
+                <a:spcPts val="0"/>
+              </a:spcBef>
+              <a:spcAft>
+                <a:spcPts val="0"/>
+              </a:spcAft>
+              <a:buSzPts val="1400"/>
+              <a:buChar char="●"/>
+            </a:pPr>
+            <a:r>
+              <a:rPr lang="en" sz="1200" dirty="0"/>
+              <a:t>middle: 3,4,1,2       (mm/dd/</a:t>
+            </a:r>
+            <a:r>
+              <a:rPr lang="en" sz="1200" dirty="0" err="1"/>
+              <a:t>yy</a:t>
+            </a:r>
+            <a:r>
+              <a:rPr lang="en" sz="1200" dirty="0"/>
+              <a:t>)</a:t>
+            </a:r>
+            <a:endParaRPr sz="1200" dirty="0"/>
           </a:p>
         </p:txBody>
       </p:sp>
@@ -8418,7 +8587,7 @@
 </p:sld>
 </file>
 
-<file path=ppt/slides/slide11.xml><?xml version="1.0" encoding="utf-8"?>
+<file path=ppt/slides/slide12.xml><?xml version="1.0" encoding="utf-8"?>
 <p:sld xmlns:a="http://schemas.openxmlformats.org/drawingml/2006/main" xmlns:r="http://schemas.openxmlformats.org/officeDocument/2006/relationships" xmlns:p="http://schemas.openxmlformats.org/presentationml/2006/main">
   <p:cSld>
     <p:spTree>
@@ -8512,13 +8681,22 @@
               <a:buSzPts val="1800"/>
               <a:buChar char="●"/>
             </a:pPr>
-            <a:r>
-              <a:rPr lang="en"/>
-              <a:t>Kernel </a:t>
-            </a:r>
+            <a:endParaRPr lang="en" dirty="0"/>
+          </a:p>
+          <a:p>
+            <a:pPr marL="457200" lvl="0" indent="-342900" algn="l" rtl="0">
+              <a:spcBef>
+                <a:spcPts val="0"/>
+              </a:spcBef>
+              <a:spcAft>
+                <a:spcPts val="0"/>
+              </a:spcAft>
+              <a:buSzPts val="1800"/>
+              <a:buChar char="●"/>
+            </a:pPr>
             <a:r>
               <a:rPr lang="en" dirty="0"/>
-              <a:t>Calls:  '</a:t>
+              <a:t>Service Requests to the operating system via the ‘</a:t>
             </a:r>
             <a:r>
               <a:rPr lang="en" dirty="0" err="1"/>
@@ -8539,7 +8717,7 @@
           <p:nvPr/>
         </p:nvGraphicFramePr>
         <p:xfrm>
-          <a:off x="983650" y="1813400"/>
+          <a:off x="895730" y="2041999"/>
           <a:ext cx="6380075" cy="2803980"/>
         </p:xfrm>
         <a:graphic>
@@ -9191,10 +9369,10 @@
                         <a:buNone/>
                       </a:pPr>
                       <a:r>
-                        <a:rPr lang="en"/>
+                        <a:rPr lang="en" dirty="0"/>
                         <a:t>$v0 = bytes read</a:t>
                       </a:r>
-                      <a:endParaRPr/>
+                      <a:endParaRPr dirty="0"/>
                     </a:p>
                     <a:p>
                       <a:pPr marL="0" lvl="0" indent="0" algn="l" rtl="0">
@@ -9207,10 +9385,10 @@
                         <a:buNone/>
                       </a:pPr>
                       <a:r>
-                        <a:rPr lang="en"/>
+                        <a:rPr lang="en" dirty="0"/>
                         <a:t>           -1 == error</a:t>
                       </a:r>
-                      <a:endParaRPr/>
+                      <a:endParaRPr dirty="0"/>
                     </a:p>
                     <a:p>
                       <a:pPr marL="0" lvl="0" indent="0" algn="l" rtl="0">
@@ -9223,10 +9401,14 @@
                         <a:buNone/>
                       </a:pPr>
                       <a:r>
-                        <a:rPr lang="en"/>
-                        <a:t>            0 == eof</a:t>
+                        <a:rPr lang="en" dirty="0"/>
+                        <a:t>            0 == </a:t>
                       </a:r>
-                      <a:endParaRPr/>
+                      <a:r>
+                        <a:rPr lang="en" dirty="0" err="1"/>
+                        <a:t>eof</a:t>
+                      </a:r>
+                      <a:endParaRPr dirty="0"/>
                     </a:p>
                   </a:txBody>
                   <a:tcPr marL="91425" marR="91425" marT="91425" marB="91425"/>
@@ -9241,7 +9423,211 @@
           </a:graphicData>
         </a:graphic>
       </p:graphicFrame>
+      <p:sp>
+        <p:nvSpPr>
+          <p:cNvPr id="2" name="TextBox 1">
+            <a:extLst>
+              <a:ext uri="{FF2B5EF4-FFF2-40B4-BE49-F238E27FC236}">
+                <a16:creationId xmlns:a16="http://schemas.microsoft.com/office/drawing/2014/main" id="{52E8271B-F2D0-1842-AAFA-1838948C8275}"/>
+              </a:ext>
+            </a:extLst>
+          </p:cNvPr>
+          <p:cNvSpPr txBox="1"/>
+          <p:nvPr/>
+        </p:nvSpPr>
+        <p:spPr>
+          <a:xfrm>
+            <a:off x="6185816" y="220298"/>
+            <a:ext cx="2813538" cy="1169551"/>
+          </a:xfrm>
+          <a:prstGeom prst="rect">
+            <a:avLst/>
+          </a:prstGeom>
+          <a:noFill/>
+        </p:spPr>
+        <p:txBody>
+          <a:bodyPr wrap="square" rtlCol="0">
+            <a:spAutoFit/>
+          </a:bodyPr>
+          <a:lstStyle/>
+          <a:p>
+            <a:r>
+              <a:rPr lang="en-US" dirty="0">
+                <a:latin typeface="Source Code Pro" panose="020B0509030403020204" pitchFamily="49" charset="0"/>
+                <a:ea typeface="Source Code Pro" panose="020B0509030403020204" pitchFamily="49" charset="0"/>
+              </a:rPr>
+              <a:t># Print the integer ‘1’</a:t>
+            </a:r>
+            <a:br>
+              <a:rPr lang="en-US" dirty="0">
+                <a:latin typeface="Source Code Pro" panose="020B0509030403020204" pitchFamily="49" charset="0"/>
+                <a:ea typeface="Source Code Pro" panose="020B0509030403020204" pitchFamily="49" charset="0"/>
+              </a:rPr>
+            </a:br>
+            <a:r>
+              <a:rPr lang="en-US" dirty="0">
+                <a:latin typeface="Source Code Pro" panose="020B0509030403020204" pitchFamily="49" charset="0"/>
+                <a:ea typeface="Source Code Pro" panose="020B0509030403020204" pitchFamily="49" charset="0"/>
+              </a:rPr>
+              <a:t># Macro: </a:t>
+            </a:r>
+            <a:r>
+              <a:rPr lang="en-US" dirty="0" err="1">
+                <a:latin typeface="Source Code Pro" panose="020B0509030403020204" pitchFamily="49" charset="0"/>
+                <a:ea typeface="Source Code Pro" panose="020B0509030403020204" pitchFamily="49" charset="0"/>
+              </a:rPr>
+              <a:t>print_di</a:t>
+            </a:r>
+            <a:r>
+              <a:rPr lang="en-US" dirty="0">
+                <a:latin typeface="Source Code Pro" panose="020B0509030403020204" pitchFamily="49" charset="0"/>
+                <a:ea typeface="Source Code Pro" panose="020B0509030403020204" pitchFamily="49" charset="0"/>
+              </a:rPr>
+              <a:t> %</a:t>
+            </a:r>
+            <a:r>
+              <a:rPr lang="en-US" dirty="0" err="1">
+                <a:latin typeface="Source Code Pro" panose="020B0509030403020204" pitchFamily="49" charset="0"/>
+                <a:ea typeface="Source Code Pro" panose="020B0509030403020204" pitchFamily="49" charset="0"/>
+              </a:rPr>
+              <a:t>imm</a:t>
+            </a:r>
+            <a:br>
+              <a:rPr lang="en-US" dirty="0">
+                <a:latin typeface="Source Code Pro" panose="020B0509030403020204" pitchFamily="49" charset="0"/>
+                <a:ea typeface="Source Code Pro" panose="020B0509030403020204" pitchFamily="49" charset="0"/>
+              </a:rPr>
+            </a:br>
+            <a:r>
+              <a:rPr lang="en-US" dirty="0">
+                <a:latin typeface="Source Code Pro" panose="020B0509030403020204" pitchFamily="49" charset="0"/>
+                <a:ea typeface="Source Code Pro" panose="020B0509030403020204" pitchFamily="49" charset="0"/>
+              </a:rPr>
+              <a:t>li $a0, %</a:t>
+            </a:r>
+            <a:r>
+              <a:rPr lang="en-US" dirty="0" err="1">
+                <a:latin typeface="Source Code Pro" panose="020B0509030403020204" pitchFamily="49" charset="0"/>
+                <a:ea typeface="Source Code Pro" panose="020B0509030403020204" pitchFamily="49" charset="0"/>
+              </a:rPr>
+              <a:t>imm</a:t>
+            </a:r>
+            <a:br>
+              <a:rPr lang="en-US" dirty="0">
+                <a:latin typeface="Source Code Pro" panose="020B0509030403020204" pitchFamily="49" charset="0"/>
+                <a:ea typeface="Source Code Pro" panose="020B0509030403020204" pitchFamily="49" charset="0"/>
+              </a:rPr>
+            </a:br>
+            <a:r>
+              <a:rPr lang="en-US" dirty="0">
+                <a:latin typeface="Source Code Pro" panose="020B0509030403020204" pitchFamily="49" charset="0"/>
+                <a:ea typeface="Source Code Pro" panose="020B0509030403020204" pitchFamily="49" charset="0"/>
+              </a:rPr>
+              <a:t>li $v0, 1</a:t>
+            </a:r>
+            <a:br>
+              <a:rPr lang="en-US" dirty="0">
+                <a:latin typeface="Source Code Pro" panose="020B0509030403020204" pitchFamily="49" charset="0"/>
+                <a:ea typeface="Source Code Pro" panose="020B0509030403020204" pitchFamily="49" charset="0"/>
+              </a:rPr>
+            </a:br>
+            <a:r>
+              <a:rPr lang="en-US" dirty="0" err="1">
+                <a:latin typeface="Source Code Pro" panose="020B0509030403020204" pitchFamily="49" charset="0"/>
+                <a:ea typeface="Source Code Pro" panose="020B0509030403020204" pitchFamily="49" charset="0"/>
+              </a:rPr>
+              <a:t>syscall</a:t>
+            </a:r>
+            <a:endParaRPr lang="en-US" dirty="0">
+              <a:latin typeface="Source Code Pro" panose="020B0509030403020204" pitchFamily="49" charset="0"/>
+              <a:ea typeface="Source Code Pro" panose="020B0509030403020204" pitchFamily="49" charset="0"/>
+            </a:endParaRPr>
+          </a:p>
+        </p:txBody>
+      </p:sp>
     </p:spTree>
+  </p:cSld>
+  <p:clrMapOvr>
+    <a:masterClrMapping/>
+  </p:clrMapOvr>
+</p:sld>
+</file>
+
+<file path=ppt/slides/slide13.xml><?xml version="1.0" encoding="utf-8"?>
+<p:sld xmlns:a="http://schemas.openxmlformats.org/drawingml/2006/main" xmlns:r="http://schemas.openxmlformats.org/officeDocument/2006/relationships" xmlns:p="http://schemas.openxmlformats.org/presentationml/2006/main">
+  <p:cSld>
+    <p:spTree>
+      <p:nvGrpSpPr>
+        <p:cNvPr id="1" name=""/>
+        <p:cNvGrpSpPr/>
+        <p:nvPr/>
+      </p:nvGrpSpPr>
+      <p:grpSpPr>
+        <a:xfrm>
+          <a:off x="0" y="0"/>
+          <a:ext cx="0" cy="0"/>
+          <a:chOff x="0" y="0"/>
+          <a:chExt cx="0" cy="0"/>
+        </a:xfrm>
+      </p:grpSpPr>
+      <p:sp>
+        <p:nvSpPr>
+          <p:cNvPr id="2" name="Title 1">
+            <a:extLst>
+              <a:ext uri="{FF2B5EF4-FFF2-40B4-BE49-F238E27FC236}">
+                <a16:creationId xmlns:a16="http://schemas.microsoft.com/office/drawing/2014/main" id="{A9DD833E-2A35-7D44-AB5F-13687BAC9EE2}"/>
+              </a:ext>
+            </a:extLst>
+          </p:cNvPr>
+          <p:cNvSpPr>
+            <a:spLocks noGrp="1"/>
+          </p:cNvSpPr>
+          <p:nvPr>
+            <p:ph type="title"/>
+          </p:nvPr>
+        </p:nvSpPr>
+        <p:spPr/>
+        <p:txBody>
+          <a:bodyPr>
+            <a:normAutofit fontScale="90000"/>
+          </a:bodyPr>
+          <a:lstStyle/>
+          <a:p>
+            <a:endParaRPr lang="en-US"/>
+          </a:p>
+        </p:txBody>
+      </p:sp>
+      <p:sp>
+        <p:nvSpPr>
+          <p:cNvPr id="3" name="Text Placeholder 2">
+            <a:extLst>
+              <a:ext uri="{FF2B5EF4-FFF2-40B4-BE49-F238E27FC236}">
+                <a16:creationId xmlns:a16="http://schemas.microsoft.com/office/drawing/2014/main" id="{A0B8AF12-D8EC-514F-B9B3-04A94D789765}"/>
+              </a:ext>
+            </a:extLst>
+          </p:cNvPr>
+          <p:cNvSpPr>
+            <a:spLocks noGrp="1"/>
+          </p:cNvSpPr>
+          <p:nvPr>
+            <p:ph type="body" idx="1"/>
+          </p:nvPr>
+        </p:nvSpPr>
+        <p:spPr/>
+        <p:txBody>
+          <a:bodyPr/>
+          <a:lstStyle/>
+          <a:p>
+            <a:endParaRPr lang="en-US"/>
+          </a:p>
+        </p:txBody>
+      </p:sp>
+    </p:spTree>
+    <p:extLst>
+      <p:ext uri="{BB962C8B-B14F-4D97-AF65-F5344CB8AC3E}">
+        <p14:creationId xmlns:p14="http://schemas.microsoft.com/office/powerpoint/2010/main" val="1381434781"/>
+      </p:ext>
+    </p:extLst>
   </p:cSld>
   <p:clrMapOvr>
     <a:masterClrMapping/>
@@ -15334,6 +15720,949 @@
   <p:cSld>
     <p:spTree>
       <p:nvGrpSpPr>
+        <p:cNvPr id="1" name="Shape 59"/>
+        <p:cNvGrpSpPr/>
+        <p:nvPr/>
+      </p:nvGrpSpPr>
+      <p:grpSpPr>
+        <a:xfrm>
+          <a:off x="0" y="0"/>
+          <a:ext cx="0" cy="0"/>
+          <a:chOff x="0" y="0"/>
+          <a:chExt cx="0" cy="0"/>
+        </a:xfrm>
+      </p:grpSpPr>
+      <p:sp>
+        <p:nvSpPr>
+          <p:cNvPr id="60" name="Google Shape;60;p14"/>
+          <p:cNvSpPr txBox="1">
+            <a:spLocks noGrp="1"/>
+          </p:cNvSpPr>
+          <p:nvPr>
+            <p:ph type="title"/>
+          </p:nvPr>
+        </p:nvSpPr>
+        <p:spPr>
+          <a:xfrm>
+            <a:off x="311700" y="413525"/>
+            <a:ext cx="8520600" cy="572700"/>
+          </a:xfrm>
+          <a:prstGeom prst="rect">
+            <a:avLst/>
+          </a:prstGeom>
+        </p:spPr>
+        <p:txBody>
+          <a:bodyPr spcFirstLastPara="1" wrap="square" lIns="91425" tIns="91425" rIns="91425" bIns="91425" anchor="t" anchorCtr="0">
+            <a:normAutofit fontScale="90000"/>
+          </a:bodyPr>
+          <a:lstStyle/>
+          <a:p>
+            <a:pPr marL="0" lvl="0" indent="0" algn="l" rtl="0">
+              <a:spcBef>
+                <a:spcPts val="0"/>
+              </a:spcBef>
+              <a:spcAft>
+                <a:spcPts val="0"/>
+              </a:spcAft>
+              <a:buNone/>
+            </a:pPr>
+            <a:r>
+              <a:rPr lang="en"/>
+              <a:t>Instruction Set Architectures</a:t>
+            </a:r>
+            <a:endParaRPr/>
+          </a:p>
+        </p:txBody>
+      </p:sp>
+      <p:sp>
+        <p:nvSpPr>
+          <p:cNvPr id="61" name="Google Shape;61;p14"/>
+          <p:cNvSpPr txBox="1">
+            <a:spLocks noGrp="1"/>
+          </p:cNvSpPr>
+          <p:nvPr>
+            <p:ph type="body" idx="1"/>
+          </p:nvPr>
+        </p:nvSpPr>
+        <p:spPr>
+          <a:xfrm>
+            <a:off x="311700" y="1152475"/>
+            <a:ext cx="8520600" cy="3416400"/>
+          </a:xfrm>
+          <a:prstGeom prst="rect">
+            <a:avLst/>
+          </a:prstGeom>
+        </p:spPr>
+        <p:txBody>
+          <a:bodyPr spcFirstLastPara="1" wrap="square" lIns="91425" tIns="91425" rIns="91425" bIns="91425" anchor="t" anchorCtr="0">
+            <a:normAutofit fontScale="85000" lnSpcReduction="20000"/>
+          </a:bodyPr>
+          <a:lstStyle/>
+          <a:p>
+            <a:pPr marL="457200" lvl="0" indent="-325755" algn="l" rtl="0">
+              <a:spcBef>
+                <a:spcPts val="0"/>
+              </a:spcBef>
+              <a:spcAft>
+                <a:spcPts val="0"/>
+              </a:spcAft>
+              <a:buSzPct val="100000"/>
+              <a:buChar char="●"/>
+            </a:pPr>
+            <a:r>
+              <a:rPr lang="en"/>
+              <a:t>The ISA is one level above the physical architecture</a:t>
+            </a:r>
+            <a:endParaRPr/>
+          </a:p>
+          <a:p>
+            <a:pPr marL="457200" lvl="0" indent="-325755" algn="l" rtl="0">
+              <a:spcBef>
+                <a:spcPts val="0"/>
+              </a:spcBef>
+              <a:spcAft>
+                <a:spcPts val="0"/>
+              </a:spcAft>
+              <a:buSzPct val="100000"/>
+              <a:buChar char="●"/>
+            </a:pPr>
+            <a:r>
+              <a:rPr lang="en"/>
+              <a:t>Defines the following:</a:t>
+            </a:r>
+            <a:endParaRPr/>
+          </a:p>
+          <a:p>
+            <a:pPr marL="914400" lvl="1" indent="-304165" algn="l" rtl="0">
+              <a:spcBef>
+                <a:spcPts val="0"/>
+              </a:spcBef>
+              <a:spcAft>
+                <a:spcPts val="0"/>
+              </a:spcAft>
+              <a:buSzPct val="100000"/>
+              <a:buChar char="○"/>
+            </a:pPr>
+            <a:r>
+              <a:rPr lang="en"/>
+              <a:t>Supported instruction and their semantics</a:t>
+            </a:r>
+            <a:endParaRPr/>
+          </a:p>
+          <a:p>
+            <a:pPr marL="914400" lvl="1" indent="-304165" algn="l" rtl="0">
+              <a:spcBef>
+                <a:spcPts val="0"/>
+              </a:spcBef>
+              <a:spcAft>
+                <a:spcPts val="0"/>
+              </a:spcAft>
+              <a:buSzPct val="100000"/>
+              <a:buChar char="○"/>
+            </a:pPr>
+            <a:r>
+              <a:rPr lang="en"/>
+              <a:t>Supported data types</a:t>
+            </a:r>
+            <a:endParaRPr/>
+          </a:p>
+          <a:p>
+            <a:pPr marL="914400" lvl="1" indent="-304165" algn="l" rtl="0">
+              <a:spcBef>
+                <a:spcPts val="0"/>
+              </a:spcBef>
+              <a:spcAft>
+                <a:spcPts val="0"/>
+              </a:spcAft>
+              <a:buSzPct val="100000"/>
+              <a:buChar char="○"/>
+            </a:pPr>
+            <a:r>
+              <a:rPr lang="en"/>
+              <a:t>Registers: size, number, and purpose</a:t>
+            </a:r>
+            <a:endParaRPr/>
+          </a:p>
+          <a:p>
+            <a:pPr marL="914400" lvl="1" indent="-304165" algn="l" rtl="0">
+              <a:spcBef>
+                <a:spcPts val="0"/>
+              </a:spcBef>
+              <a:spcAft>
+                <a:spcPts val="0"/>
+              </a:spcAft>
+              <a:buSzPct val="100000"/>
+              <a:buChar char="○"/>
+            </a:pPr>
+            <a:r>
+              <a:rPr lang="en"/>
+              <a:t>Memory: layout, addressing, alignment, endiance</a:t>
+            </a:r>
+            <a:endParaRPr/>
+          </a:p>
+          <a:p>
+            <a:pPr marL="1371600" lvl="2" indent="-304164" algn="l" rtl="0">
+              <a:spcBef>
+                <a:spcPts val="0"/>
+              </a:spcBef>
+              <a:spcAft>
+                <a:spcPts val="0"/>
+              </a:spcAft>
+              <a:buSzPct val="100000"/>
+              <a:buChar char="■"/>
+            </a:pPr>
+            <a:r>
+              <a:rPr lang="en"/>
+              <a:t>Memory is an array of bytes</a:t>
+            </a:r>
+            <a:endParaRPr/>
+          </a:p>
+          <a:p>
+            <a:pPr marL="914400" lvl="1" indent="-304165" algn="l" rtl="0">
+              <a:spcBef>
+                <a:spcPts val="0"/>
+              </a:spcBef>
+              <a:spcAft>
+                <a:spcPts val="0"/>
+              </a:spcAft>
+              <a:buSzPct val="100000"/>
+              <a:buChar char="○"/>
+            </a:pPr>
+            <a:r>
+              <a:rPr lang="en"/>
+              <a:t>OS interface: </a:t>
+            </a:r>
+            <a:endParaRPr/>
+          </a:p>
+          <a:p>
+            <a:pPr marL="457200" lvl="0" indent="-325755" algn="l" rtl="0">
+              <a:spcBef>
+                <a:spcPts val="0"/>
+              </a:spcBef>
+              <a:spcAft>
+                <a:spcPts val="0"/>
+              </a:spcAft>
+              <a:buSzPct val="100000"/>
+              <a:buChar char="●"/>
+            </a:pPr>
+            <a:r>
+              <a:rPr lang="en"/>
+              <a:t>Does not define the following:</a:t>
+            </a:r>
+            <a:endParaRPr/>
+          </a:p>
+          <a:p>
+            <a:pPr marL="914400" lvl="1" indent="-304165" algn="l" rtl="0">
+              <a:spcBef>
+                <a:spcPts val="0"/>
+              </a:spcBef>
+              <a:spcAft>
+                <a:spcPts val="0"/>
+              </a:spcAft>
+              <a:buSzPct val="100000"/>
+              <a:buChar char="○"/>
+            </a:pPr>
+            <a:r>
+              <a:rPr lang="en"/>
+              <a:t>technology used</a:t>
+            </a:r>
+            <a:endParaRPr/>
+          </a:p>
+          <a:p>
+            <a:pPr marL="914400" lvl="1" indent="-304165" algn="l" rtl="0">
+              <a:spcBef>
+                <a:spcPts val="0"/>
+              </a:spcBef>
+              <a:spcAft>
+                <a:spcPts val="0"/>
+              </a:spcAft>
+              <a:buSzPct val="100000"/>
+              <a:buChar char="○"/>
+            </a:pPr>
+            <a:r>
+              <a:rPr lang="en"/>
+              <a:t>chip layout </a:t>
+            </a:r>
+            <a:endParaRPr/>
+          </a:p>
+          <a:p>
+            <a:pPr marL="914400" lvl="1" indent="-304165" algn="l" rtl="0">
+              <a:spcBef>
+                <a:spcPts val="0"/>
+              </a:spcBef>
+              <a:spcAft>
+                <a:spcPts val="0"/>
+              </a:spcAft>
+              <a:buSzPct val="100000"/>
+              <a:buChar char="○"/>
+            </a:pPr>
+            <a:r>
+              <a:rPr lang="en"/>
+              <a:t>memory implementation</a:t>
+            </a:r>
+            <a:endParaRPr/>
+          </a:p>
+          <a:p>
+            <a:pPr marL="914400" lvl="1" indent="-304165" algn="l" rtl="0">
+              <a:spcBef>
+                <a:spcPts val="0"/>
+              </a:spcBef>
+              <a:spcAft>
+                <a:spcPts val="0"/>
+              </a:spcAft>
+              <a:buSzPct val="100000"/>
+              <a:buChar char="○"/>
+            </a:pPr>
+            <a:r>
+              <a:rPr lang="en"/>
+              <a:t>etc</a:t>
+            </a:r>
+            <a:endParaRPr/>
+          </a:p>
+          <a:p>
+            <a:pPr marL="457200" lvl="0" indent="-325755" algn="l" rtl="0">
+              <a:spcBef>
+                <a:spcPts val="0"/>
+              </a:spcBef>
+              <a:spcAft>
+                <a:spcPts val="0"/>
+              </a:spcAft>
+              <a:buSzPct val="100000"/>
+              <a:buChar char="●"/>
+            </a:pPr>
+            <a:r>
+              <a:rPr lang="en"/>
+              <a:t>Very Similar to an API: </a:t>
+            </a:r>
+            <a:endParaRPr/>
+          </a:p>
+          <a:p>
+            <a:pPr marL="457200" lvl="0" indent="-325755" algn="l" rtl="0">
+              <a:spcBef>
+                <a:spcPts val="0"/>
+              </a:spcBef>
+              <a:spcAft>
+                <a:spcPts val="0"/>
+              </a:spcAft>
+              <a:buSzPct val="100000"/>
+              <a:buChar char="●"/>
+            </a:pPr>
+            <a:r>
+              <a:rPr lang="en"/>
+              <a:t>RISC versus CISC</a:t>
+            </a:r>
+            <a:endParaRPr/>
+          </a:p>
+          <a:p>
+            <a:pPr marL="914400" lvl="1" indent="-304165" algn="l" rtl="0">
+              <a:spcBef>
+                <a:spcPts val="0"/>
+              </a:spcBef>
+              <a:spcAft>
+                <a:spcPts val="0"/>
+              </a:spcAft>
+              <a:buSzPct val="100000"/>
+              <a:buChar char="○"/>
+            </a:pPr>
+            <a:r>
+              <a:rPr lang="en"/>
+              <a:t>Reduced Instruction Set Computer (RISC)</a:t>
+            </a:r>
+            <a:endParaRPr/>
+          </a:p>
+          <a:p>
+            <a:pPr marL="914400" lvl="1" indent="-304165" algn="l" rtl="0">
+              <a:spcBef>
+                <a:spcPts val="0"/>
+              </a:spcBef>
+              <a:spcAft>
+                <a:spcPts val="0"/>
+              </a:spcAft>
+              <a:buSzPct val="100000"/>
+              <a:buChar char="○"/>
+            </a:pPr>
+            <a:r>
+              <a:rPr lang="en"/>
+              <a:t>Complex Instruction Set Computer (CISC)</a:t>
+            </a:r>
+            <a:endParaRPr/>
+          </a:p>
+        </p:txBody>
+      </p:sp>
+      <p:sp>
+        <p:nvSpPr>
+          <p:cNvPr id="62" name="Google Shape;62;p14"/>
+          <p:cNvSpPr/>
+          <p:nvPr/>
+        </p:nvSpPr>
+        <p:spPr>
+          <a:xfrm>
+            <a:off x="5928625" y="3943625"/>
+            <a:ext cx="1102500" cy="430200"/>
+          </a:xfrm>
+          <a:prstGeom prst="rect">
+            <a:avLst/>
+          </a:prstGeom>
+          <a:solidFill>
+            <a:schemeClr val="lt2"/>
+          </a:solidFill>
+          <a:ln w="9525" cap="flat" cmpd="sng">
+            <a:solidFill>
+              <a:schemeClr val="dk2"/>
+            </a:solidFill>
+            <a:prstDash val="solid"/>
+            <a:round/>
+            <a:headEnd type="none" w="sm" len="sm"/>
+            <a:tailEnd type="none" w="sm" len="sm"/>
+          </a:ln>
+        </p:spPr>
+        <p:txBody>
+          <a:bodyPr spcFirstLastPara="1" wrap="square" lIns="91425" tIns="91425" rIns="91425" bIns="91425" anchor="ctr" anchorCtr="0">
+            <a:noAutofit/>
+          </a:bodyPr>
+          <a:lstStyle/>
+          <a:p>
+            <a:pPr marL="0" lvl="0" indent="0" algn="ctr" rtl="0">
+              <a:spcBef>
+                <a:spcPts val="0"/>
+              </a:spcBef>
+              <a:spcAft>
+                <a:spcPts val="0"/>
+              </a:spcAft>
+              <a:buNone/>
+            </a:pPr>
+            <a:r>
+              <a:rPr lang="en" dirty="0"/>
+              <a:t>x86</a:t>
+            </a:r>
+            <a:endParaRPr dirty="0"/>
+          </a:p>
+        </p:txBody>
+      </p:sp>
+      <p:sp>
+        <p:nvSpPr>
+          <p:cNvPr id="63" name="Google Shape;63;p14"/>
+          <p:cNvSpPr/>
+          <p:nvPr/>
+        </p:nvSpPr>
+        <p:spPr>
+          <a:xfrm>
+            <a:off x="7362454" y="3940685"/>
+            <a:ext cx="1102500" cy="430200"/>
+          </a:xfrm>
+          <a:prstGeom prst="rect">
+            <a:avLst/>
+          </a:prstGeom>
+          <a:solidFill>
+            <a:schemeClr val="lt2"/>
+          </a:solidFill>
+          <a:ln w="9525" cap="flat" cmpd="sng">
+            <a:solidFill>
+              <a:schemeClr val="dk2"/>
+            </a:solidFill>
+            <a:prstDash val="solid"/>
+            <a:round/>
+            <a:headEnd type="none" w="sm" len="sm"/>
+            <a:tailEnd type="none" w="sm" len="sm"/>
+          </a:ln>
+        </p:spPr>
+        <p:txBody>
+          <a:bodyPr spcFirstLastPara="1" wrap="square" lIns="91425" tIns="91425" rIns="91425" bIns="91425" anchor="ctr" anchorCtr="0">
+            <a:noAutofit/>
+          </a:bodyPr>
+          <a:lstStyle/>
+          <a:p>
+            <a:pPr marL="0" lvl="0" indent="0" algn="ctr" rtl="0">
+              <a:spcBef>
+                <a:spcPts val="0"/>
+              </a:spcBef>
+              <a:spcAft>
+                <a:spcPts val="0"/>
+              </a:spcAft>
+              <a:buNone/>
+            </a:pPr>
+            <a:r>
+              <a:rPr lang="en"/>
+              <a:t>x86</a:t>
+            </a:r>
+            <a:endParaRPr/>
+          </a:p>
+        </p:txBody>
+      </p:sp>
+      <p:sp>
+        <p:nvSpPr>
+          <p:cNvPr id="64" name="Google Shape;64;p14"/>
+          <p:cNvSpPr/>
+          <p:nvPr/>
+        </p:nvSpPr>
+        <p:spPr>
+          <a:xfrm>
+            <a:off x="5963264" y="2176600"/>
+            <a:ext cx="1102500" cy="430200"/>
+          </a:xfrm>
+          <a:prstGeom prst="rect">
+            <a:avLst/>
+          </a:prstGeom>
+          <a:solidFill>
+            <a:schemeClr val="lt2"/>
+          </a:solidFill>
+          <a:ln w="9525" cap="flat" cmpd="sng">
+            <a:solidFill>
+              <a:schemeClr val="dk2"/>
+            </a:solidFill>
+            <a:prstDash val="solid"/>
+            <a:round/>
+            <a:headEnd type="none" w="sm" len="sm"/>
+            <a:tailEnd type="none" w="sm" len="sm"/>
+          </a:ln>
+        </p:spPr>
+        <p:txBody>
+          <a:bodyPr spcFirstLastPara="1" wrap="square" lIns="91425" tIns="91425" rIns="91425" bIns="91425" anchor="ctr" anchorCtr="0">
+            <a:noAutofit/>
+          </a:bodyPr>
+          <a:lstStyle/>
+          <a:p>
+            <a:pPr marL="0" lvl="0" indent="0" algn="ctr" rtl="0">
+              <a:spcBef>
+                <a:spcPts val="0"/>
+              </a:spcBef>
+              <a:spcAft>
+                <a:spcPts val="0"/>
+              </a:spcAft>
+              <a:buNone/>
+            </a:pPr>
+            <a:r>
+              <a:rPr lang="en"/>
+              <a:t>ARM</a:t>
+            </a:r>
+            <a:endParaRPr/>
+          </a:p>
+        </p:txBody>
+      </p:sp>
+      <p:sp>
+        <p:nvSpPr>
+          <p:cNvPr id="65" name="Google Shape;65;p14"/>
+          <p:cNvSpPr/>
+          <p:nvPr/>
+        </p:nvSpPr>
+        <p:spPr>
+          <a:xfrm>
+            <a:off x="7341421" y="2176600"/>
+            <a:ext cx="1102500" cy="430200"/>
+          </a:xfrm>
+          <a:prstGeom prst="rect">
+            <a:avLst/>
+          </a:prstGeom>
+          <a:solidFill>
+            <a:schemeClr val="lt2"/>
+          </a:solidFill>
+          <a:ln w="9525" cap="flat" cmpd="sng">
+            <a:solidFill>
+              <a:schemeClr val="dk2"/>
+            </a:solidFill>
+            <a:prstDash val="solid"/>
+            <a:round/>
+            <a:headEnd type="none" w="sm" len="sm"/>
+            <a:tailEnd type="none" w="sm" len="sm"/>
+          </a:ln>
+        </p:spPr>
+        <p:txBody>
+          <a:bodyPr spcFirstLastPara="1" wrap="square" lIns="91425" tIns="91425" rIns="91425" bIns="91425" anchor="ctr" anchorCtr="0">
+            <a:noAutofit/>
+          </a:bodyPr>
+          <a:lstStyle/>
+          <a:p>
+            <a:pPr marL="0" lvl="0" indent="0" algn="ctr" rtl="0">
+              <a:spcBef>
+                <a:spcPts val="0"/>
+              </a:spcBef>
+              <a:spcAft>
+                <a:spcPts val="0"/>
+              </a:spcAft>
+              <a:buNone/>
+            </a:pPr>
+            <a:r>
+              <a:rPr lang="en"/>
+              <a:t>MIPS</a:t>
+            </a:r>
+            <a:endParaRPr/>
+          </a:p>
+        </p:txBody>
+      </p:sp>
+      <p:sp>
+        <p:nvSpPr>
+          <p:cNvPr id="66" name="Google Shape;66;p14"/>
+          <p:cNvSpPr txBox="1"/>
+          <p:nvPr/>
+        </p:nvSpPr>
+        <p:spPr>
+          <a:xfrm>
+            <a:off x="6304125" y="1748600"/>
+            <a:ext cx="1766100" cy="400200"/>
+          </a:xfrm>
+          <a:prstGeom prst="rect">
+            <a:avLst/>
+          </a:prstGeom>
+          <a:noFill/>
+          <a:ln>
+            <a:noFill/>
+          </a:ln>
+        </p:spPr>
+        <p:txBody>
+          <a:bodyPr spcFirstLastPara="1" wrap="square" lIns="91425" tIns="91425" rIns="91425" bIns="91425" anchor="t" anchorCtr="0">
+            <a:spAutoFit/>
+          </a:bodyPr>
+          <a:lstStyle/>
+          <a:p>
+            <a:pPr marL="0" lvl="0" indent="0" algn="ctr" rtl="0">
+              <a:spcBef>
+                <a:spcPts val="0"/>
+              </a:spcBef>
+              <a:spcAft>
+                <a:spcPts val="0"/>
+              </a:spcAft>
+              <a:buNone/>
+            </a:pPr>
+            <a:r>
+              <a:rPr lang="en"/>
+              <a:t>RISC Examples</a:t>
+            </a:r>
+            <a:endParaRPr/>
+          </a:p>
+        </p:txBody>
+      </p:sp>
+      <p:sp>
+        <p:nvSpPr>
+          <p:cNvPr id="67" name="Google Shape;67;p14"/>
+          <p:cNvSpPr/>
+          <p:nvPr/>
+        </p:nvSpPr>
+        <p:spPr>
+          <a:xfrm>
+            <a:off x="5821075" y="3607400"/>
+            <a:ext cx="1317600" cy="857700"/>
+          </a:xfrm>
+          <a:prstGeom prst="roundRect">
+            <a:avLst>
+              <a:gd name="adj" fmla="val 16667"/>
+            </a:avLst>
+          </a:prstGeom>
+          <a:noFill/>
+          <a:ln w="9525" cap="flat" cmpd="sng">
+            <a:solidFill>
+              <a:schemeClr val="dk2"/>
+            </a:solidFill>
+            <a:prstDash val="solid"/>
+            <a:round/>
+            <a:headEnd type="none" w="sm" len="sm"/>
+            <a:tailEnd type="none" w="sm" len="sm"/>
+          </a:ln>
+        </p:spPr>
+        <p:txBody>
+          <a:bodyPr spcFirstLastPara="1" wrap="square" lIns="91425" tIns="91425" rIns="91425" bIns="91425" anchor="t" anchorCtr="0">
+            <a:noAutofit/>
+          </a:bodyPr>
+          <a:lstStyle/>
+          <a:p>
+            <a:pPr marL="0" lvl="0" indent="0" algn="ctr" rtl="0">
+              <a:spcBef>
+                <a:spcPts val="0"/>
+              </a:spcBef>
+              <a:spcAft>
+                <a:spcPts val="0"/>
+              </a:spcAft>
+              <a:buNone/>
+            </a:pPr>
+            <a:r>
+              <a:rPr lang="en" sz="1200" dirty="0"/>
+              <a:t>AMD</a:t>
+            </a:r>
+            <a:endParaRPr sz="1000" dirty="0"/>
+          </a:p>
+        </p:txBody>
+      </p:sp>
+      <p:sp>
+        <p:nvSpPr>
+          <p:cNvPr id="68" name="Google Shape;68;p14"/>
+          <p:cNvSpPr txBox="1"/>
+          <p:nvPr/>
+        </p:nvSpPr>
+        <p:spPr>
+          <a:xfrm>
+            <a:off x="5429975" y="529960"/>
+            <a:ext cx="3610200" cy="1046700"/>
+          </a:xfrm>
+          <a:prstGeom prst="rect">
+            <a:avLst/>
+          </a:prstGeom>
+          <a:noFill/>
+          <a:ln>
+            <a:noFill/>
+          </a:ln>
+        </p:spPr>
+        <p:txBody>
+          <a:bodyPr spcFirstLastPara="1" wrap="square" lIns="91425" tIns="91425" rIns="91425" bIns="91425" anchor="t" anchorCtr="0">
+            <a:spAutoFit/>
+          </a:bodyPr>
+          <a:lstStyle/>
+          <a:p>
+            <a:pPr marL="0" lvl="0" indent="0" algn="l" rtl="0">
+              <a:spcBef>
+                <a:spcPts val="0"/>
+              </a:spcBef>
+              <a:spcAft>
+                <a:spcPts val="0"/>
+              </a:spcAft>
+              <a:buNone/>
+            </a:pPr>
+            <a:r>
+              <a:rPr lang="en"/>
+              <a:t>endiance: the order of bytes within a word</a:t>
+            </a:r>
+            <a:endParaRPr/>
+          </a:p>
+          <a:p>
+            <a:pPr marL="457200" lvl="0" indent="-317500" algn="l" rtl="0">
+              <a:spcBef>
+                <a:spcPts val="0"/>
+              </a:spcBef>
+              <a:spcAft>
+                <a:spcPts val="0"/>
+              </a:spcAft>
+              <a:buSzPts val="1400"/>
+              <a:buChar char="●"/>
+            </a:pPr>
+            <a:r>
+              <a:rPr lang="en"/>
+              <a:t>big:      1,2,3,4        (yy/mm/dd)</a:t>
+            </a:r>
+            <a:endParaRPr/>
+          </a:p>
+          <a:p>
+            <a:pPr marL="457200" lvl="0" indent="-317500" algn="l" rtl="0">
+              <a:spcBef>
+                <a:spcPts val="0"/>
+              </a:spcBef>
+              <a:spcAft>
+                <a:spcPts val="0"/>
+              </a:spcAft>
+              <a:buSzPts val="1400"/>
+              <a:buChar char="●"/>
+            </a:pPr>
+            <a:r>
+              <a:rPr lang="en"/>
+              <a:t>little:     4,3,2,1       (dd/mm/yy)</a:t>
+            </a:r>
+            <a:endParaRPr/>
+          </a:p>
+          <a:p>
+            <a:pPr marL="457200" lvl="0" indent="-317500" algn="l" rtl="0">
+              <a:spcBef>
+                <a:spcPts val="0"/>
+              </a:spcBef>
+              <a:spcAft>
+                <a:spcPts val="0"/>
+              </a:spcAft>
+              <a:buSzPts val="1400"/>
+              <a:buChar char="●"/>
+            </a:pPr>
+            <a:r>
+              <a:rPr lang="en"/>
+              <a:t>middle: 3,4,1,2       (mm/dd/yy)</a:t>
+            </a:r>
+            <a:endParaRPr/>
+          </a:p>
+        </p:txBody>
+      </p:sp>
+      <p:sp>
+        <p:nvSpPr>
+          <p:cNvPr id="69" name="Google Shape;69;p14"/>
+          <p:cNvSpPr/>
+          <p:nvPr/>
+        </p:nvSpPr>
+        <p:spPr>
+          <a:xfrm>
+            <a:off x="7268875" y="3607400"/>
+            <a:ext cx="1317600" cy="857700"/>
+          </a:xfrm>
+          <a:prstGeom prst="roundRect">
+            <a:avLst>
+              <a:gd name="adj" fmla="val 16667"/>
+            </a:avLst>
+          </a:prstGeom>
+          <a:noFill/>
+          <a:ln w="9525" cap="flat" cmpd="sng">
+            <a:solidFill>
+              <a:schemeClr val="dk2"/>
+            </a:solidFill>
+            <a:prstDash val="solid"/>
+            <a:round/>
+            <a:headEnd type="none" w="sm" len="sm"/>
+            <a:tailEnd type="none" w="sm" len="sm"/>
+          </a:ln>
+        </p:spPr>
+        <p:txBody>
+          <a:bodyPr spcFirstLastPara="1" wrap="square" lIns="91425" tIns="91425" rIns="91425" bIns="91425" anchor="t" anchorCtr="0">
+            <a:noAutofit/>
+          </a:bodyPr>
+          <a:lstStyle/>
+          <a:p>
+            <a:pPr marL="0" lvl="0" indent="0" algn="ctr" rtl="0">
+              <a:spcBef>
+                <a:spcPts val="0"/>
+              </a:spcBef>
+              <a:spcAft>
+                <a:spcPts val="0"/>
+              </a:spcAft>
+              <a:buNone/>
+            </a:pPr>
+            <a:r>
+              <a:rPr lang="en" sz="1200"/>
+              <a:t>INTEL</a:t>
+            </a:r>
+            <a:endParaRPr sz="1000"/>
+          </a:p>
+        </p:txBody>
+      </p:sp>
+      <p:sp>
+        <p:nvSpPr>
+          <p:cNvPr id="70" name="Google Shape;70;p14"/>
+          <p:cNvSpPr txBox="1"/>
+          <p:nvPr/>
+        </p:nvSpPr>
+        <p:spPr>
+          <a:xfrm>
+            <a:off x="6094025" y="3191125"/>
+            <a:ext cx="2415600" cy="400200"/>
+          </a:xfrm>
+          <a:prstGeom prst="rect">
+            <a:avLst/>
+          </a:prstGeom>
+          <a:noFill/>
+          <a:ln>
+            <a:noFill/>
+          </a:ln>
+        </p:spPr>
+        <p:txBody>
+          <a:bodyPr spcFirstLastPara="1" wrap="square" lIns="91425" tIns="91425" rIns="91425" bIns="91425" anchor="t" anchorCtr="0">
+            <a:spAutoFit/>
+          </a:bodyPr>
+          <a:lstStyle/>
+          <a:p>
+            <a:pPr marL="0" lvl="0" indent="0" algn="ctr" rtl="0">
+              <a:spcBef>
+                <a:spcPts val="0"/>
+              </a:spcBef>
+              <a:spcAft>
+                <a:spcPts val="0"/>
+              </a:spcAft>
+              <a:buNone/>
+            </a:pPr>
+            <a:r>
+              <a:rPr lang="en"/>
+              <a:t>CISC Examples</a:t>
+            </a:r>
+            <a:endParaRPr/>
+          </a:p>
+        </p:txBody>
+      </p:sp>
+      <p:cxnSp>
+        <p:nvCxnSpPr>
+          <p:cNvPr id="71" name="Google Shape;71;p14"/>
+          <p:cNvCxnSpPr/>
+          <p:nvPr/>
+        </p:nvCxnSpPr>
+        <p:spPr>
+          <a:xfrm rot="-5400000">
+            <a:off x="4387650" y="1122825"/>
+            <a:ext cx="1484400" cy="896100"/>
+          </a:xfrm>
+          <a:prstGeom prst="curvedConnector3">
+            <a:avLst>
+              <a:gd name="adj1" fmla="val 50000"/>
+            </a:avLst>
+          </a:prstGeom>
+          <a:noFill/>
+          <a:ln w="9525" cap="flat" cmpd="sng">
+            <a:solidFill>
+              <a:schemeClr val="dk2"/>
+            </a:solidFill>
+            <a:prstDash val="solid"/>
+            <a:round/>
+            <a:headEnd type="none" w="med" len="med"/>
+            <a:tailEnd type="triangle" w="med" len="med"/>
+          </a:ln>
+        </p:spPr>
+      </p:cxnSp>
+      <p:sp>
+        <p:nvSpPr>
+          <p:cNvPr id="72" name="Google Shape;72;p14"/>
+          <p:cNvSpPr txBox="1"/>
+          <p:nvPr/>
+        </p:nvSpPr>
+        <p:spPr>
+          <a:xfrm>
+            <a:off x="-20850" y="4713150"/>
+            <a:ext cx="8362200" cy="400200"/>
+          </a:xfrm>
+          <a:prstGeom prst="rect">
+            <a:avLst/>
+          </a:prstGeom>
+          <a:noFill/>
+          <a:ln>
+            <a:noFill/>
+          </a:ln>
+        </p:spPr>
+        <p:txBody>
+          <a:bodyPr spcFirstLastPara="1" wrap="square" lIns="91425" tIns="91425" rIns="91425" bIns="91425" anchor="t" anchorCtr="0">
+            <a:spAutoFit/>
+          </a:bodyPr>
+          <a:lstStyle/>
+          <a:p>
+            <a:pPr marL="0" lvl="0" indent="0" algn="l" rtl="0">
+              <a:spcBef>
+                <a:spcPts val="0"/>
+              </a:spcBef>
+              <a:spcAft>
+                <a:spcPts val="0"/>
+              </a:spcAft>
+              <a:buNone/>
+            </a:pPr>
+            <a:r>
+              <a:rPr lang="en"/>
+              <a:t>Easy Read: </a:t>
+            </a:r>
+            <a:r>
+              <a:rPr lang="en" sz="1350" u="sng">
+                <a:solidFill>
+                  <a:schemeClr val="hlink"/>
+                </a:solidFill>
+                <a:hlinkClick r:id="rId3"/>
+              </a:rPr>
+              <a:t>https://medium.com/swlh/what-does-risc-and-cisc-mean-in-2020-7b4d42c9a9de</a:t>
+            </a:r>
+            <a:endParaRPr/>
+          </a:p>
+        </p:txBody>
+      </p:sp>
+    </p:spTree>
+    <p:extLst>
+      <p:ext uri="{BB962C8B-B14F-4D97-AF65-F5344CB8AC3E}">
+        <p14:creationId xmlns:p14="http://schemas.microsoft.com/office/powerpoint/2010/main" val="1001834212"/>
+      </p:ext>
+    </p:extLst>
+  </p:cSld>
+  <p:clrMapOvr>
+    <a:masterClrMapping/>
+  </p:clrMapOvr>
+</p:sld>
+</file>
+
+<file path=ppt/slides/slide8.xml><?xml version="1.0" encoding="utf-8"?>
+<p:sld xmlns:a="http://schemas.openxmlformats.org/drawingml/2006/main" xmlns:r="http://schemas.openxmlformats.org/officeDocument/2006/relationships" xmlns:p="http://schemas.openxmlformats.org/presentationml/2006/main">
+  <p:cSld>
+    <p:spTree>
+      <p:nvGrpSpPr>
         <p:cNvPr id="1" name="Shape 153"/>
         <p:cNvGrpSpPr/>
         <p:nvPr/>
@@ -16792,12 +18121,12 @@
 </p:sld>
 </file>
 
-<file path=ppt/slides/slide8.xml><?xml version="1.0" encoding="utf-8"?>
+<file path=ppt/slides/slide9.xml><?xml version="1.0" encoding="utf-8"?>
 <p:sld xmlns:a="http://schemas.openxmlformats.org/drawingml/2006/main" xmlns:r="http://schemas.openxmlformats.org/officeDocument/2006/relationships" xmlns:p="http://schemas.openxmlformats.org/presentationml/2006/main">
   <p:cSld>
     <p:spTree>
       <p:nvGrpSpPr>
-        <p:cNvPr id="1" name="Shape 180"/>
+        <p:cNvPr id="1" name="Shape 53"/>
         <p:cNvGrpSpPr/>
         <p:nvPr/>
       </p:nvGrpSpPr>
@@ -16811,7 +18140,7 @@
       </p:grpSpPr>
       <p:sp>
         <p:nvSpPr>
-          <p:cNvPr id="181" name="Google Shape;181;p20"/>
+          <p:cNvPr id="54" name="Google Shape;54;p13"/>
           <p:cNvSpPr txBox="1">
             <a:spLocks noGrp="1"/>
           </p:cNvSpPr>
@@ -16844,16 +18173,16 @@
               <a:buNone/>
             </a:pPr>
             <a:r>
-              <a:rPr lang="en"/>
-              <a:t>MIPS ISA Architecture: Registers</a:t>
-            </a:r>
-            <a:endParaRPr/>
+              <a:rPr lang="en" dirty="0"/>
+              <a:t>Category  of Instructions</a:t>
+            </a:r>
+            <a:endParaRPr dirty="0"/>
           </a:p>
         </p:txBody>
       </p:sp>
       <p:sp>
         <p:nvSpPr>
-          <p:cNvPr id="182" name="Google Shape;182;p20"/>
+          <p:cNvPr id="55" name="Google Shape;55;p13"/>
           <p:cNvSpPr txBox="1">
             <a:spLocks noGrp="1"/>
           </p:cNvSpPr>
@@ -16872,220 +18201,576 @@
         </p:spPr>
         <p:txBody>
           <a:bodyPr spcFirstLastPara="1" wrap="square" lIns="91425" tIns="91425" rIns="91425" bIns="91425" anchor="t" anchorCtr="0">
-            <a:normAutofit/>
+            <a:noAutofit/>
           </a:bodyPr>
           <a:lstStyle/>
           <a:p>
-            <a:pPr marL="457200" lvl="0" indent="-342900" algn="l" rtl="0">
-              <a:spcBef>
-                <a:spcPts val="0"/>
-              </a:spcBef>
-              <a:spcAft>
-                <a:spcPts val="0"/>
-              </a:spcAft>
-              <a:buSzPts val="1800"/>
+            <a:pPr marL="457200" lvl="0" indent="-312737" algn="l" rtl="0">
+              <a:lnSpc>
+                <a:spcPct val="95000"/>
+              </a:lnSpc>
+              <a:spcBef>
+                <a:spcPts val="0"/>
+              </a:spcBef>
+              <a:spcAft>
+                <a:spcPts val="0"/>
+              </a:spcAft>
+              <a:buSzPts val="1325"/>
               <a:buChar char="●"/>
             </a:pPr>
             <a:r>
-              <a:rPr lang="en"/>
-              <a:t>Data types: </a:t>
-            </a:r>
-            <a:endParaRPr/>
-          </a:p>
-          <a:p>
-            <a:pPr marL="914400" lvl="1" indent="-317500" algn="l" rtl="0">
-              <a:spcBef>
-                <a:spcPts val="0"/>
-              </a:spcBef>
-              <a:spcAft>
-                <a:spcPts val="0"/>
-              </a:spcAft>
-              <a:buSzPts val="1400"/>
+              <a:rPr lang="en" sz="1325"/>
+              <a:t>native instructions: </a:t>
+            </a:r>
+            <a:endParaRPr sz="1325"/>
+          </a:p>
+          <a:p>
+            <a:pPr marL="914400" lvl="1" indent="-296862" algn="l" rtl="0">
+              <a:lnSpc>
+                <a:spcPct val="95000"/>
+              </a:lnSpc>
+              <a:spcBef>
+                <a:spcPts val="0"/>
+              </a:spcBef>
+              <a:spcAft>
+                <a:spcPts val="0"/>
+              </a:spcAft>
+              <a:buSzPts val="1075"/>
               <a:buChar char="○"/>
             </a:pPr>
             <a:r>
-              <a:rPr lang="en"/>
-              <a:t>byte, half, word</a:t>
-            </a:r>
-            <a:endParaRPr/>
-          </a:p>
-          <a:p>
-            <a:pPr marL="914400" lvl="1" indent="-317500" algn="l" rtl="0">
-              <a:spcBef>
-                <a:spcPts val="0"/>
-              </a:spcBef>
-              <a:spcAft>
-                <a:spcPts val="0"/>
-              </a:spcAft>
-              <a:buSzPts val="1400"/>
+              <a:rPr lang="en" sz="1075"/>
+              <a:t>defined by the ISA, directly corresponds to a hardware operation </a:t>
+            </a:r>
+            <a:endParaRPr sz="1075"/>
+          </a:p>
+          <a:p>
+            <a:pPr marL="457200" lvl="0" indent="-312737" algn="l" rtl="0">
+              <a:lnSpc>
+                <a:spcPct val="95000"/>
+              </a:lnSpc>
+              <a:spcBef>
+                <a:spcPts val="0"/>
+              </a:spcBef>
+              <a:spcAft>
+                <a:spcPts val="0"/>
+              </a:spcAft>
+              <a:buSzPts val="1325"/>
+              <a:buChar char="●"/>
+            </a:pPr>
+            <a:r>
+              <a:rPr lang="en" sz="1325"/>
+              <a:t>idioms:</a:t>
+            </a:r>
+            <a:endParaRPr sz="1325"/>
+          </a:p>
+          <a:p>
+            <a:pPr marL="914400" lvl="1" indent="-296862" algn="l" rtl="0">
+              <a:lnSpc>
+                <a:spcPct val="95000"/>
+              </a:lnSpc>
+              <a:spcBef>
+                <a:spcPts val="0"/>
+              </a:spcBef>
+              <a:spcAft>
+                <a:spcPts val="0"/>
+              </a:spcAft>
+              <a:buSzPts val="1075"/>
               <a:buChar char="○"/>
             </a:pPr>
             <a:r>
-              <a:rPr lang="en"/>
-              <a:t>integer (signed/unsigned), binary32, binary64</a:t>
-            </a:r>
-            <a:endParaRPr/>
-          </a:p>
-          <a:p>
-            <a:pPr marL="457200" lvl="0" indent="-342900" algn="l" rtl="0">
-              <a:spcBef>
-                <a:spcPts val="0"/>
-              </a:spcBef>
-              <a:spcAft>
-                <a:spcPts val="0"/>
-              </a:spcAft>
-              <a:buSzPts val="1800"/>
+              <a:rPr lang="en" sz="1075"/>
+              <a:t>defined by the ISA, an alternate form of a hardware instruction</a:t>
+            </a:r>
+            <a:endParaRPr sz="1075"/>
+          </a:p>
+          <a:p>
+            <a:pPr marL="914400" lvl="1" indent="-296862" algn="l" rtl="0">
+              <a:lnSpc>
+                <a:spcPct val="95000"/>
+              </a:lnSpc>
+              <a:spcBef>
+                <a:spcPts val="0"/>
+              </a:spcBef>
+              <a:spcAft>
+                <a:spcPts val="0"/>
+              </a:spcAft>
+              <a:buSzPts val="1075"/>
+              <a:buFont typeface="Source Code Pro"/>
+              <a:buChar char="○"/>
+            </a:pPr>
+            <a:r>
+              <a:rPr lang="en" sz="1075">
+                <a:latin typeface="Source Code Pro"/>
+                <a:ea typeface="Source Code Pro"/>
+                <a:cs typeface="Source Code Pro"/>
+                <a:sym typeface="Source Code Pro"/>
+              </a:rPr>
+              <a:t>b label</a:t>
+            </a:r>
+            <a:endParaRPr sz="1075">
+              <a:latin typeface="Source Code Pro"/>
+              <a:ea typeface="Source Code Pro"/>
+              <a:cs typeface="Source Code Pro"/>
+              <a:sym typeface="Source Code Pro"/>
+            </a:endParaRPr>
+          </a:p>
+          <a:p>
+            <a:pPr marL="1371600" lvl="2" indent="-296862" algn="l" rtl="0">
+              <a:lnSpc>
+                <a:spcPct val="95000"/>
+              </a:lnSpc>
+              <a:spcBef>
+                <a:spcPts val="0"/>
+              </a:spcBef>
+              <a:spcAft>
+                <a:spcPts val="0"/>
+              </a:spcAft>
+              <a:buSzPts val="1075"/>
+              <a:buFont typeface="Source Code Pro"/>
+              <a:buChar char="■"/>
+            </a:pPr>
+            <a:r>
+              <a:rPr lang="en" sz="1075">
+                <a:latin typeface="Source Code Pro"/>
+                <a:ea typeface="Source Code Pro"/>
+                <a:cs typeface="Source Code Pro"/>
+                <a:sym typeface="Source Code Pro"/>
+              </a:rPr>
+              <a:t>beq $zero, $zero, label</a:t>
+            </a:r>
+            <a:endParaRPr sz="1075">
+              <a:latin typeface="Source Code Pro"/>
+              <a:ea typeface="Source Code Pro"/>
+              <a:cs typeface="Source Code Pro"/>
+              <a:sym typeface="Source Code Pro"/>
+            </a:endParaRPr>
+          </a:p>
+          <a:p>
+            <a:pPr marL="457200" lvl="0" indent="-312737" algn="l" rtl="0">
+              <a:lnSpc>
+                <a:spcPct val="95000"/>
+              </a:lnSpc>
+              <a:spcBef>
+                <a:spcPts val="0"/>
+              </a:spcBef>
+              <a:spcAft>
+                <a:spcPts val="0"/>
+              </a:spcAft>
+              <a:buSzPts val="1325"/>
               <a:buChar char="●"/>
             </a:pPr>
             <a:r>
-              <a:rPr lang="en"/>
-              <a:t>Registers: </a:t>
-            </a:r>
-            <a:endParaRPr/>
-          </a:p>
-          <a:p>
-            <a:pPr marL="914400" lvl="1" indent="-317500" algn="l" rtl="0">
-              <a:spcBef>
-                <a:spcPts val="0"/>
-              </a:spcBef>
-              <a:spcAft>
-                <a:spcPts val="0"/>
-              </a:spcAft>
-              <a:buSzPts val="1400"/>
+              <a:rPr lang="en" sz="1325"/>
+              <a:t>pseudo instructions:</a:t>
+            </a:r>
+            <a:endParaRPr sz="1325"/>
+          </a:p>
+          <a:p>
+            <a:pPr marL="914400" lvl="1" indent="-296862" algn="l" rtl="0">
+              <a:lnSpc>
+                <a:spcPct val="95000"/>
+              </a:lnSpc>
+              <a:spcBef>
+                <a:spcPts val="0"/>
+              </a:spcBef>
+              <a:spcAft>
+                <a:spcPts val="0"/>
+              </a:spcAft>
+              <a:buSzPts val="1075"/>
               <a:buChar char="○"/>
             </a:pPr>
             <a:r>
-              <a:rPr lang="en"/>
-              <a:t>32: 32-bit integer registers </a:t>
-            </a:r>
-            <a:endParaRPr/>
-          </a:p>
-          <a:p>
-            <a:pPr marL="914400" lvl="1" indent="-317500" algn="l" rtl="0">
-              <a:spcBef>
-                <a:spcPts val="0"/>
-              </a:spcBef>
-              <a:spcAft>
-                <a:spcPts val="0"/>
-              </a:spcAft>
-              <a:buSzPts val="1400"/>
+              <a:rPr lang="en" sz="1075"/>
+              <a:t>an alternate syntactic form of an instruction</a:t>
+            </a:r>
+            <a:endParaRPr sz="1075"/>
+          </a:p>
+          <a:p>
+            <a:pPr marL="914400" lvl="1" indent="-296862" algn="l" rtl="0">
+              <a:lnSpc>
+                <a:spcPct val="95000"/>
+              </a:lnSpc>
+              <a:spcBef>
+                <a:spcPts val="0"/>
+              </a:spcBef>
+              <a:spcAft>
+                <a:spcPts val="0"/>
+              </a:spcAft>
+              <a:buSzPts val="1075"/>
               <a:buChar char="○"/>
             </a:pPr>
             <a:r>
-              <a:rPr lang="en"/>
-              <a:t>32: 32-bit floating point registers</a:t>
-            </a:r>
-            <a:endParaRPr/>
-          </a:p>
-          <a:p>
-            <a:pPr marL="1371600" lvl="2" indent="-317500" algn="l" rtl="0">
-              <a:spcBef>
-                <a:spcPts val="0"/>
-              </a:spcBef>
-              <a:spcAft>
-                <a:spcPts val="0"/>
-              </a:spcAft>
-              <a:buSzPts val="1400"/>
+              <a:rPr lang="en" sz="1075"/>
+              <a:t>pseudo instruction is textual replaced with native instruction</a:t>
+            </a:r>
+            <a:endParaRPr sz="1075"/>
+          </a:p>
+          <a:p>
+            <a:pPr marL="914400" lvl="1" indent="-296862" algn="l" rtl="0">
+              <a:lnSpc>
+                <a:spcPct val="95000"/>
+              </a:lnSpc>
+              <a:spcBef>
+                <a:spcPts val="0"/>
+              </a:spcBef>
+              <a:spcAft>
+                <a:spcPts val="0"/>
+              </a:spcAft>
+              <a:buSzPts val="1075"/>
+              <a:buFont typeface="Source Code Pro"/>
+              <a:buChar char="○"/>
+            </a:pPr>
+            <a:r>
+              <a:rPr lang="en" sz="1075">
+                <a:latin typeface="Source Code Pro"/>
+                <a:ea typeface="Source Code Pro"/>
+                <a:cs typeface="Source Code Pro"/>
+                <a:sym typeface="Source Code Pro"/>
+              </a:rPr>
+              <a:t>lb $t1, label+offset</a:t>
+            </a:r>
+            <a:endParaRPr sz="1075">
+              <a:latin typeface="Source Code Pro"/>
+              <a:ea typeface="Source Code Pro"/>
+              <a:cs typeface="Source Code Pro"/>
+              <a:sym typeface="Source Code Pro"/>
+            </a:endParaRPr>
+          </a:p>
+          <a:p>
+            <a:pPr marL="1371600" lvl="2" indent="-296862" algn="l" rtl="0">
+              <a:lnSpc>
+                <a:spcPct val="95000"/>
+              </a:lnSpc>
+              <a:spcBef>
+                <a:spcPts val="0"/>
+              </a:spcBef>
+              <a:spcAft>
+                <a:spcPts val="0"/>
+              </a:spcAft>
+              <a:buSzPts val="1075"/>
+              <a:buFont typeface="Source Code Pro"/>
               <a:buChar char="■"/>
             </a:pPr>
             <a:r>
-              <a:rPr lang="en"/>
-              <a:t>binary32: $fp0 .. $fp31</a:t>
-            </a:r>
-            <a:endParaRPr/>
-          </a:p>
-          <a:p>
-            <a:pPr marL="1371600" lvl="2" indent="-317500" algn="l" rtl="0">
-              <a:spcBef>
-                <a:spcPts val="0"/>
-              </a:spcBef>
-              <a:spcAft>
-                <a:spcPts val="0"/>
-              </a:spcAft>
-              <a:buSzPts val="1400"/>
+              <a:rPr lang="en" sz="1075">
+                <a:latin typeface="Source Code Pro"/>
+                <a:ea typeface="Source Code Pro"/>
+                <a:cs typeface="Source Code Pro"/>
+                <a:sym typeface="Source Code Pro"/>
+              </a:rPr>
+              <a:t>lui $at, &amp;label</a:t>
+            </a:r>
+            <a:endParaRPr sz="1075">
+              <a:latin typeface="Source Code Pro"/>
+              <a:ea typeface="Source Code Pro"/>
+              <a:cs typeface="Source Code Pro"/>
+              <a:sym typeface="Source Code Pro"/>
+            </a:endParaRPr>
+          </a:p>
+          <a:p>
+            <a:pPr marL="1371600" lvl="2" indent="-296862" algn="l" rtl="0">
+              <a:lnSpc>
+                <a:spcPct val="95000"/>
+              </a:lnSpc>
+              <a:spcBef>
+                <a:spcPts val="0"/>
+              </a:spcBef>
+              <a:spcAft>
+                <a:spcPts val="0"/>
+              </a:spcAft>
+              <a:buSzPts val="1075"/>
+              <a:buFont typeface="Source Code Pro"/>
               <a:buChar char="■"/>
             </a:pPr>
             <a:r>
-              <a:rPr lang="en"/>
-              <a:t>binary64: {$fp0, $fp1} .. {$fp30, $fp31}</a:t>
-            </a:r>
-            <a:endParaRPr/>
-          </a:p>
-          <a:p>
-            <a:pPr marL="914400" lvl="1" indent="-317500" algn="l" rtl="0">
-              <a:spcBef>
-                <a:spcPts val="0"/>
-              </a:spcBef>
-              <a:spcAft>
-                <a:spcPts val="0"/>
-              </a:spcAft>
-              <a:buSzPts val="1400"/>
+              <a:rPr lang="en" sz="1075">
+                <a:latin typeface="Source Code Pro"/>
+                <a:ea typeface="Source Code Pro"/>
+                <a:cs typeface="Source Code Pro"/>
+                <a:sym typeface="Source Code Pro"/>
+              </a:rPr>
+              <a:t>lb $t1, offset($at)</a:t>
+            </a:r>
+            <a:endParaRPr sz="1075">
+              <a:latin typeface="Source Code Pro"/>
+              <a:ea typeface="Source Code Pro"/>
+              <a:cs typeface="Source Code Pro"/>
+              <a:sym typeface="Source Code Pro"/>
+            </a:endParaRPr>
+          </a:p>
+          <a:p>
+            <a:pPr marL="457200" lvl="0" indent="-312737" algn="l" rtl="0">
+              <a:lnSpc>
+                <a:spcPct val="95000"/>
+              </a:lnSpc>
+              <a:spcBef>
+                <a:spcPts val="0"/>
+              </a:spcBef>
+              <a:spcAft>
+                <a:spcPts val="0"/>
+              </a:spcAft>
+              <a:buSzPts val="1325"/>
+              <a:buChar char="●"/>
+            </a:pPr>
+            <a:r>
+              <a:rPr lang="en" sz="1325"/>
+              <a:t>macros:</a:t>
+            </a:r>
+            <a:endParaRPr sz="1325"/>
+          </a:p>
+          <a:p>
+            <a:pPr marL="914400" lvl="1" indent="-296862" algn="l" rtl="0">
+              <a:lnSpc>
+                <a:spcPct val="95000"/>
+              </a:lnSpc>
+              <a:spcBef>
+                <a:spcPts val="0"/>
+              </a:spcBef>
+              <a:spcAft>
+                <a:spcPts val="0"/>
+              </a:spcAft>
+              <a:buSzPts val="1075"/>
               <a:buChar char="○"/>
             </a:pPr>
             <a:r>
-              <a:rPr lang="en"/>
-              <a:t>3: system registers: pc, hi, lo</a:t>
-            </a:r>
-            <a:endParaRPr/>
-          </a:p>
-          <a:p>
-            <a:pPr marL="0" lvl="0" indent="0" algn="l" rtl="0">
-              <a:spcBef>
-                <a:spcPts val="1200"/>
-              </a:spcBef>
-              <a:spcAft>
-                <a:spcPts val="1200"/>
-              </a:spcAft>
-              <a:buNone/>
-            </a:pPr>
-            <a:endParaRPr/>
+              <a:rPr lang="en" sz="1075"/>
+              <a:t>user-defined pseudo instruction</a:t>
+            </a:r>
+            <a:endParaRPr sz="1075"/>
+          </a:p>
+          <a:p>
+            <a:pPr marL="1371600" lvl="2" indent="-296862" algn="l" rtl="0">
+              <a:lnSpc>
+                <a:spcPct val="95000"/>
+              </a:lnSpc>
+              <a:spcBef>
+                <a:spcPts val="0"/>
+              </a:spcBef>
+              <a:spcAft>
+                <a:spcPts val="0"/>
+              </a:spcAft>
+              <a:buSzPts val="1075"/>
+              <a:buFont typeface="Source Code Pro"/>
+              <a:buChar char="■"/>
+            </a:pPr>
+            <a:r>
+              <a:rPr lang="en" sz="1075">
+                <a:latin typeface="Source Code Pro"/>
+                <a:ea typeface="Source Code Pro"/>
+                <a:cs typeface="Source Code Pro"/>
+                <a:sym typeface="Source Code Pro"/>
+              </a:rPr>
+              <a:t>average $v0, $t2, $t3</a:t>
+            </a:r>
+            <a:endParaRPr sz="1075">
+              <a:latin typeface="Source Code Pro"/>
+              <a:ea typeface="Source Code Pro"/>
+              <a:cs typeface="Source Code Pro"/>
+              <a:sym typeface="Source Code Pro"/>
+            </a:endParaRPr>
+          </a:p>
+          <a:p>
+            <a:pPr marL="1371600" lvl="2" indent="-296862" algn="l" rtl="0">
+              <a:lnSpc>
+                <a:spcPct val="95000"/>
+              </a:lnSpc>
+              <a:spcBef>
+                <a:spcPts val="0"/>
+              </a:spcBef>
+              <a:spcAft>
+                <a:spcPts val="0"/>
+              </a:spcAft>
+              <a:buSzPts val="1075"/>
+              <a:buFont typeface="Source Code Pro"/>
+              <a:buChar char="■"/>
+            </a:pPr>
+            <a:r>
+              <a:rPr lang="en" sz="1075">
+                <a:latin typeface="Source Code Pro"/>
+                <a:ea typeface="Source Code Pro"/>
+                <a:cs typeface="Source Code Pro"/>
+                <a:sym typeface="Source Code Pro"/>
+              </a:rPr>
+              <a:t>average($v0, $t2, $t3)</a:t>
+            </a:r>
+            <a:endParaRPr sz="1075">
+              <a:latin typeface="Source Code Pro"/>
+              <a:ea typeface="Source Code Pro"/>
+              <a:cs typeface="Source Code Pro"/>
+              <a:sym typeface="Source Code Pro"/>
+            </a:endParaRPr>
+          </a:p>
+          <a:p>
+            <a:pPr marL="457200" lvl="0" indent="-312737" algn="l" rtl="0">
+              <a:lnSpc>
+                <a:spcPct val="95000"/>
+              </a:lnSpc>
+              <a:spcBef>
+                <a:spcPts val="0"/>
+              </a:spcBef>
+              <a:spcAft>
+                <a:spcPts val="0"/>
+              </a:spcAft>
+              <a:buSzPts val="1325"/>
+              <a:buChar char="●"/>
+            </a:pPr>
+            <a:r>
+              <a:rPr lang="en" sz="1325"/>
+              <a:t>subroutines</a:t>
+            </a:r>
+            <a:endParaRPr sz="1325"/>
+          </a:p>
+          <a:p>
+            <a:pPr marL="914400" lvl="1" indent="-296862" algn="l" rtl="0">
+              <a:lnSpc>
+                <a:spcPct val="95000"/>
+              </a:lnSpc>
+              <a:spcBef>
+                <a:spcPts val="0"/>
+              </a:spcBef>
+              <a:spcAft>
+                <a:spcPts val="0"/>
+              </a:spcAft>
+              <a:buSzPts val="1075"/>
+              <a:buChar char="○"/>
+            </a:pPr>
+            <a:r>
+              <a:rPr lang="en" sz="1075"/>
+              <a:t>user defined abstraction, resulting</a:t>
+            </a:r>
+            <a:endParaRPr sz="1075"/>
+          </a:p>
+          <a:p>
+            <a:pPr marL="1371600" lvl="2" indent="-296862" algn="l" rtl="0">
+              <a:lnSpc>
+                <a:spcPct val="95000"/>
+              </a:lnSpc>
+              <a:spcBef>
+                <a:spcPts val="0"/>
+              </a:spcBef>
+              <a:spcAft>
+                <a:spcPts val="0"/>
+              </a:spcAft>
+              <a:buSzPts val="1075"/>
+              <a:buChar char="■"/>
+            </a:pPr>
+            <a:r>
+              <a:rPr lang="en" sz="1075">
+                <a:latin typeface="Source Code Pro"/>
+                <a:ea typeface="Source Code Pro"/>
+                <a:cs typeface="Source Code Pro"/>
+                <a:sym typeface="Source Code Pro"/>
+              </a:rPr>
+              <a:t>jal subroutine</a:t>
+            </a:r>
+            <a:endParaRPr sz="1075">
+              <a:latin typeface="Source Code Pro"/>
+              <a:ea typeface="Source Code Pro"/>
+              <a:cs typeface="Source Code Pro"/>
+              <a:sym typeface="Source Code Pro"/>
+            </a:endParaRPr>
+          </a:p>
+          <a:p>
+            <a:pPr marL="1371600" lvl="2" indent="-296862" algn="l" rtl="0">
+              <a:lnSpc>
+                <a:spcPct val="95000"/>
+              </a:lnSpc>
+              <a:spcBef>
+                <a:spcPts val="0"/>
+              </a:spcBef>
+              <a:spcAft>
+                <a:spcPts val="0"/>
+              </a:spcAft>
+              <a:buSzPts val="1075"/>
+              <a:buChar char="■"/>
+            </a:pPr>
+            <a:r>
+              <a:rPr lang="en" sz="1075">
+                <a:latin typeface="Source Code Pro"/>
+                <a:ea typeface="Source Code Pro"/>
+                <a:cs typeface="Source Code Pro"/>
+                <a:sym typeface="Source Code Pro"/>
+              </a:rPr>
+              <a:t>nop</a:t>
+            </a:r>
+            <a:endParaRPr sz="1075">
+              <a:latin typeface="Source Code Pro"/>
+              <a:ea typeface="Source Code Pro"/>
+              <a:cs typeface="Source Code Pro"/>
+              <a:sym typeface="Source Code Pro"/>
+            </a:endParaRPr>
+          </a:p>
+          <a:p>
+            <a:pPr marL="914400" lvl="1" indent="-296862" algn="l" rtl="0">
+              <a:lnSpc>
+                <a:spcPct val="95000"/>
+              </a:lnSpc>
+              <a:spcBef>
+                <a:spcPts val="0"/>
+              </a:spcBef>
+              <a:spcAft>
+                <a:spcPts val="0"/>
+              </a:spcAft>
+              <a:buSzPts val="1075"/>
+              <a:buChar char="○"/>
+            </a:pPr>
+            <a:r>
+              <a:rPr lang="en" sz="1075"/>
+              <a:t>a change in control-flow</a:t>
+            </a:r>
+            <a:endParaRPr sz="1075"/>
+          </a:p>
+          <a:p>
+            <a:pPr marL="914400" lvl="1" indent="-296862" algn="l" rtl="0">
+              <a:lnSpc>
+                <a:spcPct val="95000"/>
+              </a:lnSpc>
+              <a:spcBef>
+                <a:spcPts val="0"/>
+              </a:spcBef>
+              <a:spcAft>
+                <a:spcPts val="0"/>
+              </a:spcAft>
+              <a:buSzPts val="1075"/>
+              <a:buChar char="○"/>
+            </a:pPr>
+            <a:r>
+              <a:rPr lang="en" sz="1075"/>
+              <a:t>a ownership of registers</a:t>
+            </a:r>
+            <a:endParaRPr sz="1075">
+              <a:latin typeface="Source Code Pro"/>
+              <a:ea typeface="Source Code Pro"/>
+              <a:cs typeface="Source Code Pro"/>
+              <a:sym typeface="Source Code Pro"/>
+            </a:endParaRPr>
           </a:p>
         </p:txBody>
       </p:sp>
-      <p:pic>
-        <p:nvPicPr>
-          <p:cNvPr id="183" name="Google Shape;183;p20"/>
-          <p:cNvPicPr preferRelativeResize="0"/>
+      <p:sp>
+        <p:nvSpPr>
+          <p:cNvPr id="56" name="Google Shape;56;p13"/>
+          <p:cNvSpPr txBox="1"/>
           <p:nvPr/>
-        </p:nvPicPr>
-        <p:blipFill rotWithShape="1">
-          <a:blip r:embed="rId3">
-            <a:alphaModFix/>
-          </a:blip>
-          <a:srcRect l="1489" t="4056" r="24797" b="4794"/>
-          <a:stretch/>
-        </p:blipFill>
+        </p:nvSpPr>
         <p:spPr>
           <a:xfrm>
-            <a:off x="5006925" y="2008325"/>
-            <a:ext cx="3515650" cy="2449900"/>
+            <a:off x="5950800" y="1702575"/>
+            <a:ext cx="2666400" cy="923400"/>
           </a:xfrm>
           <a:prstGeom prst="rect">
             <a:avLst/>
           </a:prstGeom>
           <a:noFill/>
-          <a:ln>
-            <a:noFill/>
-          </a:ln>
-        </p:spPr>
-      </p:pic>
-      <p:sp>
-        <p:nvSpPr>
-          <p:cNvPr id="184" name="Google Shape;184;p20"/>
-          <p:cNvSpPr txBox="1"/>
-          <p:nvPr/>
-        </p:nvSpPr>
-        <p:spPr>
-          <a:xfrm>
-            <a:off x="4948750" y="1608125"/>
-            <a:ext cx="3939600" cy="400200"/>
-          </a:xfrm>
-          <a:prstGeom prst="rect">
-            <a:avLst/>
-          </a:prstGeom>
-          <a:noFill/>
-          <a:ln>
-            <a:noFill/>
+          <a:ln w="9525" cap="flat" cmpd="sng">
+            <a:solidFill>
+              <a:srgbClr val="000000"/>
+            </a:solidFill>
+            <a:prstDash val="dash"/>
+            <a:round/>
+            <a:headEnd type="none" w="sm" len="sm"/>
+            <a:tailEnd type="none" w="sm" len="sm"/>
           </a:ln>
         </p:spPr>
         <p:txBody>
@@ -17101,65 +18786,46 @@
               <a:spcAft>
                 <a:spcPts val="0"/>
               </a:spcAft>
-              <a:buNone/>
-            </a:pPr>
-            <a:r>
-              <a:rPr lang="en"/>
-              <a:t>Integer Registers</a:t>
-            </a:r>
-            <a:endParaRPr/>
-          </a:p>
-        </p:txBody>
-      </p:sp>
-    </p:spTree>
-  </p:cSld>
-  <p:clrMapOvr>
-    <a:masterClrMapping/>
-  </p:clrMapOvr>
-</p:sld>
-</file>
-
-<file path=ppt/slides/slide9.xml><?xml version="1.0" encoding="utf-8"?>
-<p:sld xmlns:a="http://schemas.openxmlformats.org/drawingml/2006/main" xmlns:r="http://schemas.openxmlformats.org/officeDocument/2006/relationships" xmlns:p="http://schemas.openxmlformats.org/presentationml/2006/main">
-  <p:cSld>
-    <p:spTree>
-      <p:nvGrpSpPr>
-        <p:cNvPr id="1" name="Shape 188"/>
-        <p:cNvGrpSpPr/>
-        <p:nvPr/>
-      </p:nvGrpSpPr>
-      <p:grpSpPr>
-        <a:xfrm>
-          <a:off x="0" y="0"/>
-          <a:ext cx="0" cy="0"/>
-          <a:chOff x="0" y="0"/>
-          <a:chExt cx="0" cy="0"/>
-        </a:xfrm>
-      </p:grpSpPr>
-      <p:sp>
-        <p:nvSpPr>
-          <p:cNvPr id="189" name="Google Shape;189;p21"/>
-          <p:cNvSpPr txBox="1">
-            <a:spLocks noGrp="1"/>
-          </p:cNvSpPr>
-          <p:nvPr>
-            <p:ph type="title"/>
-          </p:nvPr>
-        </p:nvSpPr>
-        <p:spPr>
-          <a:xfrm>
-            <a:off x="311700" y="445025"/>
-            <a:ext cx="8520600" cy="572700"/>
-          </a:xfrm>
-          <a:prstGeom prst="rect">
-            <a:avLst/>
-          </a:prstGeom>
-        </p:spPr>
-        <p:txBody>
-          <a:bodyPr spcFirstLastPara="1" wrap="square" lIns="91425" tIns="91425" rIns="91425" bIns="91425" anchor="t" anchorCtr="0">
-            <a:normAutofit fontScale="90000"/>
-          </a:bodyPr>
-          <a:lstStyle/>
+              <a:buClr>
+                <a:schemeClr val="dk1"/>
+              </a:buClr>
+              <a:buSzPts val="1100"/>
+              <a:buFont typeface="Arial"/>
+              <a:buNone/>
+            </a:pPr>
+            <a:r>
+              <a:rPr lang="en" sz="1200">
+                <a:latin typeface="Source Code Pro"/>
+                <a:ea typeface="Source Code Pro"/>
+                <a:cs typeface="Source Code Pro"/>
+                <a:sym typeface="Source Code Pro"/>
+              </a:rPr>
+              <a:t>.macro average(%d, %s, %t)</a:t>
+            </a:r>
+            <a:br>
+              <a:rPr lang="en" sz="1200">
+                <a:latin typeface="Source Code Pro"/>
+                <a:ea typeface="Source Code Pro"/>
+                <a:cs typeface="Source Code Pro"/>
+                <a:sym typeface="Source Code Pro"/>
+              </a:rPr>
+            </a:br>
+            <a:r>
+              <a:rPr lang="en" sz="1200">
+                <a:latin typeface="Source Code Pro"/>
+                <a:ea typeface="Source Code Pro"/>
+                <a:cs typeface="Source Code Pro"/>
+                <a:sym typeface="Source Code Pro"/>
+              </a:rPr>
+              <a:t>    addu %d, %s, %t</a:t>
+            </a:r>
+            <a:endParaRPr sz="1200">
+              <a:latin typeface="Source Code Pro"/>
+              <a:ea typeface="Source Code Pro"/>
+              <a:cs typeface="Source Code Pro"/>
+              <a:sym typeface="Source Code Pro"/>
+            </a:endParaRPr>
+          </a:p>
           <a:p>
             <a:pPr marL="0" lvl="0" indent="0" algn="l" rtl="0">
               <a:spcBef>
@@ -17171,648 +18837,176 @@
               <a:buNone/>
             </a:pPr>
             <a:r>
-              <a:rPr lang="en"/>
-              <a:t>MIPS ISA (Architecture) Memory Layout</a:t>
-            </a:r>
-            <a:endParaRPr/>
+              <a:rPr lang="en" sz="1200">
+                <a:latin typeface="Source Code Pro"/>
+                <a:ea typeface="Source Code Pro"/>
+                <a:cs typeface="Source Code Pro"/>
+                <a:sym typeface="Source Code Pro"/>
+              </a:rPr>
+              <a:t>    srl %d, 2</a:t>
+            </a:r>
+            <a:endParaRPr sz="1200">
+              <a:latin typeface="Source Code Pro"/>
+              <a:ea typeface="Source Code Pro"/>
+              <a:cs typeface="Source Code Pro"/>
+              <a:sym typeface="Source Code Pro"/>
+            </a:endParaRPr>
+          </a:p>
+          <a:p>
+            <a:pPr marL="0" lvl="0" indent="0" algn="l" rtl="0">
+              <a:spcBef>
+                <a:spcPts val="0"/>
+              </a:spcBef>
+              <a:spcAft>
+                <a:spcPts val="0"/>
+              </a:spcAft>
+              <a:buNone/>
+            </a:pPr>
+            <a:r>
+              <a:rPr lang="en" sz="1200">
+                <a:latin typeface="Source Code Pro"/>
+                <a:ea typeface="Source Code Pro"/>
+                <a:cs typeface="Source Code Pro"/>
+                <a:sym typeface="Source Code Pro"/>
+              </a:rPr>
+              <a:t>.end_macro</a:t>
+            </a:r>
+            <a:endParaRPr sz="1200">
+              <a:latin typeface="Source Code Pro"/>
+              <a:ea typeface="Source Code Pro"/>
+              <a:cs typeface="Source Code Pro"/>
+              <a:sym typeface="Source Code Pro"/>
+            </a:endParaRPr>
           </a:p>
         </p:txBody>
       </p:sp>
       <p:sp>
         <p:nvSpPr>
-          <p:cNvPr id="190" name="Google Shape;190;p21"/>
-          <p:cNvSpPr txBox="1">
-            <a:spLocks noGrp="1"/>
-          </p:cNvSpPr>
-          <p:nvPr>
-            <p:ph type="body" idx="1"/>
-          </p:nvPr>
+          <p:cNvPr id="57" name="Google Shape;57;p13"/>
+          <p:cNvSpPr txBox="1"/>
+          <p:nvPr/>
         </p:nvSpPr>
         <p:spPr>
           <a:xfrm>
-            <a:off x="311700" y="1152475"/>
-            <a:ext cx="8520600" cy="3416400"/>
-          </a:xfrm>
-          <a:prstGeom prst="rect">
-            <a:avLst/>
-          </a:prstGeom>
-        </p:spPr>
-        <p:txBody>
-          <a:bodyPr spcFirstLastPara="1" wrap="square" lIns="91425" tIns="91425" rIns="91425" bIns="91425" anchor="t" anchorCtr="0">
-            <a:normAutofit/>
-          </a:bodyPr>
-          <a:lstStyle/>
-          <a:p>
-            <a:pPr marL="457200" lvl="0" indent="-342900" algn="l" rtl="0">
-              <a:spcBef>
-                <a:spcPts val="0"/>
-              </a:spcBef>
-              <a:spcAft>
-                <a:spcPts val="0"/>
-              </a:spcAft>
-              <a:buSzPts val="1800"/>
-              <a:buChar char="●"/>
-            </a:pPr>
-            <a:r>
-              <a:rPr lang="en"/>
-              <a:t>Memory:</a:t>
-            </a:r>
-            <a:endParaRPr/>
-          </a:p>
-          <a:p>
-            <a:pPr marL="914400" lvl="1" indent="-317500" algn="l" rtl="0">
-              <a:spcBef>
-                <a:spcPts val="0"/>
-              </a:spcBef>
-              <a:spcAft>
-                <a:spcPts val="0"/>
-              </a:spcAft>
-              <a:buSzPts val="1400"/>
-              <a:buChar char="○"/>
-            </a:pPr>
-            <a:r>
-              <a:rPr lang="en"/>
-              <a:t>memory layout</a:t>
-            </a:r>
-            <a:endParaRPr/>
-          </a:p>
-          <a:p>
-            <a:pPr marL="914400" lvl="1" indent="-317500" algn="l" rtl="0">
-              <a:spcBef>
-                <a:spcPts val="0"/>
-              </a:spcBef>
-              <a:spcAft>
-                <a:spcPts val="0"/>
-              </a:spcAft>
-              <a:buSzPts val="1400"/>
-              <a:buChar char="○"/>
-            </a:pPr>
-            <a:r>
-              <a:rPr lang="en"/>
-              <a:t>byte addressable</a:t>
-            </a:r>
-            <a:endParaRPr/>
-          </a:p>
-          <a:p>
-            <a:pPr marL="914400" lvl="1" indent="-317500" algn="l" rtl="0">
-              <a:spcBef>
-                <a:spcPts val="0"/>
-              </a:spcBef>
-              <a:spcAft>
-                <a:spcPts val="0"/>
-              </a:spcAft>
-              <a:buSzPts val="1400"/>
-              <a:buChar char="○"/>
-            </a:pPr>
-            <a:r>
-              <a:rPr lang="en"/>
-              <a:t>lowest address at bottom</a:t>
-            </a:r>
-            <a:endParaRPr/>
-          </a:p>
-          <a:p>
-            <a:pPr marL="914400" lvl="1" indent="-317500" algn="l" rtl="0">
-              <a:spcBef>
-                <a:spcPts val="0"/>
-              </a:spcBef>
-              <a:spcAft>
-                <a:spcPts val="0"/>
-              </a:spcAft>
-              <a:buSzPts val="1400"/>
-              <a:buChar char="○"/>
-            </a:pPr>
-            <a:r>
-              <a:rPr lang="en"/>
-              <a:t>32-bit words</a:t>
-            </a:r>
-            <a:endParaRPr/>
-          </a:p>
-          <a:p>
-            <a:pPr marL="914400" lvl="1" indent="-317500" algn="l" rtl="0">
-              <a:spcBef>
-                <a:spcPts val="0"/>
-              </a:spcBef>
-              <a:spcAft>
-                <a:spcPts val="0"/>
-              </a:spcAft>
-              <a:buSzPts val="1400"/>
-              <a:buChar char="○"/>
-            </a:pPr>
-            <a:r>
-              <a:rPr lang="en"/>
-              <a:t>little endian format</a:t>
-            </a:r>
-            <a:br>
-              <a:rPr lang="en"/>
-            </a:br>
-            <a:endParaRPr/>
-          </a:p>
-          <a:p>
-            <a:pPr marL="457200" lvl="0" indent="-342900" algn="l" rtl="0">
-              <a:spcBef>
-                <a:spcPts val="0"/>
-              </a:spcBef>
-              <a:spcAft>
-                <a:spcPts val="0"/>
-              </a:spcAft>
-              <a:buSzPts val="1800"/>
-              <a:buChar char="●"/>
-            </a:pPr>
-            <a:r>
-              <a:rPr lang="en"/>
-              <a:t>Little endian format</a:t>
-            </a:r>
-            <a:endParaRPr/>
-          </a:p>
-          <a:p>
-            <a:pPr marL="914400" lvl="1" indent="-317500" algn="l" rtl="0">
-              <a:spcBef>
-                <a:spcPts val="0"/>
-              </a:spcBef>
-              <a:spcAft>
-                <a:spcPts val="0"/>
-              </a:spcAft>
-              <a:buSzPts val="1400"/>
-              <a:buChar char="○"/>
-            </a:pPr>
-            <a:r>
-              <a:rPr lang="en"/>
-              <a:t>recall 32-bit registers (4 bytes)</a:t>
-            </a:r>
-            <a:endParaRPr/>
-          </a:p>
-          <a:p>
-            <a:pPr marL="914400" lvl="1" indent="-317500" algn="l" rtl="0">
-              <a:spcBef>
-                <a:spcPts val="0"/>
-              </a:spcBef>
-              <a:spcAft>
-                <a:spcPts val="0"/>
-              </a:spcAft>
-              <a:buSzPts val="1400"/>
-              <a:buChar char="○"/>
-            </a:pPr>
-            <a:r>
-              <a:rPr lang="en"/>
-              <a:t>fall to the left</a:t>
-            </a:r>
-            <a:endParaRPr/>
-          </a:p>
-          <a:p>
-            <a:pPr marL="0" lvl="0" indent="0" algn="l" rtl="0">
-              <a:spcBef>
-                <a:spcPts val="1200"/>
-              </a:spcBef>
-              <a:spcAft>
-                <a:spcPts val="1200"/>
-              </a:spcAft>
-              <a:buNone/>
-            </a:pPr>
-            <a:endParaRPr/>
-          </a:p>
-        </p:txBody>
-      </p:sp>
-      <p:pic>
-        <p:nvPicPr>
-          <p:cNvPr id="191" name="Google Shape;191;p21"/>
-          <p:cNvPicPr preferRelativeResize="0"/>
-          <p:nvPr/>
-        </p:nvPicPr>
-        <p:blipFill>
-          <a:blip r:embed="rId3">
-            <a:alphaModFix/>
-          </a:blip>
-          <a:stretch>
-            <a:fillRect/>
-          </a:stretch>
-        </p:blipFill>
-        <p:spPr>
-          <a:xfrm>
-            <a:off x="5204297" y="900038"/>
-            <a:ext cx="3744826" cy="3132425"/>
+            <a:off x="6255600" y="3531375"/>
+            <a:ext cx="2666400" cy="738900"/>
           </a:xfrm>
           <a:prstGeom prst="rect">
             <a:avLst/>
           </a:prstGeom>
           <a:noFill/>
-          <a:ln>
-            <a:noFill/>
-          </a:ln>
-        </p:spPr>
-      </p:pic>
-      <p:sp>
-        <p:nvSpPr>
-          <p:cNvPr id="192" name="Google Shape;192;p21"/>
-          <p:cNvSpPr/>
-          <p:nvPr/>
-        </p:nvSpPr>
-        <p:spPr>
-          <a:xfrm>
-            <a:off x="947650" y="4499600"/>
-            <a:ext cx="680100" cy="295200"/>
-          </a:xfrm>
-          <a:prstGeom prst="rect">
-            <a:avLst/>
-          </a:prstGeom>
-          <a:solidFill>
-            <a:schemeClr val="lt2"/>
-          </a:solidFill>
           <a:ln w="9525" cap="flat" cmpd="sng">
             <a:solidFill>
-              <a:schemeClr val="dk2"/>
+              <a:srgbClr val="000000"/>
             </a:solidFill>
-            <a:prstDash val="solid"/>
+            <a:prstDash val="dash"/>
             <a:round/>
             <a:headEnd type="none" w="sm" len="sm"/>
             <a:tailEnd type="none" w="sm" len="sm"/>
           </a:ln>
         </p:spPr>
         <p:txBody>
-          <a:bodyPr spcFirstLastPara="1" wrap="square" lIns="91425" tIns="91425" rIns="91425" bIns="91425" anchor="ctr" anchorCtr="0">
-            <a:noAutofit/>
+          <a:bodyPr spcFirstLastPara="1" wrap="square" lIns="91425" tIns="91425" rIns="91425" bIns="91425" anchor="t" anchorCtr="0">
+            <a:spAutoFit/>
           </a:bodyPr>
           <a:lstStyle/>
           <a:p>
-            <a:pPr marL="0" lvl="0" indent="0" algn="ctr" rtl="0">
-              <a:spcBef>
-                <a:spcPts val="0"/>
-              </a:spcBef>
-              <a:spcAft>
-                <a:spcPts val="0"/>
-              </a:spcAft>
-              <a:buNone/>
-            </a:pPr>
-            <a:r>
-              <a:rPr lang="en"/>
-              <a:t>4: DE</a:t>
-            </a:r>
-            <a:endParaRPr/>
-          </a:p>
-        </p:txBody>
-      </p:sp>
-      <p:sp>
-        <p:nvSpPr>
-          <p:cNvPr id="193" name="Google Shape;193;p21"/>
-          <p:cNvSpPr/>
-          <p:nvPr/>
-        </p:nvSpPr>
-        <p:spPr>
-          <a:xfrm>
-            <a:off x="1627750" y="4499600"/>
-            <a:ext cx="680100" cy="295200"/>
-          </a:xfrm>
-          <a:prstGeom prst="rect">
-            <a:avLst/>
-          </a:prstGeom>
-          <a:solidFill>
-            <a:schemeClr val="lt2"/>
-          </a:solidFill>
-          <a:ln w="9525" cap="flat" cmpd="sng">
-            <a:solidFill>
-              <a:schemeClr val="dk2"/>
-            </a:solidFill>
-            <a:prstDash val="solid"/>
-            <a:round/>
-            <a:headEnd type="none" w="sm" len="sm"/>
-            <a:tailEnd type="none" w="sm" len="sm"/>
-          </a:ln>
-        </p:spPr>
-        <p:txBody>
-          <a:bodyPr spcFirstLastPara="1" wrap="square" lIns="91425" tIns="91425" rIns="91425" bIns="91425" anchor="ctr" anchorCtr="0">
-            <a:noAutofit/>
-          </a:bodyPr>
-          <a:lstStyle/>
-          <a:p>
-            <a:pPr marL="0" lvl="0" indent="0" algn="ctr" rtl="0">
-              <a:spcBef>
-                <a:spcPts val="0"/>
-              </a:spcBef>
-              <a:spcAft>
-                <a:spcPts val="0"/>
-              </a:spcAft>
-              <a:buNone/>
-            </a:pPr>
-            <a:r>
-              <a:rPr lang="en"/>
-              <a:t>3: AD</a:t>
-            </a:r>
-            <a:endParaRPr/>
-          </a:p>
-        </p:txBody>
-      </p:sp>
-      <p:sp>
-        <p:nvSpPr>
-          <p:cNvPr id="194" name="Google Shape;194;p21"/>
-          <p:cNvSpPr/>
-          <p:nvPr/>
-        </p:nvSpPr>
-        <p:spPr>
-          <a:xfrm>
-            <a:off x="2307850" y="4499600"/>
-            <a:ext cx="680100" cy="295200"/>
-          </a:xfrm>
-          <a:prstGeom prst="rect">
-            <a:avLst/>
-          </a:prstGeom>
-          <a:solidFill>
-            <a:schemeClr val="lt2"/>
-          </a:solidFill>
-          <a:ln w="9525" cap="flat" cmpd="sng">
-            <a:solidFill>
-              <a:schemeClr val="dk2"/>
-            </a:solidFill>
-            <a:prstDash val="solid"/>
-            <a:round/>
-            <a:headEnd type="none" w="sm" len="sm"/>
-            <a:tailEnd type="none" w="sm" len="sm"/>
-          </a:ln>
-        </p:spPr>
-        <p:txBody>
-          <a:bodyPr spcFirstLastPara="1" wrap="square" lIns="91425" tIns="91425" rIns="91425" bIns="91425" anchor="ctr" anchorCtr="0">
-            <a:noAutofit/>
-          </a:bodyPr>
-          <a:lstStyle/>
-          <a:p>
-            <a:pPr marL="0" lvl="0" indent="0" algn="ctr" rtl="0">
-              <a:spcBef>
-                <a:spcPts val="0"/>
-              </a:spcBef>
-              <a:spcAft>
-                <a:spcPts val="0"/>
-              </a:spcAft>
-              <a:buNone/>
-            </a:pPr>
-            <a:r>
-              <a:rPr lang="en"/>
-              <a:t>2: BE</a:t>
-            </a:r>
-            <a:endParaRPr/>
-          </a:p>
-        </p:txBody>
-      </p:sp>
-      <p:sp>
-        <p:nvSpPr>
-          <p:cNvPr id="195" name="Google Shape;195;p21"/>
-          <p:cNvSpPr/>
-          <p:nvPr/>
-        </p:nvSpPr>
-        <p:spPr>
-          <a:xfrm>
-            <a:off x="2987950" y="4499600"/>
-            <a:ext cx="680100" cy="295200"/>
-          </a:xfrm>
-          <a:prstGeom prst="rect">
-            <a:avLst/>
-          </a:prstGeom>
-          <a:solidFill>
-            <a:schemeClr val="lt2"/>
-          </a:solidFill>
-          <a:ln w="9525" cap="flat" cmpd="sng">
-            <a:solidFill>
-              <a:schemeClr val="dk2"/>
-            </a:solidFill>
-            <a:prstDash val="solid"/>
-            <a:round/>
-            <a:headEnd type="none" w="sm" len="sm"/>
-            <a:tailEnd type="none" w="sm" len="sm"/>
-          </a:ln>
-        </p:spPr>
-        <p:txBody>
-          <a:bodyPr spcFirstLastPara="1" wrap="square" lIns="91425" tIns="91425" rIns="91425" bIns="91425" anchor="ctr" anchorCtr="0">
-            <a:noAutofit/>
-          </a:bodyPr>
-          <a:lstStyle/>
-          <a:p>
-            <a:pPr marL="0" lvl="0" indent="0" algn="ctr" rtl="0">
-              <a:spcBef>
-                <a:spcPts val="0"/>
-              </a:spcBef>
-              <a:spcAft>
-                <a:spcPts val="0"/>
-              </a:spcAft>
-              <a:buNone/>
-            </a:pPr>
-            <a:r>
-              <a:rPr lang="en"/>
-              <a:t>1: EF</a:t>
-            </a:r>
-            <a:endParaRPr/>
-          </a:p>
-        </p:txBody>
-      </p:sp>
-      <p:sp>
-        <p:nvSpPr>
-          <p:cNvPr id="196" name="Google Shape;196;p21"/>
-          <p:cNvSpPr/>
-          <p:nvPr/>
-        </p:nvSpPr>
-        <p:spPr>
-          <a:xfrm>
-            <a:off x="4231950" y="4128750"/>
-            <a:ext cx="680100" cy="295200"/>
-          </a:xfrm>
-          <a:prstGeom prst="rect">
-            <a:avLst/>
-          </a:prstGeom>
-          <a:solidFill>
-            <a:schemeClr val="lt2"/>
-          </a:solidFill>
-          <a:ln w="9525" cap="flat" cmpd="sng">
-            <a:solidFill>
-              <a:schemeClr val="dk2"/>
-            </a:solidFill>
-            <a:prstDash val="solid"/>
-            <a:round/>
-            <a:headEnd type="none" w="sm" len="sm"/>
-            <a:tailEnd type="none" w="sm" len="sm"/>
-          </a:ln>
-        </p:spPr>
-        <p:txBody>
-          <a:bodyPr spcFirstLastPara="1" wrap="square" lIns="91425" tIns="91425" rIns="91425" bIns="91425" anchor="ctr" anchorCtr="0">
-            <a:noAutofit/>
-          </a:bodyPr>
-          <a:lstStyle/>
-          <a:p>
-            <a:pPr marL="0" lvl="0" indent="0" algn="ctr" rtl="0">
-              <a:spcBef>
-                <a:spcPts val="0"/>
-              </a:spcBef>
-              <a:spcAft>
-                <a:spcPts val="0"/>
-              </a:spcAft>
-              <a:buNone/>
-            </a:pPr>
-            <a:r>
-              <a:rPr lang="en"/>
-              <a:t>1: EF</a:t>
-            </a:r>
-            <a:endParaRPr/>
-          </a:p>
-        </p:txBody>
-      </p:sp>
-      <p:sp>
-        <p:nvSpPr>
-          <p:cNvPr id="197" name="Google Shape;197;p21"/>
-          <p:cNvSpPr/>
-          <p:nvPr/>
-        </p:nvSpPr>
-        <p:spPr>
-          <a:xfrm>
-            <a:off x="4231950" y="3833550"/>
-            <a:ext cx="680100" cy="295200"/>
-          </a:xfrm>
-          <a:prstGeom prst="rect">
-            <a:avLst/>
-          </a:prstGeom>
-          <a:solidFill>
-            <a:schemeClr val="lt2"/>
-          </a:solidFill>
-          <a:ln w="9525" cap="flat" cmpd="sng">
-            <a:solidFill>
-              <a:schemeClr val="dk2"/>
-            </a:solidFill>
-            <a:prstDash val="solid"/>
-            <a:round/>
-            <a:headEnd type="none" w="sm" len="sm"/>
-            <a:tailEnd type="none" w="sm" len="sm"/>
-          </a:ln>
-        </p:spPr>
-        <p:txBody>
-          <a:bodyPr spcFirstLastPara="1" wrap="square" lIns="91425" tIns="91425" rIns="91425" bIns="91425" anchor="ctr" anchorCtr="0">
-            <a:noAutofit/>
-          </a:bodyPr>
-          <a:lstStyle/>
-          <a:p>
-            <a:pPr marL="0" lvl="0" indent="0" algn="ctr" rtl="0">
-              <a:spcBef>
-                <a:spcPts val="0"/>
-              </a:spcBef>
-              <a:spcAft>
-                <a:spcPts val="0"/>
-              </a:spcAft>
-              <a:buNone/>
-            </a:pPr>
-            <a:r>
-              <a:rPr lang="en"/>
-              <a:t>2: BE</a:t>
-            </a:r>
-            <a:endParaRPr/>
-          </a:p>
-        </p:txBody>
-      </p:sp>
-      <p:sp>
-        <p:nvSpPr>
-          <p:cNvPr id="198" name="Google Shape;198;p21"/>
-          <p:cNvSpPr/>
-          <p:nvPr/>
-        </p:nvSpPr>
-        <p:spPr>
-          <a:xfrm>
-            <a:off x="4231950" y="3538350"/>
-            <a:ext cx="680100" cy="295200"/>
-          </a:xfrm>
-          <a:prstGeom prst="rect">
-            <a:avLst/>
-          </a:prstGeom>
-          <a:solidFill>
-            <a:schemeClr val="lt2"/>
-          </a:solidFill>
-          <a:ln w="9525" cap="flat" cmpd="sng">
-            <a:solidFill>
-              <a:schemeClr val="dk2"/>
-            </a:solidFill>
-            <a:prstDash val="solid"/>
-            <a:round/>
-            <a:headEnd type="none" w="sm" len="sm"/>
-            <a:tailEnd type="none" w="sm" len="sm"/>
-          </a:ln>
-        </p:spPr>
-        <p:txBody>
-          <a:bodyPr spcFirstLastPara="1" wrap="square" lIns="91425" tIns="91425" rIns="91425" bIns="91425" anchor="ctr" anchorCtr="0">
-            <a:noAutofit/>
-          </a:bodyPr>
-          <a:lstStyle/>
-          <a:p>
-            <a:pPr marL="0" lvl="0" indent="0" algn="ctr" rtl="0">
-              <a:spcBef>
-                <a:spcPts val="0"/>
-              </a:spcBef>
-              <a:spcAft>
-                <a:spcPts val="0"/>
-              </a:spcAft>
-              <a:buNone/>
-            </a:pPr>
-            <a:r>
-              <a:rPr lang="en"/>
-              <a:t>3: AD</a:t>
-            </a:r>
-            <a:endParaRPr/>
-          </a:p>
-        </p:txBody>
-      </p:sp>
-      <p:sp>
-        <p:nvSpPr>
-          <p:cNvPr id="199" name="Google Shape;199;p21"/>
-          <p:cNvSpPr/>
-          <p:nvPr/>
-        </p:nvSpPr>
-        <p:spPr>
-          <a:xfrm>
-            <a:off x="4231950" y="3243150"/>
-            <a:ext cx="680100" cy="295200"/>
-          </a:xfrm>
-          <a:prstGeom prst="rect">
-            <a:avLst/>
-          </a:prstGeom>
-          <a:solidFill>
-            <a:schemeClr val="lt2"/>
-          </a:solidFill>
-          <a:ln w="9525" cap="flat" cmpd="sng">
-            <a:solidFill>
-              <a:schemeClr val="dk2"/>
-            </a:solidFill>
-            <a:prstDash val="solid"/>
-            <a:round/>
-            <a:headEnd type="none" w="sm" len="sm"/>
-            <a:tailEnd type="none" w="sm" len="sm"/>
-          </a:ln>
-        </p:spPr>
-        <p:txBody>
-          <a:bodyPr spcFirstLastPara="1" wrap="square" lIns="91425" tIns="91425" rIns="91425" bIns="91425" anchor="ctr" anchorCtr="0">
-            <a:noAutofit/>
-          </a:bodyPr>
-          <a:lstStyle/>
-          <a:p>
-            <a:pPr marL="0" lvl="0" indent="0" algn="ctr" rtl="0">
-              <a:spcBef>
-                <a:spcPts val="0"/>
-              </a:spcBef>
-              <a:spcAft>
-                <a:spcPts val="0"/>
-              </a:spcAft>
-              <a:buNone/>
-            </a:pPr>
-            <a:r>
-              <a:rPr lang="en"/>
-              <a:t>4: DE</a:t>
-            </a:r>
-            <a:endParaRPr/>
+            <a:pPr marL="914400" lvl="0" indent="457200" algn="l" rtl="0">
+              <a:spcBef>
+                <a:spcPts val="0"/>
+              </a:spcBef>
+              <a:spcAft>
+                <a:spcPts val="0"/>
+              </a:spcAft>
+              <a:buNone/>
+            </a:pPr>
+            <a:r>
+              <a:rPr lang="en" sz="1200">
+                <a:latin typeface="Source Code Pro"/>
+                <a:ea typeface="Source Code Pro"/>
+                <a:cs typeface="Source Code Pro"/>
+                <a:sym typeface="Source Code Pro"/>
+              </a:rPr>
+              <a:t>.text</a:t>
+            </a:r>
+            <a:endParaRPr sz="1200">
+              <a:latin typeface="Source Code Pro"/>
+              <a:ea typeface="Source Code Pro"/>
+              <a:cs typeface="Source Code Pro"/>
+              <a:sym typeface="Source Code Pro"/>
+            </a:endParaRPr>
+          </a:p>
+          <a:p>
+            <a:pPr marL="0" lvl="0" indent="0" algn="l" rtl="0">
+              <a:spcBef>
+                <a:spcPts val="0"/>
+              </a:spcBef>
+              <a:spcAft>
+                <a:spcPts val="0"/>
+              </a:spcAft>
+              <a:buNone/>
+            </a:pPr>
+            <a:r>
+              <a:rPr lang="en" sz="1200">
+                <a:latin typeface="Source Code Pro"/>
+                <a:ea typeface="Source Code Pro"/>
+                <a:cs typeface="Source Code Pro"/>
+                <a:sym typeface="Source Code Pro"/>
+              </a:rPr>
+              <a:t>subroutine:	nop</a:t>
+            </a:r>
+            <a:endParaRPr sz="1200">
+              <a:latin typeface="Source Code Pro"/>
+              <a:ea typeface="Source Code Pro"/>
+              <a:cs typeface="Source Code Pro"/>
+              <a:sym typeface="Source Code Pro"/>
+            </a:endParaRPr>
+          </a:p>
+          <a:p>
+            <a:pPr marL="914400" lvl="0" indent="457200" algn="l" rtl="0">
+              <a:spcBef>
+                <a:spcPts val="0"/>
+              </a:spcBef>
+              <a:spcAft>
+                <a:spcPts val="0"/>
+              </a:spcAft>
+              <a:buNone/>
+            </a:pPr>
+            <a:r>
+              <a:rPr lang="en" sz="1200">
+                <a:latin typeface="Source Code Pro"/>
+                <a:ea typeface="Source Code Pro"/>
+                <a:cs typeface="Source Code Pro"/>
+                <a:sym typeface="Source Code Pro"/>
+              </a:rPr>
+              <a:t>jr $ra</a:t>
+            </a:r>
+            <a:endParaRPr sz="1200">
+              <a:latin typeface="Source Code Pro"/>
+              <a:ea typeface="Source Code Pro"/>
+              <a:cs typeface="Source Code Pro"/>
+              <a:sym typeface="Source Code Pro"/>
+            </a:endParaRPr>
           </a:p>
         </p:txBody>
       </p:sp>
       <p:cxnSp>
         <p:nvCxnSpPr>
-          <p:cNvPr id="200" name="Google Shape;200;p21"/>
-          <p:cNvCxnSpPr/>
+          <p:cNvPr id="58" name="Google Shape;58;p13"/>
+          <p:cNvCxnSpPr>
+            <a:endCxn id="56" idx="1"/>
+          </p:cNvCxnSpPr>
           <p:nvPr/>
         </p:nvCxnSpPr>
         <p:spPr>
-          <a:xfrm>
-            <a:off x="4018375" y="4423950"/>
-            <a:ext cx="1127400" cy="0"/>
-          </a:xfrm>
-          <a:prstGeom prst="straightConnector1">
-            <a:avLst/>
+          <a:xfrm rot="10800000" flipH="1">
+            <a:off x="3498900" y="2164275"/>
+            <a:ext cx="2451900" cy="1380000"/>
+          </a:xfrm>
+          <a:prstGeom prst="curvedConnector3">
+            <a:avLst>
+              <a:gd name="adj1" fmla="val 50000"/>
+            </a:avLst>
           </a:prstGeom>
           <a:noFill/>
           <a:ln w="9525" cap="flat" cmpd="sng">
@@ -17822,24 +19016,54 @@
             <a:prstDash val="solid"/>
             <a:round/>
             <a:headEnd type="none" w="med" len="med"/>
-            <a:tailEnd type="none" w="med" len="med"/>
+            <a:tailEnd type="triangle" w="med" len="med"/>
           </a:ln>
         </p:spPr>
       </p:cxnSp>
       <p:cxnSp>
         <p:nvCxnSpPr>
-          <p:cNvPr id="201" name="Google Shape;201;p21"/>
+          <p:cNvPr id="59" name="Google Shape;59;p13"/>
           <p:cNvCxnSpPr>
-            <a:endCxn id="192" idx="0"/>
+            <a:endCxn id="57" idx="1"/>
           </p:cNvCxnSpPr>
           <p:nvPr/>
         </p:nvCxnSpPr>
         <p:spPr>
-          <a:xfrm flipH="1">
-            <a:off x="1287700" y="3390800"/>
-            <a:ext cx="2944200" cy="1108800"/>
-          </a:xfrm>
-          <a:prstGeom prst="straightConnector1">
+          <a:xfrm rot="10800000" flipH="1">
+            <a:off x="3171900" y="3900825"/>
+            <a:ext cx="3083700" cy="412500"/>
+          </a:xfrm>
+          <a:prstGeom prst="curvedConnector3">
+            <a:avLst>
+              <a:gd name="adj1" fmla="val 50000"/>
+            </a:avLst>
+          </a:prstGeom>
+          <a:noFill/>
+          <a:ln w="9525" cap="flat" cmpd="sng">
+            <a:solidFill>
+              <a:schemeClr val="dk2"/>
+            </a:solidFill>
+            <a:prstDash val="solid"/>
+            <a:round/>
+            <a:headEnd type="none" w="med" len="med"/>
+            <a:tailEnd type="triangle" w="med" len="med"/>
+          </a:ln>
+        </p:spPr>
+      </p:cxnSp>
+      <p:cxnSp>
+        <p:nvCxnSpPr>
+          <p:cNvPr id="60" name="Google Shape;60;p13"/>
+          <p:cNvCxnSpPr>
+            <a:stCxn id="57" idx="2"/>
+          </p:cNvCxnSpPr>
+          <p:nvPr/>
+        </p:nvCxnSpPr>
+        <p:spPr>
+          <a:xfrm rot="5400000">
+            <a:off x="4885050" y="1745025"/>
+            <a:ext cx="178500" cy="5229000"/>
+          </a:xfrm>
+          <a:prstGeom prst="curvedConnector2">
             <a:avLst/>
           </a:prstGeom>
           <a:noFill/>
@@ -17854,704 +19078,6 @@
           </a:ln>
         </p:spPr>
       </p:cxnSp>
-      <p:cxnSp>
-        <p:nvCxnSpPr>
-          <p:cNvPr id="202" name="Google Shape;202;p21"/>
-          <p:cNvCxnSpPr>
-            <a:endCxn id="193" idx="0"/>
-          </p:cNvCxnSpPr>
-          <p:nvPr/>
-        </p:nvCxnSpPr>
-        <p:spPr>
-          <a:xfrm flipH="1">
-            <a:off x="1967800" y="3686000"/>
-            <a:ext cx="2264100" cy="813600"/>
-          </a:xfrm>
-          <a:prstGeom prst="straightConnector1">
-            <a:avLst/>
-          </a:prstGeom>
-          <a:noFill/>
-          <a:ln w="9525" cap="flat" cmpd="sng">
-            <a:solidFill>
-              <a:schemeClr val="dk2"/>
-            </a:solidFill>
-            <a:prstDash val="solid"/>
-            <a:round/>
-            <a:headEnd type="none" w="med" len="med"/>
-            <a:tailEnd type="triangle" w="med" len="med"/>
-          </a:ln>
-        </p:spPr>
-      </p:cxnSp>
-      <p:cxnSp>
-        <p:nvCxnSpPr>
-          <p:cNvPr id="203" name="Google Shape;203;p21"/>
-          <p:cNvCxnSpPr>
-            <a:endCxn id="194" idx="0"/>
-          </p:cNvCxnSpPr>
-          <p:nvPr/>
-        </p:nvCxnSpPr>
-        <p:spPr>
-          <a:xfrm flipH="1">
-            <a:off x="2647900" y="3981200"/>
-            <a:ext cx="1584000" cy="518400"/>
-          </a:xfrm>
-          <a:prstGeom prst="straightConnector1">
-            <a:avLst/>
-          </a:prstGeom>
-          <a:noFill/>
-          <a:ln w="9525" cap="flat" cmpd="sng">
-            <a:solidFill>
-              <a:schemeClr val="dk2"/>
-            </a:solidFill>
-            <a:prstDash val="solid"/>
-            <a:round/>
-            <a:headEnd type="none" w="med" len="med"/>
-            <a:tailEnd type="triangle" w="med" len="med"/>
-          </a:ln>
-        </p:spPr>
-      </p:cxnSp>
-      <p:cxnSp>
-        <p:nvCxnSpPr>
-          <p:cNvPr id="204" name="Google Shape;204;p21"/>
-          <p:cNvCxnSpPr>
-            <a:stCxn id="196" idx="1"/>
-            <a:endCxn id="195" idx="0"/>
-          </p:cNvCxnSpPr>
-          <p:nvPr/>
-        </p:nvCxnSpPr>
-        <p:spPr>
-          <a:xfrm flipH="1">
-            <a:off x="3328050" y="4276350"/>
-            <a:ext cx="903900" cy="223200"/>
-          </a:xfrm>
-          <a:prstGeom prst="straightConnector1">
-            <a:avLst/>
-          </a:prstGeom>
-          <a:noFill/>
-          <a:ln w="9525" cap="flat" cmpd="sng">
-            <a:solidFill>
-              <a:schemeClr val="dk2"/>
-            </a:solidFill>
-            <a:prstDash val="solid"/>
-            <a:round/>
-            <a:headEnd type="none" w="med" len="med"/>
-            <a:tailEnd type="triangle" w="med" len="med"/>
-          </a:ln>
-        </p:spPr>
-      </p:cxnSp>
-      <p:cxnSp>
-        <p:nvCxnSpPr>
-          <p:cNvPr id="205" name="Google Shape;205;p21"/>
-          <p:cNvCxnSpPr/>
-          <p:nvPr/>
-        </p:nvCxnSpPr>
-        <p:spPr>
-          <a:xfrm rot="10800000" flipH="1">
-            <a:off x="2629125" y="1513375"/>
-            <a:ext cx="2604300" cy="171000"/>
-          </a:xfrm>
-          <a:prstGeom prst="straightConnector1">
-            <a:avLst/>
-          </a:prstGeom>
-          <a:noFill/>
-          <a:ln w="9525" cap="flat" cmpd="sng">
-            <a:solidFill>
-              <a:schemeClr val="dk2"/>
-            </a:solidFill>
-            <a:prstDash val="solid"/>
-            <a:round/>
-            <a:headEnd type="none" w="med" len="med"/>
-            <a:tailEnd type="stealth" w="med" len="med"/>
-          </a:ln>
-        </p:spPr>
-      </p:cxnSp>
-      <p:sp>
-        <p:nvSpPr>
-          <p:cNvPr id="206" name="Google Shape;206;p21"/>
-          <p:cNvSpPr/>
-          <p:nvPr/>
-        </p:nvSpPr>
-        <p:spPr>
-          <a:xfrm>
-            <a:off x="5561650" y="4499600"/>
-            <a:ext cx="680100" cy="295200"/>
-          </a:xfrm>
-          <a:prstGeom prst="rect">
-            <a:avLst/>
-          </a:prstGeom>
-          <a:solidFill>
-            <a:schemeClr val="lt2"/>
-          </a:solidFill>
-          <a:ln w="9525" cap="flat" cmpd="sng">
-            <a:solidFill>
-              <a:schemeClr val="dk2"/>
-            </a:solidFill>
-            <a:prstDash val="solid"/>
-            <a:round/>
-            <a:headEnd type="none" w="sm" len="sm"/>
-            <a:tailEnd type="none" w="sm" len="sm"/>
-          </a:ln>
-        </p:spPr>
-        <p:txBody>
-          <a:bodyPr spcFirstLastPara="1" wrap="square" lIns="91425" tIns="91425" rIns="91425" bIns="91425" anchor="ctr" anchorCtr="0">
-            <a:noAutofit/>
-          </a:bodyPr>
-          <a:lstStyle/>
-          <a:p>
-            <a:pPr marL="0" lvl="0" indent="0" algn="ctr" rtl="0">
-              <a:spcBef>
-                <a:spcPts val="0"/>
-              </a:spcBef>
-              <a:spcAft>
-                <a:spcPts val="0"/>
-              </a:spcAft>
-              <a:buNone/>
-            </a:pPr>
-            <a:r>
-              <a:rPr lang="en"/>
-              <a:t>1: EF</a:t>
-            </a:r>
-            <a:endParaRPr/>
-          </a:p>
-        </p:txBody>
-      </p:sp>
-      <p:sp>
-        <p:nvSpPr>
-          <p:cNvPr id="207" name="Google Shape;207;p21"/>
-          <p:cNvSpPr/>
-          <p:nvPr/>
-        </p:nvSpPr>
-        <p:spPr>
-          <a:xfrm>
-            <a:off x="6241750" y="4499600"/>
-            <a:ext cx="680100" cy="295200"/>
-          </a:xfrm>
-          <a:prstGeom prst="rect">
-            <a:avLst/>
-          </a:prstGeom>
-          <a:solidFill>
-            <a:schemeClr val="lt2"/>
-          </a:solidFill>
-          <a:ln w="9525" cap="flat" cmpd="sng">
-            <a:solidFill>
-              <a:schemeClr val="dk2"/>
-            </a:solidFill>
-            <a:prstDash val="solid"/>
-            <a:round/>
-            <a:headEnd type="none" w="sm" len="sm"/>
-            <a:tailEnd type="none" w="sm" len="sm"/>
-          </a:ln>
-        </p:spPr>
-        <p:txBody>
-          <a:bodyPr spcFirstLastPara="1" wrap="square" lIns="91425" tIns="91425" rIns="91425" bIns="91425" anchor="ctr" anchorCtr="0">
-            <a:noAutofit/>
-          </a:bodyPr>
-          <a:lstStyle/>
-          <a:p>
-            <a:pPr marL="0" lvl="0" indent="0" algn="ctr" rtl="0">
-              <a:spcBef>
-                <a:spcPts val="0"/>
-              </a:spcBef>
-              <a:spcAft>
-                <a:spcPts val="0"/>
-              </a:spcAft>
-              <a:buNone/>
-            </a:pPr>
-            <a:r>
-              <a:rPr lang="en"/>
-              <a:t>2: BE</a:t>
-            </a:r>
-            <a:endParaRPr/>
-          </a:p>
-        </p:txBody>
-      </p:sp>
-      <p:sp>
-        <p:nvSpPr>
-          <p:cNvPr id="208" name="Google Shape;208;p21"/>
-          <p:cNvSpPr/>
-          <p:nvPr/>
-        </p:nvSpPr>
-        <p:spPr>
-          <a:xfrm>
-            <a:off x="6921850" y="4499600"/>
-            <a:ext cx="680100" cy="295200"/>
-          </a:xfrm>
-          <a:prstGeom prst="rect">
-            <a:avLst/>
-          </a:prstGeom>
-          <a:solidFill>
-            <a:schemeClr val="lt2"/>
-          </a:solidFill>
-          <a:ln w="9525" cap="flat" cmpd="sng">
-            <a:solidFill>
-              <a:schemeClr val="dk2"/>
-            </a:solidFill>
-            <a:prstDash val="solid"/>
-            <a:round/>
-            <a:headEnd type="none" w="sm" len="sm"/>
-            <a:tailEnd type="none" w="sm" len="sm"/>
-          </a:ln>
-        </p:spPr>
-        <p:txBody>
-          <a:bodyPr spcFirstLastPara="1" wrap="square" lIns="91425" tIns="91425" rIns="91425" bIns="91425" anchor="ctr" anchorCtr="0">
-            <a:noAutofit/>
-          </a:bodyPr>
-          <a:lstStyle/>
-          <a:p>
-            <a:pPr marL="0" lvl="0" indent="0" algn="ctr" rtl="0">
-              <a:spcBef>
-                <a:spcPts val="0"/>
-              </a:spcBef>
-              <a:spcAft>
-                <a:spcPts val="0"/>
-              </a:spcAft>
-              <a:buNone/>
-            </a:pPr>
-            <a:r>
-              <a:rPr lang="en"/>
-              <a:t>3: AD</a:t>
-            </a:r>
-            <a:endParaRPr/>
-          </a:p>
-        </p:txBody>
-      </p:sp>
-      <p:sp>
-        <p:nvSpPr>
-          <p:cNvPr id="209" name="Google Shape;209;p21"/>
-          <p:cNvSpPr/>
-          <p:nvPr/>
-        </p:nvSpPr>
-        <p:spPr>
-          <a:xfrm>
-            <a:off x="7601950" y="4499600"/>
-            <a:ext cx="680100" cy="295200"/>
-          </a:xfrm>
-          <a:prstGeom prst="rect">
-            <a:avLst/>
-          </a:prstGeom>
-          <a:solidFill>
-            <a:schemeClr val="lt2"/>
-          </a:solidFill>
-          <a:ln w="9525" cap="flat" cmpd="sng">
-            <a:solidFill>
-              <a:schemeClr val="dk2"/>
-            </a:solidFill>
-            <a:prstDash val="solid"/>
-            <a:round/>
-            <a:headEnd type="none" w="sm" len="sm"/>
-            <a:tailEnd type="none" w="sm" len="sm"/>
-          </a:ln>
-        </p:spPr>
-        <p:txBody>
-          <a:bodyPr spcFirstLastPara="1" wrap="square" lIns="91425" tIns="91425" rIns="91425" bIns="91425" anchor="ctr" anchorCtr="0">
-            <a:noAutofit/>
-          </a:bodyPr>
-          <a:lstStyle/>
-          <a:p>
-            <a:pPr marL="0" lvl="0" indent="0" algn="ctr" rtl="0">
-              <a:spcBef>
-                <a:spcPts val="0"/>
-              </a:spcBef>
-              <a:spcAft>
-                <a:spcPts val="0"/>
-              </a:spcAft>
-              <a:buNone/>
-            </a:pPr>
-            <a:r>
-              <a:rPr lang="en"/>
-              <a:t>4: DE</a:t>
-            </a:r>
-            <a:endParaRPr/>
-          </a:p>
-        </p:txBody>
-      </p:sp>
-      <p:cxnSp>
-        <p:nvCxnSpPr>
-          <p:cNvPr id="210" name="Google Shape;210;p21"/>
-          <p:cNvCxnSpPr>
-            <a:stCxn id="196" idx="3"/>
-            <a:endCxn id="206" idx="0"/>
-          </p:cNvCxnSpPr>
-          <p:nvPr/>
-        </p:nvCxnSpPr>
-        <p:spPr>
-          <a:xfrm>
-            <a:off x="4912050" y="4276350"/>
-            <a:ext cx="989700" cy="223200"/>
-          </a:xfrm>
-          <a:prstGeom prst="straightConnector1">
-            <a:avLst/>
-          </a:prstGeom>
-          <a:noFill/>
-          <a:ln w="9525" cap="flat" cmpd="sng">
-            <a:solidFill>
-              <a:schemeClr val="dk2"/>
-            </a:solidFill>
-            <a:prstDash val="solid"/>
-            <a:round/>
-            <a:headEnd type="none" w="med" len="med"/>
-            <a:tailEnd type="triangle" w="med" len="med"/>
-          </a:ln>
-        </p:spPr>
-      </p:cxnSp>
-      <p:cxnSp>
-        <p:nvCxnSpPr>
-          <p:cNvPr id="211" name="Google Shape;211;p21"/>
-          <p:cNvCxnSpPr>
-            <a:stCxn id="197" idx="3"/>
-            <a:endCxn id="207" idx="0"/>
-          </p:cNvCxnSpPr>
-          <p:nvPr/>
-        </p:nvCxnSpPr>
-        <p:spPr>
-          <a:xfrm>
-            <a:off x="4912050" y="3981150"/>
-            <a:ext cx="1669800" cy="518400"/>
-          </a:xfrm>
-          <a:prstGeom prst="straightConnector1">
-            <a:avLst/>
-          </a:prstGeom>
-          <a:noFill/>
-          <a:ln w="9525" cap="flat" cmpd="sng">
-            <a:solidFill>
-              <a:schemeClr val="dk2"/>
-            </a:solidFill>
-            <a:prstDash val="solid"/>
-            <a:round/>
-            <a:headEnd type="none" w="med" len="med"/>
-            <a:tailEnd type="triangle" w="med" len="med"/>
-          </a:ln>
-        </p:spPr>
-      </p:cxnSp>
-      <p:sp>
-        <p:nvSpPr>
-          <p:cNvPr id="212" name="Google Shape;212;p21"/>
-          <p:cNvSpPr txBox="1"/>
-          <p:nvPr/>
-        </p:nvSpPr>
-        <p:spPr>
-          <a:xfrm>
-            <a:off x="4519050" y="2225538"/>
-            <a:ext cx="483300" cy="400200"/>
-          </a:xfrm>
-          <a:prstGeom prst="rect">
-            <a:avLst/>
-          </a:prstGeom>
-          <a:noFill/>
-          <a:ln>
-            <a:noFill/>
-          </a:ln>
-        </p:spPr>
-        <p:txBody>
-          <a:bodyPr spcFirstLastPara="1" wrap="square" lIns="91425" tIns="91425" rIns="91425" bIns="91425" anchor="t" anchorCtr="0">
-            <a:spAutoFit/>
-          </a:bodyPr>
-          <a:lstStyle/>
-          <a:p>
-            <a:pPr marL="0" lvl="0" indent="0" algn="l" rtl="0">
-              <a:spcBef>
-                <a:spcPts val="0"/>
-              </a:spcBef>
-              <a:spcAft>
-                <a:spcPts val="0"/>
-              </a:spcAft>
-              <a:buNone/>
-            </a:pPr>
-            <a:r>
-              <a:rPr lang="en"/>
-              <a:t>$sp</a:t>
-            </a:r>
-            <a:endParaRPr/>
-          </a:p>
-        </p:txBody>
-      </p:sp>
-      <p:sp>
-        <p:nvSpPr>
-          <p:cNvPr id="213" name="Google Shape;213;p21"/>
-          <p:cNvSpPr txBox="1"/>
-          <p:nvPr/>
-        </p:nvSpPr>
-        <p:spPr>
-          <a:xfrm>
-            <a:off x="4120925" y="1795000"/>
-            <a:ext cx="523500" cy="400200"/>
-          </a:xfrm>
-          <a:prstGeom prst="rect">
-            <a:avLst/>
-          </a:prstGeom>
-          <a:noFill/>
-          <a:ln>
-            <a:noFill/>
-          </a:ln>
-        </p:spPr>
-        <p:txBody>
-          <a:bodyPr spcFirstLastPara="1" wrap="square" lIns="91425" tIns="91425" rIns="91425" bIns="91425" anchor="t" anchorCtr="0">
-            <a:spAutoFit/>
-          </a:bodyPr>
-          <a:lstStyle/>
-          <a:p>
-            <a:pPr marL="0" lvl="0" indent="0" algn="l" rtl="0">
-              <a:spcBef>
-                <a:spcPts val="0"/>
-              </a:spcBef>
-              <a:spcAft>
-                <a:spcPts val="0"/>
-              </a:spcAft>
-              <a:buNone/>
-            </a:pPr>
-            <a:r>
-              <a:rPr lang="en"/>
-              <a:t>$fp</a:t>
-            </a:r>
-            <a:endParaRPr/>
-          </a:p>
-        </p:txBody>
-      </p:sp>
-      <p:sp>
-        <p:nvSpPr>
-          <p:cNvPr id="214" name="Google Shape;214;p21"/>
-          <p:cNvSpPr txBox="1"/>
-          <p:nvPr/>
-        </p:nvSpPr>
-        <p:spPr>
-          <a:xfrm>
-            <a:off x="4819350" y="2706475"/>
-            <a:ext cx="558900" cy="400200"/>
-          </a:xfrm>
-          <a:prstGeom prst="rect">
-            <a:avLst/>
-          </a:prstGeom>
-          <a:noFill/>
-          <a:ln>
-            <a:noFill/>
-          </a:ln>
-        </p:spPr>
-        <p:txBody>
-          <a:bodyPr spcFirstLastPara="1" wrap="square" lIns="91425" tIns="91425" rIns="91425" bIns="91425" anchor="t" anchorCtr="0">
-            <a:spAutoFit/>
-          </a:bodyPr>
-          <a:lstStyle/>
-          <a:p>
-            <a:pPr marL="0" lvl="0" indent="0" algn="l" rtl="0">
-              <a:spcBef>
-                <a:spcPts val="0"/>
-              </a:spcBef>
-              <a:spcAft>
-                <a:spcPts val="0"/>
-              </a:spcAft>
-              <a:buNone/>
-            </a:pPr>
-            <a:r>
-              <a:rPr lang="en"/>
-              <a:t>$gp</a:t>
-            </a:r>
-            <a:endParaRPr/>
-          </a:p>
-        </p:txBody>
-      </p:sp>
-      <p:cxnSp>
-        <p:nvCxnSpPr>
-          <p:cNvPr id="215" name="Google Shape;215;p21"/>
-          <p:cNvCxnSpPr>
-            <a:stCxn id="212" idx="3"/>
-          </p:cNvCxnSpPr>
-          <p:nvPr/>
-        </p:nvCxnSpPr>
-        <p:spPr>
-          <a:xfrm rot="10800000" flipH="1">
-            <a:off x="5002350" y="2233338"/>
-            <a:ext cx="1137000" cy="192300"/>
-          </a:xfrm>
-          <a:prstGeom prst="straightConnector1">
-            <a:avLst/>
-          </a:prstGeom>
-          <a:noFill/>
-          <a:ln w="9525" cap="flat" cmpd="sng">
-            <a:solidFill>
-              <a:schemeClr val="dk2"/>
-            </a:solidFill>
-            <a:prstDash val="solid"/>
-            <a:round/>
-            <a:headEnd type="none" w="med" len="med"/>
-            <a:tailEnd type="triangle" w="med" len="med"/>
-          </a:ln>
-        </p:spPr>
-      </p:cxnSp>
-      <p:cxnSp>
-        <p:nvCxnSpPr>
-          <p:cNvPr id="216" name="Google Shape;216;p21"/>
-          <p:cNvCxnSpPr/>
-          <p:nvPr/>
-        </p:nvCxnSpPr>
-        <p:spPr>
-          <a:xfrm rot="10800000" flipH="1">
-            <a:off x="5378250" y="2725675"/>
-            <a:ext cx="801300" cy="180900"/>
-          </a:xfrm>
-          <a:prstGeom prst="straightConnector1">
-            <a:avLst/>
-          </a:prstGeom>
-          <a:noFill/>
-          <a:ln w="9525" cap="flat" cmpd="sng">
-            <a:solidFill>
-              <a:schemeClr val="dk2"/>
-            </a:solidFill>
-            <a:prstDash val="solid"/>
-            <a:round/>
-            <a:headEnd type="none" w="med" len="med"/>
-            <a:tailEnd type="triangle" w="med" len="med"/>
-          </a:ln>
-        </p:spPr>
-      </p:cxnSp>
-      <p:cxnSp>
-        <p:nvCxnSpPr>
-          <p:cNvPr id="217" name="Google Shape;217;p21"/>
-          <p:cNvCxnSpPr>
-            <a:stCxn id="213" idx="3"/>
-          </p:cNvCxnSpPr>
-          <p:nvPr/>
-        </p:nvCxnSpPr>
-        <p:spPr>
-          <a:xfrm>
-            <a:off x="4644425" y="1995100"/>
-            <a:ext cx="1463400" cy="104100"/>
-          </a:xfrm>
-          <a:prstGeom prst="straightConnector1">
-            <a:avLst/>
-          </a:prstGeom>
-          <a:noFill/>
-          <a:ln w="9525" cap="flat" cmpd="sng">
-            <a:solidFill>
-              <a:schemeClr val="dk2"/>
-            </a:solidFill>
-            <a:prstDash val="solid"/>
-            <a:round/>
-            <a:headEnd type="none" w="med" len="med"/>
-            <a:tailEnd type="triangle" w="med" len="med"/>
-          </a:ln>
-        </p:spPr>
-      </p:cxnSp>
-      <p:sp>
-        <p:nvSpPr>
-          <p:cNvPr id="218" name="Google Shape;218;p21"/>
-          <p:cNvSpPr txBox="1"/>
-          <p:nvPr/>
-        </p:nvSpPr>
-        <p:spPr>
-          <a:xfrm>
-            <a:off x="6047777" y="24699"/>
-            <a:ext cx="3076770" cy="923299"/>
-          </a:xfrm>
-          <a:prstGeom prst="rect">
-            <a:avLst/>
-          </a:prstGeom>
-          <a:noFill/>
-          <a:ln>
-            <a:noFill/>
-          </a:ln>
-        </p:spPr>
-        <p:txBody>
-          <a:bodyPr spcFirstLastPara="1" wrap="square" lIns="91425" tIns="91425" rIns="91425" bIns="91425" anchor="t" anchorCtr="0">
-            <a:spAutoFit/>
-          </a:bodyPr>
-          <a:lstStyle/>
-          <a:p>
-            <a:pPr marL="0" lvl="0" indent="0" algn="l" rtl="0">
-              <a:spcBef>
-                <a:spcPts val="0"/>
-              </a:spcBef>
-              <a:spcAft>
-                <a:spcPts val="0"/>
-              </a:spcAft>
-              <a:buNone/>
-            </a:pPr>
-            <a:r>
-              <a:rPr lang="en" sz="1200" dirty="0" err="1"/>
-              <a:t>endiance</a:t>
-            </a:r>
-            <a:r>
-              <a:rPr lang="en" sz="1200" dirty="0"/>
-              <a:t>: the order of bytes within a word</a:t>
-            </a:r>
-            <a:endParaRPr sz="1200" dirty="0"/>
-          </a:p>
-          <a:p>
-            <a:pPr marL="457200" lvl="0" indent="-317500" algn="l" rtl="0">
-              <a:spcBef>
-                <a:spcPts val="0"/>
-              </a:spcBef>
-              <a:spcAft>
-                <a:spcPts val="0"/>
-              </a:spcAft>
-              <a:buSzPts val="1400"/>
-              <a:buChar char="●"/>
-            </a:pPr>
-            <a:r>
-              <a:rPr lang="en" sz="1200" dirty="0"/>
-              <a:t>big:      1,2,3,4        (</a:t>
-            </a:r>
-            <a:r>
-              <a:rPr lang="en" sz="1200" dirty="0" err="1"/>
-              <a:t>yy</a:t>
-            </a:r>
-            <a:r>
-              <a:rPr lang="en" sz="1200" dirty="0"/>
-              <a:t>/mm/dd)</a:t>
-            </a:r>
-            <a:endParaRPr sz="1200" dirty="0"/>
-          </a:p>
-          <a:p>
-            <a:pPr marL="457200" lvl="0" indent="-317500" algn="l" rtl="0">
-              <a:spcBef>
-                <a:spcPts val="0"/>
-              </a:spcBef>
-              <a:spcAft>
-                <a:spcPts val="0"/>
-              </a:spcAft>
-              <a:buSzPts val="1400"/>
-              <a:buChar char="●"/>
-            </a:pPr>
-            <a:r>
-              <a:rPr lang="en" sz="1200" dirty="0"/>
-              <a:t>little:     4,3,2,1       (dd/mm/</a:t>
-            </a:r>
-            <a:r>
-              <a:rPr lang="en" sz="1200" dirty="0" err="1"/>
-              <a:t>yy</a:t>
-            </a:r>
-            <a:r>
-              <a:rPr lang="en" sz="1200" dirty="0"/>
-              <a:t>)</a:t>
-            </a:r>
-            <a:endParaRPr sz="1200" dirty="0"/>
-          </a:p>
-          <a:p>
-            <a:pPr marL="457200" lvl="0" indent="-317500" algn="l" rtl="0">
-              <a:spcBef>
-                <a:spcPts val="0"/>
-              </a:spcBef>
-              <a:spcAft>
-                <a:spcPts val="0"/>
-              </a:spcAft>
-              <a:buSzPts val="1400"/>
-              <a:buChar char="●"/>
-            </a:pPr>
-            <a:r>
-              <a:rPr lang="en" sz="1200" dirty="0"/>
-              <a:t>middle: 3,4,1,2       (mm/dd/</a:t>
-            </a:r>
-            <a:r>
-              <a:rPr lang="en" sz="1200" dirty="0" err="1"/>
-              <a:t>yy</a:t>
-            </a:r>
-            <a:r>
-              <a:rPr lang="en" sz="1200" dirty="0"/>
-              <a:t>)</a:t>
-            </a:r>
-            <a:endParaRPr sz="1200" dirty="0"/>
-          </a:p>
-        </p:txBody>
-      </p:sp>
     </p:spTree>
   </p:cSld>
   <p:clrMapOvr>
